--- a/Fried Chips_EC551_Final Project.pptx
+++ b/Fried Chips_EC551_Final Project.pptx
@@ -23,14 +23,18 @@
     <p:sldId id="268" r:id="rId18"/>
     <p:sldId id="269" r:id="rId19"/>
     <p:sldId id="270" r:id="rId20"/>
+    <p:sldId id="271" r:id="rId21"/>
+    <p:sldId id="272" r:id="rId22"/>
+    <p:sldId id="273" r:id="rId23"/>
+    <p:sldId id="274" r:id="rId24"/>
   </p:sldIdLst>
   <p:sldSz cy="5143500" cx="9144000"/>
   <p:notesSz cx="6858000" cy="9144000"/>
   <p:embeddedFontLst>
     <p:embeddedFont>
       <p:font typeface="Amatic SC"/>
-      <p:regular r:id="rId21"/>
-      <p:bold r:id="rId22"/>
+      <p:regular r:id="rId25"/>
+      <p:bold r:id="rId26"/>
     </p:embeddedFont>
   </p:embeddedFontLst>
   <p:defaultTextStyle>
@@ -811,7 +815,7 @@
   <p:cSld>
     <p:spTree>
       <p:nvGrpSpPr>
-        <p:cNvPr id="251" name="Shape 251"/>
+        <p:cNvPr id="264" name="Shape 264"/>
         <p:cNvGrpSpPr/>
         <p:nvPr/>
       </p:nvGrpSpPr>
@@ -825,7 +829,7 @@
       </p:grpSpPr>
       <p:sp>
         <p:nvSpPr>
-          <p:cNvPr id="252" name="Google Shape;252;g1a5bf53a764_0_2:notes"/>
+          <p:cNvPr id="265" name="Google Shape;265;g1aea37e4687_1_21:notes"/>
           <p:cNvSpPr/>
           <p:nvPr>
             <p:ph idx="2" type="sldImg"/>
@@ -860,7 +864,7 @@
       </p:sp>
       <p:sp>
         <p:nvSpPr>
-          <p:cNvPr id="253" name="Google Shape;253;g1a5bf53a764_0_2:notes"/>
+          <p:cNvPr id="266" name="Google Shape;266;g1aea37e4687_1_21:notes"/>
           <p:cNvSpPr txBox="1"/>
           <p:nvPr>
             <p:ph idx="1" type="body"/>
@@ -881,7 +885,10 @@
           </a:bodyPr>
           <a:lstStyle/>
           <a:p>
-            <a:pPr indent="-317500" lvl="0" marL="457200" rtl="0" algn="l">
+            <a:pPr indent="-298450" lvl="0" marL="457200" rtl="0" algn="l">
+              <a:lnSpc>
+                <a:spcPct val="115000"/>
+              </a:lnSpc>
               <a:spcBef>
                 <a:spcPts val="0"/>
               </a:spcBef>
@@ -891,12 +898,12 @@
               <a:buClr>
                 <a:schemeClr val="dk1"/>
               </a:buClr>
-              <a:buSzPts val="1400"/>
+              <a:buSzPts val="1100"/>
               <a:buFont typeface="Trebuchet MS"/>
               <a:buChar char="●"/>
             </a:pPr>
             <a:r>
-              <a:rPr lang="en" sz="1400">
+              <a:rPr lang="en">
                 <a:solidFill>
                   <a:schemeClr val="dk1"/>
                 </a:solidFill>
@@ -905,7 +912,7 @@
                 <a:cs typeface="Trebuchet MS"/>
                 <a:sym typeface="Trebuchet MS"/>
               </a:rPr>
-              <a:t>Cross-module references (XMRs) to simplify the code (only for single use debug scenarios)</a:t>
+              <a:t>This is the previous one, need to update</a:t>
             </a:r>
             <a:endParaRPr/>
           </a:p>
@@ -924,7 +931,7 @@
   <p:cSld>
     <p:spTree>
       <p:nvGrpSpPr>
-        <p:cNvPr id="264" name="Shape 264"/>
+        <p:cNvPr id="278" name="Shape 278"/>
         <p:cNvGrpSpPr/>
         <p:nvPr/>
       </p:nvGrpSpPr>
@@ -938,7 +945,7 @@
       </p:grpSpPr>
       <p:sp>
         <p:nvSpPr>
-          <p:cNvPr id="265" name="Google Shape;265;g1a805f06d61_0_0:notes"/>
+          <p:cNvPr id="279" name="Google Shape;279;g1aea37e4687_1_34:notes"/>
           <p:cNvSpPr/>
           <p:nvPr>
             <p:ph idx="2" type="sldImg"/>
@@ -973,7 +980,7 @@
       </p:sp>
       <p:sp>
         <p:nvSpPr>
-          <p:cNvPr id="266" name="Google Shape;266;g1a805f06d61_0_0:notes"/>
+          <p:cNvPr id="280" name="Google Shape;280;g1aea37e4687_1_34:notes"/>
           <p:cNvSpPr txBox="1"/>
           <p:nvPr>
             <p:ph idx="1" type="body"/>
@@ -994,7 +1001,10 @@
           </a:bodyPr>
           <a:lstStyle/>
           <a:p>
-            <a:pPr indent="-317500" lvl="0" marL="457200" rtl="0" algn="l">
+            <a:pPr indent="-298450" lvl="0" marL="457200" rtl="0" algn="l">
+              <a:lnSpc>
+                <a:spcPct val="115000"/>
+              </a:lnSpc>
               <a:spcBef>
                 <a:spcPts val="0"/>
               </a:spcBef>
@@ -1004,12 +1014,12 @@
               <a:buClr>
                 <a:schemeClr val="dk1"/>
               </a:buClr>
-              <a:buSzPts val="1400"/>
+              <a:buSzPts val="1100"/>
               <a:buFont typeface="Trebuchet MS"/>
               <a:buChar char="●"/>
             </a:pPr>
             <a:r>
-              <a:rPr lang="en" sz="1400">
+              <a:rPr lang="en">
                 <a:solidFill>
                   <a:schemeClr val="dk1"/>
                 </a:solidFill>
@@ -1018,7 +1028,7 @@
                 <a:cs typeface="Trebuchet MS"/>
                 <a:sym typeface="Trebuchet MS"/>
               </a:rPr>
-              <a:t>Cross-module references (XMRs) to simplify the code (only for single use debug scenarios)</a:t>
+              <a:t>This is the previous one, need to update</a:t>
             </a:r>
             <a:endParaRPr/>
           </a:p>
@@ -1037,7 +1047,7 @@
   <p:cSld>
     <p:spTree>
       <p:nvGrpSpPr>
-        <p:cNvPr id="275" name="Shape 275"/>
+        <p:cNvPr id="296" name="Shape 296"/>
         <p:cNvGrpSpPr/>
         <p:nvPr/>
       </p:nvGrpSpPr>
@@ -1051,7 +1061,7 @@
       </p:grpSpPr>
       <p:sp>
         <p:nvSpPr>
-          <p:cNvPr id="276" name="Google Shape;276;g1a4e2dc26cf_0_183:notes"/>
+          <p:cNvPr id="297" name="Google Shape;297;g1a4e2dc26cf_0_176:notes"/>
           <p:cNvSpPr/>
           <p:nvPr>
             <p:ph idx="2" type="sldImg"/>
@@ -1086,7 +1096,7 @@
       </p:sp>
       <p:sp>
         <p:nvSpPr>
-          <p:cNvPr id="277" name="Google Shape;277;g1a4e2dc26cf_0_183:notes"/>
+          <p:cNvPr id="298" name="Google Shape;298;g1a4e2dc26cf_0_176:notes"/>
           <p:cNvSpPr txBox="1"/>
           <p:nvPr>
             <p:ph idx="1" type="body"/>
@@ -1107,17 +1117,31 @@
           </a:bodyPr>
           <a:lstStyle/>
           <a:p>
-            <a:pPr indent="0" lvl="0" marL="0" rtl="0" algn="l">
-              <a:spcBef>
-                <a:spcPts val="0"/>
-              </a:spcBef>
-              <a:spcAft>
-                <a:spcPts val="0"/>
-              </a:spcAft>
-              <a:buNone/>
-            </a:pPr>
-            <a:r>
-              <a:t/>
+            <a:pPr indent="-317500" lvl="0" marL="457200" rtl="0" algn="l">
+              <a:spcBef>
+                <a:spcPts val="0"/>
+              </a:spcBef>
+              <a:spcAft>
+                <a:spcPts val="0"/>
+              </a:spcAft>
+              <a:buClr>
+                <a:schemeClr val="dk1"/>
+              </a:buClr>
+              <a:buSzPts val="1400"/>
+              <a:buFont typeface="Trebuchet MS"/>
+              <a:buChar char="●"/>
+            </a:pPr>
+            <a:r>
+              <a:rPr lang="en" sz="1400">
+                <a:solidFill>
+                  <a:schemeClr val="dk1"/>
+                </a:solidFill>
+                <a:latin typeface="Trebuchet MS"/>
+                <a:ea typeface="Trebuchet MS"/>
+                <a:cs typeface="Trebuchet MS"/>
+                <a:sym typeface="Trebuchet MS"/>
+              </a:rPr>
+              <a:t>Cross-module references (XMRs) to simplify the code (only for single use debug scenarios)</a:t>
             </a:r>
             <a:endParaRPr/>
           </a:p>
@@ -1136,7 +1160,7 @@
   <p:cSld>
     <p:spTree>
       <p:nvGrpSpPr>
-        <p:cNvPr id="283" name="Shape 283"/>
+        <p:cNvPr id="305" name="Shape 305"/>
         <p:cNvGrpSpPr/>
         <p:nvPr/>
       </p:nvGrpSpPr>
@@ -1150,7 +1174,7 @@
       </p:grpSpPr>
       <p:sp>
         <p:nvSpPr>
-          <p:cNvPr id="284" name="Google Shape;284;g1a4e2dc26cf_0_190:notes"/>
+          <p:cNvPr id="306" name="Google Shape;306;g1a5bf53a764_0_2:notes"/>
           <p:cNvSpPr/>
           <p:nvPr>
             <p:ph idx="2" type="sldImg"/>
@@ -1185,7 +1209,7 @@
       </p:sp>
       <p:sp>
         <p:nvSpPr>
-          <p:cNvPr id="285" name="Google Shape;285;g1a4e2dc26cf_0_190:notes"/>
+          <p:cNvPr id="307" name="Google Shape;307;g1a5bf53a764_0_2:notes"/>
           <p:cNvSpPr txBox="1"/>
           <p:nvPr>
             <p:ph idx="1" type="body"/>
@@ -1206,17 +1230,31 @@
           </a:bodyPr>
           <a:lstStyle/>
           <a:p>
-            <a:pPr indent="0" lvl="0" marL="0" rtl="0" algn="l">
-              <a:spcBef>
-                <a:spcPts val="0"/>
-              </a:spcBef>
-              <a:spcAft>
-                <a:spcPts val="0"/>
-              </a:spcAft>
-              <a:buNone/>
-            </a:pPr>
-            <a:r>
-              <a:t/>
+            <a:pPr indent="-317500" lvl="0" marL="457200" rtl="0" algn="l">
+              <a:spcBef>
+                <a:spcPts val="0"/>
+              </a:spcBef>
+              <a:spcAft>
+                <a:spcPts val="0"/>
+              </a:spcAft>
+              <a:buClr>
+                <a:schemeClr val="dk1"/>
+              </a:buClr>
+              <a:buSzPts val="1400"/>
+              <a:buFont typeface="Trebuchet MS"/>
+              <a:buChar char="●"/>
+            </a:pPr>
+            <a:r>
+              <a:rPr lang="en" sz="1400">
+                <a:solidFill>
+                  <a:schemeClr val="dk1"/>
+                </a:solidFill>
+                <a:latin typeface="Trebuchet MS"/>
+                <a:ea typeface="Trebuchet MS"/>
+                <a:cs typeface="Trebuchet MS"/>
+                <a:sym typeface="Trebuchet MS"/>
+              </a:rPr>
+              <a:t>Cross-module references (XMRs) to simplify the code (only for single use debug scenarios)</a:t>
             </a:r>
             <a:endParaRPr/>
           </a:p>
@@ -1235,7 +1273,7 @@
   <p:cSld>
     <p:spTree>
       <p:nvGrpSpPr>
-        <p:cNvPr id="290" name="Shape 290"/>
+        <p:cNvPr id="318" name="Shape 318"/>
         <p:cNvGrpSpPr/>
         <p:nvPr/>
       </p:nvGrpSpPr>
@@ -1249,7 +1287,7 @@
       </p:grpSpPr>
       <p:sp>
         <p:nvSpPr>
-          <p:cNvPr id="291" name="Google Shape;291;g1a4e2dc26cf_0_197:notes"/>
+          <p:cNvPr id="319" name="Google Shape;319;g1a805f06d61_0_0:notes"/>
           <p:cNvSpPr/>
           <p:nvPr>
             <p:ph idx="2" type="sldImg"/>
@@ -1284,7 +1322,7 @@
       </p:sp>
       <p:sp>
         <p:nvSpPr>
-          <p:cNvPr id="292" name="Google Shape;292;g1a4e2dc26cf_0_197:notes"/>
+          <p:cNvPr id="320" name="Google Shape;320;g1a805f06d61_0_0:notes"/>
           <p:cNvSpPr txBox="1"/>
           <p:nvPr>
             <p:ph idx="1" type="body"/>
@@ -1305,17 +1343,31 @@
           </a:bodyPr>
           <a:lstStyle/>
           <a:p>
-            <a:pPr indent="0" lvl="0" marL="0" rtl="0" algn="l">
-              <a:spcBef>
-                <a:spcPts val="0"/>
-              </a:spcBef>
-              <a:spcAft>
-                <a:spcPts val="0"/>
-              </a:spcAft>
-              <a:buNone/>
-            </a:pPr>
-            <a:r>
-              <a:t/>
+            <a:pPr indent="-317500" lvl="0" marL="457200" rtl="0" algn="l">
+              <a:spcBef>
+                <a:spcPts val="0"/>
+              </a:spcBef>
+              <a:spcAft>
+                <a:spcPts val="0"/>
+              </a:spcAft>
+              <a:buClr>
+                <a:schemeClr val="dk1"/>
+              </a:buClr>
+              <a:buSzPts val="1400"/>
+              <a:buFont typeface="Trebuchet MS"/>
+              <a:buChar char="●"/>
+            </a:pPr>
+            <a:r>
+              <a:rPr lang="en" sz="1400">
+                <a:solidFill>
+                  <a:schemeClr val="dk1"/>
+                </a:solidFill>
+                <a:latin typeface="Trebuchet MS"/>
+                <a:ea typeface="Trebuchet MS"/>
+                <a:cs typeface="Trebuchet MS"/>
+                <a:sym typeface="Trebuchet MS"/>
+              </a:rPr>
+              <a:t>Cross-module references (XMRs) to simplify the code (only for single use debug scenarios)</a:t>
             </a:r>
             <a:endParaRPr/>
           </a:p>
@@ -1334,7 +1386,7 @@
   <p:cSld>
     <p:spTree>
       <p:nvGrpSpPr>
-        <p:cNvPr id="297" name="Shape 297"/>
+        <p:cNvPr id="329" name="Shape 329"/>
         <p:cNvGrpSpPr/>
         <p:nvPr/>
       </p:nvGrpSpPr>
@@ -1348,7 +1400,7 @@
       </p:grpSpPr>
       <p:sp>
         <p:nvSpPr>
-          <p:cNvPr id="298" name="Google Shape;298;g1a4e2dc26cf_0_211:notes"/>
+          <p:cNvPr id="330" name="Google Shape;330;g1a4e2dc26cf_0_183:notes"/>
           <p:cNvSpPr/>
           <p:nvPr>
             <p:ph idx="2" type="sldImg"/>
@@ -1383,7 +1435,403 @@
       </p:sp>
       <p:sp>
         <p:nvSpPr>
-          <p:cNvPr id="299" name="Google Shape;299;g1a4e2dc26cf_0_211:notes"/>
+          <p:cNvPr id="331" name="Google Shape;331;g1a4e2dc26cf_0_183:notes"/>
+          <p:cNvSpPr txBox="1"/>
+          <p:nvPr>
+            <p:ph idx="1" type="body"/>
+          </p:nvPr>
+        </p:nvSpPr>
+        <p:spPr>
+          <a:xfrm>
+            <a:off x="685800" y="4343400"/>
+            <a:ext cx="5486400" cy="4114800"/>
+          </a:xfrm>
+          <a:prstGeom prst="rect">
+            <a:avLst/>
+          </a:prstGeom>
+        </p:spPr>
+        <p:txBody>
+          <a:bodyPr anchorCtr="0" anchor="t" bIns="91425" lIns="91425" spcFirstLastPara="1" rIns="91425" wrap="square" tIns="91425">
+            <a:noAutofit/>
+          </a:bodyPr>
+          <a:lstStyle/>
+          <a:p>
+            <a:pPr indent="0" lvl="0" marL="0" rtl="0" algn="l">
+              <a:spcBef>
+                <a:spcPts val="0"/>
+              </a:spcBef>
+              <a:spcAft>
+                <a:spcPts val="0"/>
+              </a:spcAft>
+              <a:buNone/>
+            </a:pPr>
+            <a:r>
+              <a:t/>
+            </a:r>
+            <a:endParaRPr/>
+          </a:p>
+        </p:txBody>
+      </p:sp>
+    </p:spTree>
+  </p:cSld>
+  <p:clrMapOvr>
+    <a:masterClrMapping/>
+  </p:clrMapOvr>
+</p:notes>
+</file>
+
+<file path=ppt/notesSlides/notesSlide16.xml><?xml version="1.0" encoding="utf-8"?>
+<p:notes xmlns:a="http://schemas.openxmlformats.org/drawingml/2006/main" xmlns:r="http://schemas.openxmlformats.org/officeDocument/2006/relationships" xmlns:mc="http://schemas.openxmlformats.org/markup-compatibility/2006" xmlns:mv="urn:schemas-microsoft-com:mac:vml" xmlns:p="http://schemas.openxmlformats.org/presentationml/2006/main" xmlns:c="http://schemas.openxmlformats.org/drawingml/2006/chart" xmlns:dgm="http://schemas.openxmlformats.org/drawingml/2006/diagram" xmlns:o="urn:schemas-microsoft-com:office:office" xmlns:v="urn:schemas-microsoft-com:vml" xmlns:pvml="urn:schemas-microsoft-com:office:powerpoint" xmlns:com="http://schemas.openxmlformats.org/drawingml/2006/compatibility" xmlns:p14="http://schemas.microsoft.com/office/powerpoint/2010/main" xmlns:p15="http://schemas.microsoft.com/office/powerpoint/2012/main" xmlns:ahyp="http://schemas.microsoft.com/office/drawing/2018/hyperlinkcolor" showMasterPhAnim="0" showMasterSp="0">
+  <p:cSld>
+    <p:spTree>
+      <p:nvGrpSpPr>
+        <p:cNvPr id="337" name="Shape 337"/>
+        <p:cNvGrpSpPr/>
+        <p:nvPr/>
+      </p:nvGrpSpPr>
+      <p:grpSpPr>
+        <a:xfrm>
+          <a:off x="0" y="0"/>
+          <a:ext cx="0" cy="0"/>
+          <a:chOff x="0" y="0"/>
+          <a:chExt cx="0" cy="0"/>
+        </a:xfrm>
+      </p:grpSpPr>
+      <p:sp>
+        <p:nvSpPr>
+          <p:cNvPr id="338" name="Google Shape;338;g1aea37e4687_1_51:notes"/>
+          <p:cNvSpPr/>
+          <p:nvPr>
+            <p:ph idx="2" type="sldImg"/>
+          </p:nvPr>
+        </p:nvSpPr>
+        <p:spPr>
+          <a:xfrm>
+            <a:off x="381300" y="685800"/>
+            <a:ext cx="6096000" cy="3429000"/>
+          </a:xfrm>
+          <a:custGeom>
+            <a:rect b="b" l="l" r="r" t="t"/>
+            <a:pathLst>
+              <a:path extrusionOk="0" h="120000" w="120000">
+                <a:moveTo>
+                  <a:pt x="0" y="0"/>
+                </a:moveTo>
+                <a:lnTo>
+                  <a:pt x="120000" y="0"/>
+                </a:lnTo>
+                <a:lnTo>
+                  <a:pt x="120000" y="120000"/>
+                </a:lnTo>
+                <a:lnTo>
+                  <a:pt x="0" y="120000"/>
+                </a:lnTo>
+                <a:close/>
+              </a:path>
+            </a:pathLst>
+          </a:custGeom>
+        </p:spPr>
+      </p:sp>
+      <p:sp>
+        <p:nvSpPr>
+          <p:cNvPr id="339" name="Google Shape;339;g1aea37e4687_1_51:notes"/>
+          <p:cNvSpPr txBox="1"/>
+          <p:nvPr>
+            <p:ph idx="1" type="body"/>
+          </p:nvPr>
+        </p:nvSpPr>
+        <p:spPr>
+          <a:xfrm>
+            <a:off x="685800" y="4343400"/>
+            <a:ext cx="5486400" cy="4114800"/>
+          </a:xfrm>
+          <a:prstGeom prst="rect">
+            <a:avLst/>
+          </a:prstGeom>
+        </p:spPr>
+        <p:txBody>
+          <a:bodyPr anchorCtr="0" anchor="t" bIns="91425" lIns="91425" spcFirstLastPara="1" rIns="91425" wrap="square" tIns="91425">
+            <a:noAutofit/>
+          </a:bodyPr>
+          <a:lstStyle/>
+          <a:p>
+            <a:pPr indent="0" lvl="0" marL="0" rtl="0" algn="l">
+              <a:spcBef>
+                <a:spcPts val="0"/>
+              </a:spcBef>
+              <a:spcAft>
+                <a:spcPts val="0"/>
+              </a:spcAft>
+              <a:buNone/>
+            </a:pPr>
+            <a:r>
+              <a:t/>
+            </a:r>
+            <a:endParaRPr/>
+          </a:p>
+        </p:txBody>
+      </p:sp>
+    </p:spTree>
+  </p:cSld>
+  <p:clrMapOvr>
+    <a:masterClrMapping/>
+  </p:clrMapOvr>
+</p:notes>
+</file>
+
+<file path=ppt/notesSlides/notesSlide17.xml><?xml version="1.0" encoding="utf-8"?>
+<p:notes xmlns:a="http://schemas.openxmlformats.org/drawingml/2006/main" xmlns:r="http://schemas.openxmlformats.org/officeDocument/2006/relationships" xmlns:mc="http://schemas.openxmlformats.org/markup-compatibility/2006" xmlns:mv="urn:schemas-microsoft-com:mac:vml" xmlns:p="http://schemas.openxmlformats.org/presentationml/2006/main" xmlns:c="http://schemas.openxmlformats.org/drawingml/2006/chart" xmlns:dgm="http://schemas.openxmlformats.org/drawingml/2006/diagram" xmlns:o="urn:schemas-microsoft-com:office:office" xmlns:v="urn:schemas-microsoft-com:vml" xmlns:pvml="urn:schemas-microsoft-com:office:powerpoint" xmlns:com="http://schemas.openxmlformats.org/drawingml/2006/compatibility" xmlns:p14="http://schemas.microsoft.com/office/powerpoint/2010/main" xmlns:p15="http://schemas.microsoft.com/office/powerpoint/2012/main" xmlns:ahyp="http://schemas.microsoft.com/office/drawing/2018/hyperlinkcolor" showMasterPhAnim="0" showMasterSp="0">
+  <p:cSld>
+    <p:spTree>
+      <p:nvGrpSpPr>
+        <p:cNvPr id="366" name="Shape 366"/>
+        <p:cNvGrpSpPr/>
+        <p:nvPr/>
+      </p:nvGrpSpPr>
+      <p:grpSpPr>
+        <a:xfrm>
+          <a:off x="0" y="0"/>
+          <a:ext cx="0" cy="0"/>
+          <a:chOff x="0" y="0"/>
+          <a:chExt cx="0" cy="0"/>
+        </a:xfrm>
+      </p:grpSpPr>
+      <p:sp>
+        <p:nvSpPr>
+          <p:cNvPr id="367" name="Google Shape;367;g1a4e2dc26cf_0_190:notes"/>
+          <p:cNvSpPr/>
+          <p:nvPr>
+            <p:ph idx="2" type="sldImg"/>
+          </p:nvPr>
+        </p:nvSpPr>
+        <p:spPr>
+          <a:xfrm>
+            <a:off x="381300" y="685800"/>
+            <a:ext cx="6096000" cy="3429000"/>
+          </a:xfrm>
+          <a:custGeom>
+            <a:rect b="b" l="l" r="r" t="t"/>
+            <a:pathLst>
+              <a:path extrusionOk="0" h="120000" w="120000">
+                <a:moveTo>
+                  <a:pt x="0" y="0"/>
+                </a:moveTo>
+                <a:lnTo>
+                  <a:pt x="120000" y="0"/>
+                </a:lnTo>
+                <a:lnTo>
+                  <a:pt x="120000" y="120000"/>
+                </a:lnTo>
+                <a:lnTo>
+                  <a:pt x="0" y="120000"/>
+                </a:lnTo>
+                <a:close/>
+              </a:path>
+            </a:pathLst>
+          </a:custGeom>
+        </p:spPr>
+      </p:sp>
+      <p:sp>
+        <p:nvSpPr>
+          <p:cNvPr id="368" name="Google Shape;368;g1a4e2dc26cf_0_190:notes"/>
+          <p:cNvSpPr txBox="1"/>
+          <p:nvPr>
+            <p:ph idx="1" type="body"/>
+          </p:nvPr>
+        </p:nvSpPr>
+        <p:spPr>
+          <a:xfrm>
+            <a:off x="685800" y="4343400"/>
+            <a:ext cx="5486400" cy="4114800"/>
+          </a:xfrm>
+          <a:prstGeom prst="rect">
+            <a:avLst/>
+          </a:prstGeom>
+        </p:spPr>
+        <p:txBody>
+          <a:bodyPr anchorCtr="0" anchor="t" bIns="91425" lIns="91425" spcFirstLastPara="1" rIns="91425" wrap="square" tIns="91425">
+            <a:noAutofit/>
+          </a:bodyPr>
+          <a:lstStyle/>
+          <a:p>
+            <a:pPr indent="0" lvl="0" marL="0" rtl="0" algn="l">
+              <a:spcBef>
+                <a:spcPts val="0"/>
+              </a:spcBef>
+              <a:spcAft>
+                <a:spcPts val="0"/>
+              </a:spcAft>
+              <a:buNone/>
+            </a:pPr>
+            <a:r>
+              <a:t/>
+            </a:r>
+            <a:endParaRPr/>
+          </a:p>
+        </p:txBody>
+      </p:sp>
+    </p:spTree>
+  </p:cSld>
+  <p:clrMapOvr>
+    <a:masterClrMapping/>
+  </p:clrMapOvr>
+</p:notes>
+</file>
+
+<file path=ppt/notesSlides/notesSlide18.xml><?xml version="1.0" encoding="utf-8"?>
+<p:notes xmlns:a="http://schemas.openxmlformats.org/drawingml/2006/main" xmlns:r="http://schemas.openxmlformats.org/officeDocument/2006/relationships" xmlns:mc="http://schemas.openxmlformats.org/markup-compatibility/2006" xmlns:mv="urn:schemas-microsoft-com:mac:vml" xmlns:p="http://schemas.openxmlformats.org/presentationml/2006/main" xmlns:c="http://schemas.openxmlformats.org/drawingml/2006/chart" xmlns:dgm="http://schemas.openxmlformats.org/drawingml/2006/diagram" xmlns:o="urn:schemas-microsoft-com:office:office" xmlns:v="urn:schemas-microsoft-com:vml" xmlns:pvml="urn:schemas-microsoft-com:office:powerpoint" xmlns:com="http://schemas.openxmlformats.org/drawingml/2006/compatibility" xmlns:p14="http://schemas.microsoft.com/office/powerpoint/2010/main" xmlns:p15="http://schemas.microsoft.com/office/powerpoint/2012/main" xmlns:ahyp="http://schemas.microsoft.com/office/drawing/2018/hyperlinkcolor" showMasterPhAnim="0" showMasterSp="0">
+  <p:cSld>
+    <p:spTree>
+      <p:nvGrpSpPr>
+        <p:cNvPr id="373" name="Shape 373"/>
+        <p:cNvGrpSpPr/>
+        <p:nvPr/>
+      </p:nvGrpSpPr>
+      <p:grpSpPr>
+        <a:xfrm>
+          <a:off x="0" y="0"/>
+          <a:ext cx="0" cy="0"/>
+          <a:chOff x="0" y="0"/>
+          <a:chExt cx="0" cy="0"/>
+        </a:xfrm>
+      </p:grpSpPr>
+      <p:sp>
+        <p:nvSpPr>
+          <p:cNvPr id="374" name="Google Shape;374;g1a4e2dc26cf_0_197:notes"/>
+          <p:cNvSpPr/>
+          <p:nvPr>
+            <p:ph idx="2" type="sldImg"/>
+          </p:nvPr>
+        </p:nvSpPr>
+        <p:spPr>
+          <a:xfrm>
+            <a:off x="381300" y="685800"/>
+            <a:ext cx="6096000" cy="3429000"/>
+          </a:xfrm>
+          <a:custGeom>
+            <a:rect b="b" l="l" r="r" t="t"/>
+            <a:pathLst>
+              <a:path extrusionOk="0" h="120000" w="120000">
+                <a:moveTo>
+                  <a:pt x="0" y="0"/>
+                </a:moveTo>
+                <a:lnTo>
+                  <a:pt x="120000" y="0"/>
+                </a:lnTo>
+                <a:lnTo>
+                  <a:pt x="120000" y="120000"/>
+                </a:lnTo>
+                <a:lnTo>
+                  <a:pt x="0" y="120000"/>
+                </a:lnTo>
+                <a:close/>
+              </a:path>
+            </a:pathLst>
+          </a:custGeom>
+        </p:spPr>
+      </p:sp>
+      <p:sp>
+        <p:nvSpPr>
+          <p:cNvPr id="375" name="Google Shape;375;g1a4e2dc26cf_0_197:notes"/>
+          <p:cNvSpPr txBox="1"/>
+          <p:nvPr>
+            <p:ph idx="1" type="body"/>
+          </p:nvPr>
+        </p:nvSpPr>
+        <p:spPr>
+          <a:xfrm>
+            <a:off x="685800" y="4343400"/>
+            <a:ext cx="5486400" cy="4114800"/>
+          </a:xfrm>
+          <a:prstGeom prst="rect">
+            <a:avLst/>
+          </a:prstGeom>
+        </p:spPr>
+        <p:txBody>
+          <a:bodyPr anchorCtr="0" anchor="t" bIns="91425" lIns="91425" spcFirstLastPara="1" rIns="91425" wrap="square" tIns="91425">
+            <a:noAutofit/>
+          </a:bodyPr>
+          <a:lstStyle/>
+          <a:p>
+            <a:pPr indent="0" lvl="0" marL="0" rtl="0" algn="l">
+              <a:spcBef>
+                <a:spcPts val="0"/>
+              </a:spcBef>
+              <a:spcAft>
+                <a:spcPts val="0"/>
+              </a:spcAft>
+              <a:buNone/>
+            </a:pPr>
+            <a:r>
+              <a:t/>
+            </a:r>
+            <a:endParaRPr/>
+          </a:p>
+        </p:txBody>
+      </p:sp>
+    </p:spTree>
+  </p:cSld>
+  <p:clrMapOvr>
+    <a:masterClrMapping/>
+  </p:clrMapOvr>
+</p:notes>
+</file>
+
+<file path=ppt/notesSlides/notesSlide19.xml><?xml version="1.0" encoding="utf-8"?>
+<p:notes xmlns:a="http://schemas.openxmlformats.org/drawingml/2006/main" xmlns:r="http://schemas.openxmlformats.org/officeDocument/2006/relationships" xmlns:mc="http://schemas.openxmlformats.org/markup-compatibility/2006" xmlns:mv="urn:schemas-microsoft-com:mac:vml" xmlns:p="http://schemas.openxmlformats.org/presentationml/2006/main" xmlns:c="http://schemas.openxmlformats.org/drawingml/2006/chart" xmlns:dgm="http://schemas.openxmlformats.org/drawingml/2006/diagram" xmlns:o="urn:schemas-microsoft-com:office:office" xmlns:v="urn:schemas-microsoft-com:vml" xmlns:pvml="urn:schemas-microsoft-com:office:powerpoint" xmlns:com="http://schemas.openxmlformats.org/drawingml/2006/compatibility" xmlns:p14="http://schemas.microsoft.com/office/powerpoint/2010/main" xmlns:p15="http://schemas.microsoft.com/office/powerpoint/2012/main" xmlns:ahyp="http://schemas.microsoft.com/office/drawing/2018/hyperlinkcolor" showMasterPhAnim="0" showMasterSp="0">
+  <p:cSld>
+    <p:spTree>
+      <p:nvGrpSpPr>
+        <p:cNvPr id="380" name="Shape 380"/>
+        <p:cNvGrpSpPr/>
+        <p:nvPr/>
+      </p:nvGrpSpPr>
+      <p:grpSpPr>
+        <a:xfrm>
+          <a:off x="0" y="0"/>
+          <a:ext cx="0" cy="0"/>
+          <a:chOff x="0" y="0"/>
+          <a:chExt cx="0" cy="0"/>
+        </a:xfrm>
+      </p:grpSpPr>
+      <p:sp>
+        <p:nvSpPr>
+          <p:cNvPr id="381" name="Google Shape;381;g1a4e2dc26cf_0_211:notes"/>
+          <p:cNvSpPr/>
+          <p:nvPr>
+            <p:ph idx="2" type="sldImg"/>
+          </p:nvPr>
+        </p:nvSpPr>
+        <p:spPr>
+          <a:xfrm>
+            <a:off x="381300" y="685800"/>
+            <a:ext cx="6096000" cy="3429000"/>
+          </a:xfrm>
+          <a:custGeom>
+            <a:rect b="b" l="l" r="r" t="t"/>
+            <a:pathLst>
+              <a:path extrusionOk="0" h="120000" w="120000">
+                <a:moveTo>
+                  <a:pt x="0" y="0"/>
+                </a:moveTo>
+                <a:lnTo>
+                  <a:pt x="120000" y="0"/>
+                </a:lnTo>
+                <a:lnTo>
+                  <a:pt x="120000" y="120000"/>
+                </a:lnTo>
+                <a:lnTo>
+                  <a:pt x="0" y="120000"/>
+                </a:lnTo>
+                <a:close/>
+              </a:path>
+            </a:pathLst>
+          </a:custGeom>
+        </p:spPr>
+      </p:sp>
+      <p:sp>
+        <p:nvSpPr>
+          <p:cNvPr id="382" name="Google Shape;382;g1a4e2dc26cf_0_211:notes"/>
           <p:cNvSpPr txBox="1"/>
           <p:nvPr>
             <p:ph idx="1" type="body"/>
@@ -2234,7 +2682,7 @@
       </p:grpSpPr>
       <p:sp>
         <p:nvSpPr>
-          <p:cNvPr id="243" name="Google Shape;243;g1a4e2dc26cf_0_176:notes"/>
+          <p:cNvPr id="243" name="Google Shape;243;g1aea37e4687_1_0:notes"/>
           <p:cNvSpPr/>
           <p:nvPr>
             <p:ph idx="2" type="sldImg"/>
@@ -2269,7 +2717,7 @@
       </p:sp>
       <p:sp>
         <p:nvSpPr>
-          <p:cNvPr id="244" name="Google Shape;244;g1a4e2dc26cf_0_176:notes"/>
+          <p:cNvPr id="244" name="Google Shape;244;g1aea37e4687_1_0:notes"/>
           <p:cNvSpPr txBox="1"/>
           <p:nvPr>
             <p:ph idx="1" type="body"/>
@@ -2290,31 +2738,20 @@
           </a:bodyPr>
           <a:lstStyle/>
           <a:p>
-            <a:pPr indent="-317500" lvl="0" marL="457200" rtl="0" algn="l">
-              <a:spcBef>
-                <a:spcPts val="0"/>
-              </a:spcBef>
-              <a:spcAft>
-                <a:spcPts val="0"/>
-              </a:spcAft>
-              <a:buClr>
-                <a:schemeClr val="dk1"/>
-              </a:buClr>
-              <a:buSzPts val="1400"/>
-              <a:buFont typeface="Trebuchet MS"/>
-              <a:buChar char="●"/>
-            </a:pPr>
-            <a:r>
-              <a:rPr lang="en" sz="1400">
-                <a:solidFill>
-                  <a:schemeClr val="dk1"/>
-                </a:solidFill>
-                <a:latin typeface="Trebuchet MS"/>
-                <a:ea typeface="Trebuchet MS"/>
-                <a:cs typeface="Trebuchet MS"/>
-                <a:sym typeface="Trebuchet MS"/>
-              </a:rPr>
-              <a:t>Cross-module references (XMRs) to simplify the code (only for single use debug scenarios)</a:t>
+            <a:pPr indent="0" lvl="0" marL="457200" rtl="0" algn="l">
+              <a:lnSpc>
+                <a:spcPct val="115000"/>
+              </a:lnSpc>
+              <a:spcBef>
+                <a:spcPts val="0"/>
+              </a:spcBef>
+              <a:spcAft>
+                <a:spcPts val="1200"/>
+              </a:spcAft>
+              <a:buNone/>
+            </a:pPr>
+            <a:r>
+              <a:t/>
             </a:r>
             <a:endParaRPr/>
           </a:p>
@@ -7543,7 +7980,7 @@
   <p:cSld>
     <p:spTree>
       <p:nvGrpSpPr>
-        <p:cNvPr id="254" name="Shape 254"/>
+        <p:cNvPr id="267" name="Shape 267"/>
         <p:cNvGrpSpPr/>
         <p:nvPr/>
       </p:nvGrpSpPr>
@@ -7557,7 +7994,7 @@
       </p:grpSpPr>
       <p:sp>
         <p:nvSpPr>
-          <p:cNvPr id="255" name="Google Shape;255;p22"/>
+          <p:cNvPr id="268" name="Google Shape;268;p22"/>
           <p:cNvSpPr txBox="1"/>
           <p:nvPr>
             <p:ph type="title"/>
@@ -7566,7 +8003,7 @@
         <p:spPr>
           <a:xfrm>
             <a:off x="311700" y="445025"/>
-            <a:ext cx="8520600" cy="572700"/>
+            <a:ext cx="3658500" cy="572700"/>
           </a:xfrm>
           <a:prstGeom prst="rect">
             <a:avLst/>
@@ -7594,7 +8031,7 @@
                 <a:cs typeface="Trebuchet MS"/>
                 <a:sym typeface="Trebuchet MS"/>
               </a:rPr>
-              <a:t>Verilog Example</a:t>
+              <a:t>BRAM Module</a:t>
             </a:r>
             <a:endParaRPr sz="2400">
               <a:latin typeface="Trebuchet MS"/>
@@ -7607,7 +8044,7 @@
       </p:sp>
       <p:sp>
         <p:nvSpPr>
-          <p:cNvPr id="256" name="Google Shape;256;p22"/>
+          <p:cNvPr id="269" name="Google Shape;269;p22"/>
           <p:cNvSpPr txBox="1"/>
           <p:nvPr>
             <p:ph idx="12" type="sldNum"/>
@@ -7647,7 +8084,7 @@
       </p:sp>
       <p:pic>
         <p:nvPicPr>
-          <p:cNvPr id="257" name="Google Shape;257;p22"/>
+          <p:cNvPr id="270" name="Google Shape;270;p22"/>
           <p:cNvPicPr preferRelativeResize="0"/>
           <p:nvPr/>
         </p:nvPicPr>
@@ -7661,34 +8098,56 @@
         </p:blipFill>
         <p:spPr>
           <a:xfrm>
-            <a:off x="888212" y="1914675"/>
-            <a:ext cx="7062775" cy="2198175"/>
+            <a:off x="5220375" y="1624850"/>
+            <a:ext cx="2743201" cy="1775149"/>
           </a:xfrm>
           <a:prstGeom prst="rect">
             <a:avLst/>
           </a:prstGeom>
           <a:noFill/>
-          <a:ln cap="flat" cmpd="sng" w="9525">
-            <a:solidFill>
-              <a:schemeClr val="dk2"/>
-            </a:solidFill>
-            <a:prstDash val="solid"/>
-            <a:round/>
-            <a:headEnd len="sm" w="sm" type="none"/>
-            <a:tailEnd len="sm" w="sm" type="none"/>
+          <a:ln>
+            <a:noFill/>
           </a:ln>
         </p:spPr>
       </p:pic>
-      <p:sp>
-        <p:nvSpPr>
-          <p:cNvPr id="258" name="Google Shape;258;p22"/>
+      <p:pic>
+        <p:nvPicPr>
+          <p:cNvPr id="271" name="Google Shape;271;p22"/>
+          <p:cNvPicPr preferRelativeResize="0"/>
+          <p:nvPr/>
+        </p:nvPicPr>
+        <p:blipFill>
+          <a:blip r:embed="rId4">
+            <a:alphaModFix/>
+          </a:blip>
+          <a:stretch>
+            <a:fillRect/>
+          </a:stretch>
+        </p:blipFill>
+        <p:spPr>
+          <a:xfrm>
+            <a:off x="5220375" y="3779658"/>
+            <a:ext cx="2743200" cy="823523"/>
+          </a:xfrm>
+          <a:prstGeom prst="rect">
+            <a:avLst/>
+          </a:prstGeom>
+          <a:noFill/>
+          <a:ln>
+            <a:noFill/>
+          </a:ln>
+        </p:spPr>
+      </p:pic>
+      <p:sp>
+        <p:nvSpPr>
+          <p:cNvPr id="272" name="Google Shape;272;p22"/>
           <p:cNvSpPr txBox="1"/>
           <p:nvPr/>
         </p:nvSpPr>
         <p:spPr>
-          <a:xfrm>
-            <a:off x="1750400" y="4214750"/>
-            <a:ext cx="5439600" cy="369300"/>
+          <a:xfrm rot="5400000">
+            <a:off x="6470275" y="3350050"/>
+            <a:ext cx="428700" cy="507900"/>
           </a:xfrm>
           <a:prstGeom prst="rect">
             <a:avLst/>
@@ -7704,7 +8163,77 @@
           </a:bodyPr>
           <a:lstStyle/>
           <a:p>
-            <a:pPr indent="0" lvl="0" marL="0" rtl="0" algn="ctr">
+            <a:pPr indent="0" lvl="0" marL="0" rtl="0" algn="l">
+              <a:spcBef>
+                <a:spcPts val="0"/>
+              </a:spcBef>
+              <a:spcAft>
+                <a:spcPts val="0"/>
+              </a:spcAft>
+              <a:buNone/>
+            </a:pPr>
+            <a:r>
+              <a:rPr b="1" lang="en" sz="2100"/>
+              <a:t>…</a:t>
+            </a:r>
+            <a:endParaRPr b="1" sz="2100"/>
+          </a:p>
+        </p:txBody>
+      </p:sp>
+      <p:pic>
+        <p:nvPicPr>
+          <p:cNvPr id="273" name="Google Shape;273;p22"/>
+          <p:cNvPicPr preferRelativeResize="0"/>
+          <p:nvPr/>
+        </p:nvPicPr>
+        <p:blipFill>
+          <a:blip r:embed="rId5">
+            <a:alphaModFix/>
+          </a:blip>
+          <a:stretch>
+            <a:fillRect/>
+          </a:stretch>
+        </p:blipFill>
+        <p:spPr>
+          <a:xfrm>
+            <a:off x="428250" y="1351200"/>
+            <a:ext cx="3657598" cy="3251964"/>
+          </a:xfrm>
+          <a:prstGeom prst="rect">
+            <a:avLst/>
+          </a:prstGeom>
+          <a:noFill/>
+          <a:ln>
+            <a:noFill/>
+          </a:ln>
+        </p:spPr>
+      </p:pic>
+      <p:sp>
+        <p:nvSpPr>
+          <p:cNvPr id="274" name="Google Shape;274;p22"/>
+          <p:cNvSpPr txBox="1"/>
+          <p:nvPr/>
+        </p:nvSpPr>
+        <p:spPr>
+          <a:xfrm>
+            <a:off x="1430100" y="4603175"/>
+            <a:ext cx="1806300" cy="369300"/>
+          </a:xfrm>
+          <a:prstGeom prst="rect">
+            <a:avLst/>
+          </a:prstGeom>
+          <a:noFill/>
+          <a:ln>
+            <a:noFill/>
+          </a:ln>
+        </p:spPr>
+        <p:txBody>
+          <a:bodyPr anchorCtr="0" anchor="t" bIns="91425" lIns="91425" spcFirstLastPara="1" rIns="91425" wrap="square" tIns="91425">
+            <a:spAutoFit/>
+          </a:bodyPr>
+          <a:lstStyle/>
+          <a:p>
+            <a:pPr indent="0" lvl="0" marL="0" rtl="0" algn="l">
               <a:spcBef>
                 <a:spcPts val="0"/>
               </a:spcBef>
@@ -7720,7 +8249,7 @@
                 <a:cs typeface="Trebuchet MS"/>
                 <a:sym typeface="Trebuchet MS"/>
               </a:rPr>
-              <a:t>Number of balloons and bombs are parameterized using generate blocks</a:t>
+              <a:t>pixel_converter.py</a:t>
             </a:r>
             <a:endParaRPr sz="1200">
               <a:latin typeface="Trebuchet MS"/>
@@ -7733,57 +8262,48 @@
       </p:sp>
       <p:sp>
         <p:nvSpPr>
-          <p:cNvPr id="259" name="Google Shape;259;p22"/>
+          <p:cNvPr id="275" name="Google Shape;275;p22"/>
           <p:cNvSpPr txBox="1"/>
-          <p:nvPr>
-            <p:ph idx="1" type="body"/>
-          </p:nvPr>
-        </p:nvSpPr>
-        <p:spPr>
-          <a:xfrm>
-            <a:off x="311700" y="1191050"/>
-            <a:ext cx="3863400" cy="2755200"/>
-          </a:xfrm>
-          <a:prstGeom prst="rect">
-            <a:avLst/>
-          </a:prstGeom>
+          <p:nvPr/>
+        </p:nvSpPr>
+        <p:spPr>
+          <a:xfrm>
+            <a:off x="612650" y="1017725"/>
+            <a:ext cx="3411300" cy="369300"/>
+          </a:xfrm>
+          <a:prstGeom prst="rect">
+            <a:avLst/>
+          </a:prstGeom>
+          <a:noFill/>
+          <a:ln>
+            <a:noFill/>
+          </a:ln>
         </p:spPr>
         <p:txBody>
           <a:bodyPr anchorCtr="0" anchor="t" bIns="91425" lIns="91425" spcFirstLastPara="1" rIns="91425" wrap="square" tIns="91425">
-            <a:normAutofit/>
+            <a:spAutoFit/>
           </a:bodyPr>
           <a:lstStyle/>
           <a:p>
-            <a:pPr indent="-330200" lvl="0" marL="457200" rtl="0" algn="l">
-              <a:spcBef>
-                <a:spcPts val="0"/>
-              </a:spcBef>
-              <a:spcAft>
-                <a:spcPts val="0"/>
-              </a:spcAft>
-              <a:buClr>
-                <a:schemeClr val="dk1"/>
-              </a:buClr>
-              <a:buSzPts val="1600"/>
-              <a:buFont typeface="Trebuchet MS"/>
-              <a:buChar char="●"/>
-            </a:pPr>
-            <a:r>
-              <a:rPr lang="en" sz="1600">
-                <a:solidFill>
-                  <a:schemeClr val="dk1"/>
-                </a:solidFill>
+            <a:pPr indent="0" lvl="0" marL="0" rtl="0" algn="l">
+              <a:spcBef>
+                <a:spcPts val="0"/>
+              </a:spcBef>
+              <a:spcAft>
+                <a:spcPts val="0"/>
+              </a:spcAft>
+              <a:buNone/>
+            </a:pPr>
+            <a:r>
+              <a:rPr lang="en" sz="1200">
                 <a:latin typeface="Trebuchet MS"/>
                 <a:ea typeface="Trebuchet MS"/>
                 <a:cs typeface="Trebuchet MS"/>
                 <a:sym typeface="Trebuchet MS"/>
               </a:rPr>
-              <a:t>Generate blocks to make the design scalable</a:t>
-            </a:r>
-            <a:endParaRPr sz="1600">
-              <a:solidFill>
-                <a:schemeClr val="dk1"/>
-              </a:solidFill>
+              <a:t>BRAM module generated with a python script</a:t>
+            </a:r>
+            <a:endParaRPr sz="1200">
               <a:latin typeface="Trebuchet MS"/>
               <a:ea typeface="Trebuchet MS"/>
               <a:cs typeface="Trebuchet MS"/>
@@ -7792,34 +8312,54 @@
           </a:p>
         </p:txBody>
       </p:sp>
-      <p:sp>
-        <p:nvSpPr>
-          <p:cNvPr id="260" name="Google Shape;260;p22"/>
-          <p:cNvSpPr/>
+      <p:cxnSp>
+        <p:nvCxnSpPr>
+          <p:cNvPr id="276" name="Google Shape;276;p22"/>
+          <p:cNvCxnSpPr/>
           <p:nvPr/>
-        </p:nvSpPr>
-        <p:spPr>
-          <a:xfrm>
-            <a:off x="912225" y="2053350"/>
-            <a:ext cx="548700" cy="127800"/>
-          </a:xfrm>
-          <a:prstGeom prst="rect">
+        </p:nvCxnSpPr>
+        <p:spPr>
+          <a:xfrm>
+            <a:off x="4085850" y="3123313"/>
+            <a:ext cx="996600" cy="10200"/>
+          </a:xfrm>
+          <a:prstGeom prst="straightConnector1">
             <a:avLst/>
           </a:prstGeom>
           <a:noFill/>
-          <a:ln cap="flat" cmpd="sng" w="19050">
+          <a:ln cap="flat" cmpd="sng" w="38100">
             <a:solidFill>
               <a:schemeClr val="accent4"/>
             </a:solidFill>
             <a:prstDash val="solid"/>
             <a:round/>
-            <a:headEnd len="sm" w="sm" type="none"/>
-            <a:tailEnd len="sm" w="sm" type="none"/>
+            <a:headEnd len="med" w="med" type="none"/>
+            <a:tailEnd len="med" w="med" type="stealth"/>
           </a:ln>
         </p:spPr>
+      </p:cxnSp>
+      <p:sp>
+        <p:nvSpPr>
+          <p:cNvPr id="277" name="Google Shape;277;p22"/>
+          <p:cNvSpPr txBox="1"/>
+          <p:nvPr/>
+        </p:nvSpPr>
+        <p:spPr>
+          <a:xfrm>
+            <a:off x="6039875" y="4603175"/>
+            <a:ext cx="1205400" cy="369300"/>
+          </a:xfrm>
+          <a:prstGeom prst="rect">
+            <a:avLst/>
+          </a:prstGeom>
+          <a:noFill/>
+          <a:ln>
+            <a:noFill/>
+          </a:ln>
+        </p:spPr>
         <p:txBody>
-          <a:bodyPr anchorCtr="0" anchor="ctr" bIns="91425" lIns="91425" spcFirstLastPara="1" rIns="91425" wrap="square" tIns="91425">
-            <a:noAutofit/>
+          <a:bodyPr anchorCtr="0" anchor="t" bIns="91425" lIns="91425" spcFirstLastPara="1" rIns="91425" wrap="square" tIns="91425">
+            <a:spAutoFit/>
           </a:bodyPr>
           <a:lstStyle/>
           <a:p>
@@ -7833,150 +8373,20 @@
               <a:buNone/>
             </a:pPr>
             <a:r>
-              <a:t/>
-            </a:r>
-            <a:endParaRPr/>
-          </a:p>
-        </p:txBody>
-      </p:sp>
-      <p:sp>
-        <p:nvSpPr>
-          <p:cNvPr id="261" name="Google Shape;261;p22"/>
-          <p:cNvSpPr/>
-          <p:nvPr/>
-        </p:nvSpPr>
-        <p:spPr>
-          <a:xfrm>
-            <a:off x="912225" y="2878975"/>
-            <a:ext cx="649800" cy="127800"/>
-          </a:xfrm>
-          <a:prstGeom prst="rect">
-            <a:avLst/>
-          </a:prstGeom>
-          <a:noFill/>
-          <a:ln cap="flat" cmpd="sng" w="19050">
-            <a:solidFill>
-              <a:schemeClr val="accent4"/>
-            </a:solidFill>
-            <a:prstDash val="solid"/>
-            <a:round/>
-            <a:headEnd len="sm" w="sm" type="none"/>
-            <a:tailEnd len="sm" w="sm" type="none"/>
-          </a:ln>
-        </p:spPr>
-        <p:txBody>
-          <a:bodyPr anchorCtr="0" anchor="ctr" bIns="91425" lIns="91425" spcFirstLastPara="1" rIns="91425" wrap="square" tIns="91425">
-            <a:noAutofit/>
-          </a:bodyPr>
-          <a:lstStyle/>
-          <a:p>
-            <a:pPr indent="0" lvl="0" marL="0" rtl="0" algn="l">
-              <a:spcBef>
-                <a:spcPts val="0"/>
-              </a:spcBef>
-              <a:spcAft>
-                <a:spcPts val="0"/>
-              </a:spcAft>
-              <a:buNone/>
-            </a:pPr>
-            <a:r>
-              <a:t/>
-            </a:r>
-            <a:endParaRPr/>
-          </a:p>
-        </p:txBody>
-      </p:sp>
-      <p:sp>
-        <p:nvSpPr>
-          <p:cNvPr id="262" name="Google Shape;262;p22"/>
-          <p:cNvSpPr/>
-          <p:nvPr/>
-        </p:nvSpPr>
-        <p:spPr>
-          <a:xfrm>
-            <a:off x="912225" y="3272550"/>
-            <a:ext cx="548700" cy="127800"/>
-          </a:xfrm>
-          <a:prstGeom prst="rect">
-            <a:avLst/>
-          </a:prstGeom>
-          <a:noFill/>
-          <a:ln cap="flat" cmpd="sng" w="19050">
-            <a:solidFill>
-              <a:schemeClr val="accent4"/>
-            </a:solidFill>
-            <a:prstDash val="solid"/>
-            <a:round/>
-            <a:headEnd len="sm" w="sm" type="none"/>
-            <a:tailEnd len="sm" w="sm" type="none"/>
-          </a:ln>
-        </p:spPr>
-        <p:txBody>
-          <a:bodyPr anchorCtr="0" anchor="ctr" bIns="91425" lIns="91425" spcFirstLastPara="1" rIns="91425" wrap="square" tIns="91425">
-            <a:noAutofit/>
-          </a:bodyPr>
-          <a:lstStyle/>
-          <a:p>
-            <a:pPr indent="0" lvl="0" marL="0" rtl="0" algn="l">
-              <a:spcBef>
-                <a:spcPts val="0"/>
-              </a:spcBef>
-              <a:spcAft>
-                <a:spcPts val="0"/>
-              </a:spcAft>
-              <a:buNone/>
-            </a:pPr>
-            <a:r>
-              <a:t/>
-            </a:r>
-            <a:endParaRPr/>
-          </a:p>
-        </p:txBody>
-      </p:sp>
-      <p:sp>
-        <p:nvSpPr>
-          <p:cNvPr id="263" name="Google Shape;263;p22"/>
-          <p:cNvSpPr/>
-          <p:nvPr/>
-        </p:nvSpPr>
-        <p:spPr>
-          <a:xfrm>
-            <a:off x="912225" y="3945775"/>
-            <a:ext cx="649800" cy="127800"/>
-          </a:xfrm>
-          <a:prstGeom prst="rect">
-            <a:avLst/>
-          </a:prstGeom>
-          <a:noFill/>
-          <a:ln cap="flat" cmpd="sng" w="19050">
-            <a:solidFill>
-              <a:schemeClr val="accent4"/>
-            </a:solidFill>
-            <a:prstDash val="solid"/>
-            <a:round/>
-            <a:headEnd len="sm" w="sm" type="none"/>
-            <a:tailEnd len="sm" w="sm" type="none"/>
-          </a:ln>
-        </p:spPr>
-        <p:txBody>
-          <a:bodyPr anchorCtr="0" anchor="ctr" bIns="91425" lIns="91425" spcFirstLastPara="1" rIns="91425" wrap="square" tIns="91425">
-            <a:noAutofit/>
-          </a:bodyPr>
-          <a:lstStyle/>
-          <a:p>
-            <a:pPr indent="0" lvl="0" marL="0" rtl="0" algn="l">
-              <a:spcBef>
-                <a:spcPts val="0"/>
-              </a:spcBef>
-              <a:spcAft>
-                <a:spcPts val="0"/>
-              </a:spcAft>
-              <a:buNone/>
-            </a:pPr>
-            <a:r>
-              <a:t/>
-            </a:r>
-            <a:endParaRPr/>
+              <a:rPr lang="en" sz="1200">
+                <a:latin typeface="Trebuchet MS"/>
+                <a:ea typeface="Trebuchet MS"/>
+                <a:cs typeface="Trebuchet MS"/>
+                <a:sym typeface="Trebuchet MS"/>
+              </a:rPr>
+              <a:t>block_ram.v</a:t>
+            </a:r>
+            <a:endParaRPr sz="1200">
+              <a:latin typeface="Trebuchet MS"/>
+              <a:ea typeface="Trebuchet MS"/>
+              <a:cs typeface="Trebuchet MS"/>
+              <a:sym typeface="Trebuchet MS"/>
+            </a:endParaRPr>
           </a:p>
         </p:txBody>
       </p:sp>
@@ -7993,7 +8403,7 @@
   <p:cSld>
     <p:spTree>
       <p:nvGrpSpPr>
-        <p:cNvPr id="267" name="Shape 267"/>
+        <p:cNvPr id="281" name="Shape 281"/>
         <p:cNvGrpSpPr/>
         <p:nvPr/>
       </p:nvGrpSpPr>
@@ -8007,7 +8417,7 @@
       </p:grpSpPr>
       <p:sp>
         <p:nvSpPr>
-          <p:cNvPr id="268" name="Google Shape;268;p23"/>
+          <p:cNvPr id="282" name="Google Shape;282;p23"/>
           <p:cNvSpPr txBox="1"/>
           <p:nvPr>
             <p:ph type="title"/>
@@ -8016,7 +8426,7 @@
         <p:spPr>
           <a:xfrm>
             <a:off x="311700" y="445025"/>
-            <a:ext cx="8520600" cy="572700"/>
+            <a:ext cx="3658500" cy="572700"/>
           </a:xfrm>
           <a:prstGeom prst="rect">
             <a:avLst/>
@@ -8044,7 +8454,7 @@
                 <a:cs typeface="Trebuchet MS"/>
                 <a:sym typeface="Trebuchet MS"/>
               </a:rPr>
-              <a:t>Verilog Example</a:t>
+              <a:t>VGA Module</a:t>
             </a:r>
             <a:endParaRPr sz="2400">
               <a:latin typeface="Trebuchet MS"/>
@@ -8057,7 +8467,7 @@
       </p:sp>
       <p:sp>
         <p:nvSpPr>
-          <p:cNvPr id="269" name="Google Shape;269;p23"/>
+          <p:cNvPr id="283" name="Google Shape;283;p23"/>
           <p:cNvSpPr txBox="1"/>
           <p:nvPr>
             <p:ph idx="12" type="sldNum"/>
@@ -8097,7 +8507,7 @@
       </p:sp>
       <p:pic>
         <p:nvPicPr>
-          <p:cNvPr id="270" name="Google Shape;270;p23"/>
+          <p:cNvPr id="284" name="Google Shape;284;p23"/>
           <p:cNvPicPr preferRelativeResize="0"/>
           <p:nvPr/>
         </p:nvPicPr>
@@ -8111,34 +8521,28 @@
         </p:blipFill>
         <p:spPr>
           <a:xfrm>
-            <a:off x="888212" y="1914675"/>
-            <a:ext cx="7062775" cy="2198175"/>
+            <a:off x="534775" y="2840950"/>
+            <a:ext cx="4206242" cy="1843587"/>
           </a:xfrm>
           <a:prstGeom prst="rect">
             <a:avLst/>
           </a:prstGeom>
           <a:noFill/>
-          <a:ln cap="flat" cmpd="sng" w="9525">
-            <a:solidFill>
-              <a:schemeClr val="dk2"/>
-            </a:solidFill>
-            <a:prstDash val="solid"/>
-            <a:round/>
-            <a:headEnd len="sm" w="sm" type="none"/>
-            <a:tailEnd len="sm" w="sm" type="none"/>
+          <a:ln>
+            <a:noFill/>
           </a:ln>
         </p:spPr>
       </p:pic>
       <p:sp>
         <p:nvSpPr>
-          <p:cNvPr id="271" name="Google Shape;271;p23"/>
+          <p:cNvPr id="285" name="Google Shape;285;p23"/>
           <p:cNvSpPr txBox="1"/>
           <p:nvPr/>
         </p:nvSpPr>
         <p:spPr>
           <a:xfrm>
-            <a:off x="1750400" y="4214750"/>
-            <a:ext cx="5439600" cy="369300"/>
+            <a:off x="718825" y="4607300"/>
+            <a:ext cx="4051500" cy="369300"/>
           </a:xfrm>
           <a:prstGeom prst="rect">
             <a:avLst/>
@@ -8154,7 +8558,7 @@
           </a:bodyPr>
           <a:lstStyle/>
           <a:p>
-            <a:pPr indent="0" lvl="0" marL="0" rtl="0" algn="ctr">
+            <a:pPr indent="0" lvl="0" marL="0" rtl="0" algn="l">
               <a:spcBef>
                 <a:spcPts val="0"/>
               </a:spcBef>
@@ -8170,7 +8574,7 @@
                 <a:cs typeface="Trebuchet MS"/>
                 <a:sym typeface="Trebuchet MS"/>
               </a:rPr>
-              <a:t>Number of balloons and bombs are parameterized using generate blocks</a:t>
+              <a:t>An example of drawing an image (character) in vga.v</a:t>
             </a:r>
             <a:endParaRPr sz="1200">
               <a:latin typeface="Trebuchet MS"/>
@@ -8183,7 +8587,7 @@
       </p:sp>
       <p:sp>
         <p:nvSpPr>
-          <p:cNvPr id="272" name="Google Shape;272;p23"/>
+          <p:cNvPr id="286" name="Google Shape;286;p23"/>
           <p:cNvSpPr txBox="1"/>
           <p:nvPr>
             <p:ph idx="1" type="body"/>
@@ -8191,8 +8595,8 @@
         </p:nvSpPr>
         <p:spPr>
           <a:xfrm>
-            <a:off x="311700" y="1191050"/>
-            <a:ext cx="3863400" cy="2755200"/>
+            <a:off x="235500" y="1038650"/>
+            <a:ext cx="6495300" cy="2755200"/>
           </a:xfrm>
           <a:prstGeom prst="rect">
             <a:avLst/>
@@ -8228,7 +8632,7 @@
                 <a:cs typeface="Trebuchet MS"/>
                 <a:sym typeface="Trebuchet MS"/>
               </a:rPr>
-              <a:t>Generate blocks to make the design scalable</a:t>
+              <a:t>Draws all the sprites and displays texts</a:t>
             </a:r>
             <a:endParaRPr sz="1600">
               <a:solidFill>
@@ -8240,18 +8644,255 @@
               <a:sym typeface="Trebuchet MS"/>
             </a:endParaRPr>
           </a:p>
+          <a:p>
+            <a:pPr indent="-330200" lvl="0" marL="457200" rtl="0" algn="l">
+              <a:spcBef>
+                <a:spcPts val="0"/>
+              </a:spcBef>
+              <a:spcAft>
+                <a:spcPts val="0"/>
+              </a:spcAft>
+              <a:buClr>
+                <a:schemeClr val="dk1"/>
+              </a:buClr>
+              <a:buSzPts val="1600"/>
+              <a:buFont typeface="Trebuchet MS"/>
+              <a:buChar char="●"/>
+            </a:pPr>
+            <a:r>
+              <a:rPr lang="en" sz="1600">
+                <a:solidFill>
+                  <a:schemeClr val="dk1"/>
+                </a:solidFill>
+                <a:latin typeface="Trebuchet MS"/>
+                <a:ea typeface="Trebuchet MS"/>
+                <a:cs typeface="Trebuchet MS"/>
+                <a:sym typeface="Trebuchet MS"/>
+              </a:rPr>
+              <a:t>How to draw?</a:t>
+            </a:r>
+            <a:endParaRPr sz="1600">
+              <a:solidFill>
+                <a:schemeClr val="dk1"/>
+              </a:solidFill>
+              <a:latin typeface="Trebuchet MS"/>
+              <a:ea typeface="Trebuchet MS"/>
+              <a:cs typeface="Trebuchet MS"/>
+              <a:sym typeface="Trebuchet MS"/>
+            </a:endParaRPr>
+          </a:p>
+          <a:p>
+            <a:pPr indent="-317500" lvl="1" marL="914400" rtl="0" algn="l">
+              <a:spcBef>
+                <a:spcPts val="0"/>
+              </a:spcBef>
+              <a:spcAft>
+                <a:spcPts val="0"/>
+              </a:spcAft>
+              <a:buClr>
+                <a:schemeClr val="dk1"/>
+              </a:buClr>
+              <a:buSzPts val="1400"/>
+              <a:buFont typeface="Trebuchet MS"/>
+              <a:buChar char="○"/>
+            </a:pPr>
+            <a:r>
+              <a:rPr lang="en">
+                <a:solidFill>
+                  <a:schemeClr val="dk1"/>
+                </a:solidFill>
+                <a:latin typeface="Trebuchet MS"/>
+                <a:ea typeface="Trebuchet MS"/>
+                <a:cs typeface="Trebuchet MS"/>
+                <a:sym typeface="Trebuchet MS"/>
+              </a:rPr>
+              <a:t>Iterate through all the pixels</a:t>
+            </a:r>
+            <a:endParaRPr>
+              <a:solidFill>
+                <a:schemeClr val="dk1"/>
+              </a:solidFill>
+              <a:latin typeface="Trebuchet MS"/>
+              <a:ea typeface="Trebuchet MS"/>
+              <a:cs typeface="Trebuchet MS"/>
+              <a:sym typeface="Trebuchet MS"/>
+            </a:endParaRPr>
+          </a:p>
+          <a:p>
+            <a:pPr indent="-317500" lvl="1" marL="914400" rtl="0" algn="l">
+              <a:spcBef>
+                <a:spcPts val="0"/>
+              </a:spcBef>
+              <a:spcAft>
+                <a:spcPts val="0"/>
+              </a:spcAft>
+              <a:buClr>
+                <a:schemeClr val="dk1"/>
+              </a:buClr>
+              <a:buSzPts val="1400"/>
+              <a:buFont typeface="Trebuchet MS"/>
+              <a:buChar char="○"/>
+            </a:pPr>
+            <a:r>
+              <a:rPr lang="en">
+                <a:solidFill>
+                  <a:schemeClr val="dk1"/>
+                </a:solidFill>
+                <a:latin typeface="Trebuchet MS"/>
+                <a:ea typeface="Trebuchet MS"/>
+                <a:cs typeface="Trebuchet MS"/>
+                <a:sym typeface="Trebuchet MS"/>
+              </a:rPr>
+              <a:t>See if the pixel position corresponds to a sprite position</a:t>
+            </a:r>
+            <a:endParaRPr>
+              <a:solidFill>
+                <a:schemeClr val="dk1"/>
+              </a:solidFill>
+              <a:latin typeface="Trebuchet MS"/>
+              <a:ea typeface="Trebuchet MS"/>
+              <a:cs typeface="Trebuchet MS"/>
+              <a:sym typeface="Trebuchet MS"/>
+            </a:endParaRPr>
+          </a:p>
+          <a:p>
+            <a:pPr indent="-317500" lvl="1" marL="914400" rtl="0" algn="l">
+              <a:spcBef>
+                <a:spcPts val="0"/>
+              </a:spcBef>
+              <a:spcAft>
+                <a:spcPts val="0"/>
+              </a:spcAft>
+              <a:buClr>
+                <a:schemeClr val="dk1"/>
+              </a:buClr>
+              <a:buSzPts val="1400"/>
+              <a:buFont typeface="Trebuchet MS"/>
+              <a:buChar char="○"/>
+            </a:pPr>
+            <a:r>
+              <a:rPr lang="en">
+                <a:solidFill>
+                  <a:schemeClr val="dk1"/>
+                </a:solidFill>
+                <a:latin typeface="Trebuchet MS"/>
+                <a:ea typeface="Trebuchet MS"/>
+                <a:cs typeface="Trebuchet MS"/>
+                <a:sym typeface="Trebuchet MS"/>
+              </a:rPr>
+              <a:t>Read the color of the pixel from the BRAM </a:t>
+            </a:r>
+            <a:endParaRPr>
+              <a:solidFill>
+                <a:schemeClr val="dk1"/>
+              </a:solidFill>
+              <a:latin typeface="Trebuchet MS"/>
+              <a:ea typeface="Trebuchet MS"/>
+              <a:cs typeface="Trebuchet MS"/>
+              <a:sym typeface="Trebuchet MS"/>
+            </a:endParaRPr>
+          </a:p>
+          <a:p>
+            <a:pPr indent="-317500" lvl="1" marL="914400" rtl="0" algn="l">
+              <a:spcBef>
+                <a:spcPts val="0"/>
+              </a:spcBef>
+              <a:spcAft>
+                <a:spcPts val="0"/>
+              </a:spcAft>
+              <a:buClr>
+                <a:schemeClr val="dk1"/>
+              </a:buClr>
+              <a:buSzPts val="1400"/>
+              <a:buFont typeface="Trebuchet MS"/>
+              <a:buChar char="○"/>
+            </a:pPr>
+            <a:r>
+              <a:rPr lang="en">
+                <a:solidFill>
+                  <a:schemeClr val="dk1"/>
+                </a:solidFill>
+                <a:latin typeface="Trebuchet MS"/>
+                <a:ea typeface="Trebuchet MS"/>
+                <a:cs typeface="Trebuchet MS"/>
+                <a:sym typeface="Trebuchet MS"/>
+              </a:rPr>
+              <a:t>Set VGA R, G, B outputs accordingly</a:t>
+            </a:r>
+            <a:endParaRPr>
+              <a:solidFill>
+                <a:schemeClr val="dk1"/>
+              </a:solidFill>
+              <a:latin typeface="Trebuchet MS"/>
+              <a:ea typeface="Trebuchet MS"/>
+              <a:cs typeface="Trebuchet MS"/>
+              <a:sym typeface="Trebuchet MS"/>
+            </a:endParaRPr>
+          </a:p>
+        </p:txBody>
+      </p:sp>
+      <p:sp>
+        <p:nvSpPr>
+          <p:cNvPr id="287" name="Google Shape;287;p23"/>
+          <p:cNvSpPr txBox="1"/>
+          <p:nvPr/>
+        </p:nvSpPr>
+        <p:spPr>
+          <a:xfrm>
+            <a:off x="5149000" y="2310900"/>
+            <a:ext cx="3224400" cy="369300"/>
+          </a:xfrm>
+          <a:prstGeom prst="rect">
+            <a:avLst/>
+          </a:prstGeom>
+          <a:noFill/>
+          <a:ln>
+            <a:noFill/>
+          </a:ln>
+        </p:spPr>
+        <p:txBody>
+          <a:bodyPr anchorCtr="0" anchor="t" bIns="91425" lIns="91425" spcFirstLastPara="1" rIns="91425" wrap="square" tIns="91425">
+            <a:spAutoFit/>
+          </a:bodyPr>
+          <a:lstStyle/>
+          <a:p>
+            <a:pPr indent="0" lvl="0" marL="0" rtl="0" algn="l">
+              <a:spcBef>
+                <a:spcPts val="0"/>
+              </a:spcBef>
+              <a:spcAft>
+                <a:spcPts val="0"/>
+              </a:spcAft>
+              <a:buNone/>
+            </a:pPr>
+            <a:r>
+              <a:rPr lang="en" sz="1200">
+                <a:latin typeface="Trebuchet MS"/>
+                <a:ea typeface="Trebuchet MS"/>
+                <a:cs typeface="Trebuchet MS"/>
+                <a:sym typeface="Trebuchet MS"/>
+              </a:rPr>
+              <a:t>Refresh the screen (always set to black)</a:t>
+            </a:r>
+            <a:endParaRPr sz="1200">
+              <a:latin typeface="Trebuchet MS"/>
+              <a:ea typeface="Trebuchet MS"/>
+              <a:cs typeface="Trebuchet MS"/>
+              <a:sym typeface="Trebuchet MS"/>
+            </a:endParaRPr>
+          </a:p>
         </p:txBody>
       </p:sp>
       <p:cxnSp>
         <p:nvCxnSpPr>
-          <p:cNvPr id="273" name="Google Shape;273;p23"/>
+          <p:cNvPr id="288" name="Google Shape;288;p23"/>
           <p:cNvCxnSpPr/>
           <p:nvPr/>
         </p:nvCxnSpPr>
         <p:spPr>
           <a:xfrm flipH="1" rot="10800000">
-            <a:off x="1133700" y="2291225"/>
-            <a:ext cx="2064600" cy="12000"/>
+            <a:off x="4521075" y="2571850"/>
+            <a:ext cx="704100" cy="520800"/>
           </a:xfrm>
           <a:prstGeom prst="straightConnector1">
             <a:avLst/>
@@ -8263,21 +8904,75 @@
             </a:solidFill>
             <a:prstDash val="solid"/>
             <a:round/>
-            <a:headEnd len="med" w="med" type="none"/>
+            <a:headEnd len="med" w="med" type="stealth"/>
             <a:tailEnd len="med" w="med" type="none"/>
           </a:ln>
         </p:spPr>
       </p:cxnSp>
+      <p:sp>
+        <p:nvSpPr>
+          <p:cNvPr id="289" name="Google Shape;289;p23"/>
+          <p:cNvSpPr txBox="1"/>
+          <p:nvPr/>
+        </p:nvSpPr>
+        <p:spPr>
+          <a:xfrm>
+            <a:off x="5225175" y="2840950"/>
+            <a:ext cx="3582900" cy="554100"/>
+          </a:xfrm>
+          <a:prstGeom prst="rect">
+            <a:avLst/>
+          </a:prstGeom>
+          <a:noFill/>
+          <a:ln>
+            <a:noFill/>
+          </a:ln>
+        </p:spPr>
+        <p:txBody>
+          <a:bodyPr anchorCtr="0" anchor="t" bIns="91425" lIns="91425" spcFirstLastPara="1" rIns="91425" wrap="square" tIns="91425">
+            <a:spAutoFit/>
+          </a:bodyPr>
+          <a:lstStyle/>
+          <a:p>
+            <a:pPr indent="0" lvl="0" marL="0" rtl="0" algn="l">
+              <a:spcBef>
+                <a:spcPts val="0"/>
+              </a:spcBef>
+              <a:spcAft>
+                <a:spcPts val="0"/>
+              </a:spcAft>
+              <a:buNone/>
+            </a:pPr>
+            <a:r>
+              <a:rPr lang="en" sz="1200">
+                <a:latin typeface="Trebuchet MS"/>
+                <a:ea typeface="Trebuchet MS"/>
+                <a:cs typeface="Trebuchet MS"/>
+                <a:sym typeface="Trebuchet MS"/>
+              </a:rPr>
+              <a:t>Check if the sprite (character) needs to be drawn in the current pixel</a:t>
+            </a:r>
+            <a:endParaRPr sz="1200">
+              <a:latin typeface="Trebuchet MS"/>
+              <a:ea typeface="Trebuchet MS"/>
+              <a:cs typeface="Trebuchet MS"/>
+              <a:sym typeface="Trebuchet MS"/>
+            </a:endParaRPr>
+          </a:p>
+        </p:txBody>
+      </p:sp>
       <p:cxnSp>
         <p:nvCxnSpPr>
-          <p:cNvPr id="274" name="Google Shape;274;p23"/>
-          <p:cNvCxnSpPr/>
+          <p:cNvPr id="290" name="Google Shape;290;p23"/>
+          <p:cNvCxnSpPr>
+            <a:endCxn id="289" idx="1"/>
+          </p:cNvCxnSpPr>
           <p:nvPr/>
         </p:nvCxnSpPr>
         <p:spPr>
           <a:xfrm flipH="1" rot="10800000">
-            <a:off x="1133700" y="3480600"/>
-            <a:ext cx="2064600" cy="12000"/>
+            <a:off x="3837375" y="3118000"/>
+            <a:ext cx="1387800" cy="607500"/>
           </a:xfrm>
           <a:prstGeom prst="straightConnector1">
             <a:avLst/>
@@ -8289,11 +8984,229 @@
             </a:solidFill>
             <a:prstDash val="solid"/>
             <a:round/>
-            <a:headEnd len="med" w="med" type="none"/>
+            <a:headEnd len="med" w="med" type="stealth"/>
             <a:tailEnd len="med" w="med" type="none"/>
           </a:ln>
         </p:spPr>
       </p:cxnSp>
+      <p:sp>
+        <p:nvSpPr>
+          <p:cNvPr id="291" name="Google Shape;291;p23"/>
+          <p:cNvSpPr txBox="1"/>
+          <p:nvPr/>
+        </p:nvSpPr>
+        <p:spPr>
+          <a:xfrm>
+            <a:off x="5458600" y="3377813"/>
+            <a:ext cx="3224400" cy="923400"/>
+          </a:xfrm>
+          <a:prstGeom prst="rect">
+            <a:avLst/>
+          </a:prstGeom>
+          <a:noFill/>
+          <a:ln>
+            <a:noFill/>
+          </a:ln>
+        </p:spPr>
+        <p:txBody>
+          <a:bodyPr anchorCtr="0" anchor="t" bIns="91425" lIns="91425" spcFirstLastPara="1" rIns="91425" wrap="square" tIns="91425">
+            <a:spAutoFit/>
+          </a:bodyPr>
+          <a:lstStyle/>
+          <a:p>
+            <a:pPr indent="0" lvl="0" marL="0" rtl="0" algn="l">
+              <a:spcBef>
+                <a:spcPts val="0"/>
+              </a:spcBef>
+              <a:spcAft>
+                <a:spcPts val="0"/>
+              </a:spcAft>
+              <a:buNone/>
+            </a:pPr>
+            <a:r>
+              <a:rPr lang="en" sz="1200">
+                <a:latin typeface="Trebuchet MS"/>
+                <a:ea typeface="Trebuchet MS"/>
+                <a:cs typeface="Trebuchet MS"/>
+                <a:sym typeface="Trebuchet MS"/>
+              </a:rPr>
+              <a:t>Yes? Then calculate the BRAM address for the pixel of that sprite, and read RGB values (the bram module sets the RGB to pixel_data given the bram_addr)</a:t>
+            </a:r>
+            <a:endParaRPr sz="1200">
+              <a:latin typeface="Trebuchet MS"/>
+              <a:ea typeface="Trebuchet MS"/>
+              <a:cs typeface="Trebuchet MS"/>
+              <a:sym typeface="Trebuchet MS"/>
+            </a:endParaRPr>
+          </a:p>
+        </p:txBody>
+      </p:sp>
+      <p:cxnSp>
+        <p:nvCxnSpPr>
+          <p:cNvPr id="292" name="Google Shape;292;p23"/>
+          <p:cNvCxnSpPr>
+            <a:endCxn id="291" idx="1"/>
+          </p:cNvCxnSpPr>
+          <p:nvPr/>
+        </p:nvCxnSpPr>
+        <p:spPr>
+          <a:xfrm flipH="1" rot="10800000">
+            <a:off x="4754500" y="3839513"/>
+            <a:ext cx="704100" cy="9300"/>
+          </a:xfrm>
+          <a:prstGeom prst="straightConnector1">
+            <a:avLst/>
+          </a:prstGeom>
+          <a:noFill/>
+          <a:ln cap="flat" cmpd="sng" w="19050">
+            <a:solidFill>
+              <a:schemeClr val="accent4"/>
+            </a:solidFill>
+            <a:prstDash val="solid"/>
+            <a:round/>
+            <a:headEnd len="med" w="med" type="stealth"/>
+            <a:tailEnd len="med" w="med" type="none"/>
+          </a:ln>
+        </p:spPr>
+      </p:cxnSp>
+      <p:sp>
+        <p:nvSpPr>
+          <p:cNvPr id="293" name="Google Shape;293;p23"/>
+          <p:cNvSpPr txBox="1"/>
+          <p:nvPr/>
+        </p:nvSpPr>
+        <p:spPr>
+          <a:xfrm>
+            <a:off x="5225175" y="4269050"/>
+            <a:ext cx="2906400" cy="369300"/>
+          </a:xfrm>
+          <a:prstGeom prst="rect">
+            <a:avLst/>
+          </a:prstGeom>
+          <a:noFill/>
+          <a:ln>
+            <a:noFill/>
+          </a:ln>
+        </p:spPr>
+        <p:txBody>
+          <a:bodyPr anchorCtr="0" anchor="t" bIns="91425" lIns="91425" spcFirstLastPara="1" rIns="91425" wrap="square" tIns="91425">
+            <a:spAutoFit/>
+          </a:bodyPr>
+          <a:lstStyle/>
+          <a:p>
+            <a:pPr indent="0" lvl="0" marL="0" rtl="0" algn="l">
+              <a:spcBef>
+                <a:spcPts val="0"/>
+              </a:spcBef>
+              <a:spcAft>
+                <a:spcPts val="0"/>
+              </a:spcAft>
+              <a:buNone/>
+            </a:pPr>
+            <a:r>
+              <a:rPr lang="en" sz="1200">
+                <a:latin typeface="Trebuchet MS"/>
+                <a:ea typeface="Trebuchet MS"/>
+                <a:cs typeface="Trebuchet MS"/>
+                <a:sym typeface="Trebuchet MS"/>
+              </a:rPr>
+              <a:t>No? Just draw black pixel</a:t>
+            </a:r>
+            <a:endParaRPr sz="1200">
+              <a:latin typeface="Trebuchet MS"/>
+              <a:ea typeface="Trebuchet MS"/>
+              <a:cs typeface="Trebuchet MS"/>
+              <a:sym typeface="Trebuchet MS"/>
+            </a:endParaRPr>
+          </a:p>
+        </p:txBody>
+      </p:sp>
+      <p:cxnSp>
+        <p:nvCxnSpPr>
+          <p:cNvPr id="294" name="Google Shape;294;p23"/>
+          <p:cNvCxnSpPr>
+            <a:endCxn id="293" idx="1"/>
+          </p:cNvCxnSpPr>
+          <p:nvPr/>
+        </p:nvCxnSpPr>
+        <p:spPr>
+          <a:xfrm>
+            <a:off x="2236875" y="4450100"/>
+            <a:ext cx="2988300" cy="3600"/>
+          </a:xfrm>
+          <a:prstGeom prst="straightConnector1">
+            <a:avLst/>
+          </a:prstGeom>
+          <a:noFill/>
+          <a:ln cap="flat" cmpd="sng" w="19050">
+            <a:solidFill>
+              <a:schemeClr val="accent4"/>
+            </a:solidFill>
+            <a:prstDash val="solid"/>
+            <a:round/>
+            <a:headEnd len="med" w="med" type="stealth"/>
+            <a:tailEnd len="med" w="med" type="none"/>
+          </a:ln>
+        </p:spPr>
+      </p:cxnSp>
+      <p:sp>
+        <p:nvSpPr>
+          <p:cNvPr id="295" name="Google Shape;295;p23"/>
+          <p:cNvSpPr txBox="1"/>
+          <p:nvPr/>
+        </p:nvSpPr>
+        <p:spPr>
+          <a:xfrm>
+            <a:off x="0" y="4888800"/>
+            <a:ext cx="4367700" cy="307800"/>
+          </a:xfrm>
+          <a:prstGeom prst="rect">
+            <a:avLst/>
+          </a:prstGeom>
+          <a:noFill/>
+          <a:ln>
+            <a:noFill/>
+          </a:ln>
+        </p:spPr>
+        <p:txBody>
+          <a:bodyPr anchorCtr="0" anchor="t" bIns="91425" lIns="91425" spcFirstLastPara="1" rIns="91425" wrap="square" tIns="91425">
+            <a:spAutoFit/>
+          </a:bodyPr>
+          <a:lstStyle/>
+          <a:p>
+            <a:pPr indent="0" lvl="0" marL="0" rtl="0" algn="l">
+              <a:spcBef>
+                <a:spcPts val="0"/>
+              </a:spcBef>
+              <a:spcAft>
+                <a:spcPts val="0"/>
+              </a:spcAft>
+              <a:buNone/>
+            </a:pPr>
+            <a:r>
+              <a:rPr lang="en" sz="800">
+                <a:solidFill>
+                  <a:schemeClr val="dk1"/>
+                </a:solidFill>
+                <a:latin typeface="Trebuchet MS"/>
+                <a:ea typeface="Trebuchet MS"/>
+                <a:cs typeface="Trebuchet MS"/>
+                <a:sym typeface="Trebuchet MS"/>
+              </a:rPr>
+              <a:t>Sample VGA code was given for our lab assignment 1.</a:t>
+            </a:r>
+            <a:endParaRPr sz="800">
+              <a:solidFill>
+                <a:schemeClr val="dk1"/>
+              </a:solidFill>
+              <a:latin typeface="Trebuchet MS"/>
+              <a:ea typeface="Trebuchet MS"/>
+              <a:cs typeface="Trebuchet MS"/>
+              <a:sym typeface="Trebuchet MS"/>
+            </a:endParaRPr>
+          </a:p>
+        </p:txBody>
+      </p:sp>
     </p:spTree>
   </p:cSld>
   <p:clrMapOvr>
@@ -8307,7 +9220,7 @@
   <p:cSld>
     <p:spTree>
       <p:nvGrpSpPr>
-        <p:cNvPr id="278" name="Shape 278"/>
+        <p:cNvPr id="299" name="Shape 299"/>
         <p:cNvGrpSpPr/>
         <p:nvPr/>
       </p:nvGrpSpPr>
@@ -8321,7 +9234,7 @@
       </p:grpSpPr>
       <p:sp>
         <p:nvSpPr>
-          <p:cNvPr id="279" name="Google Shape;279;p24"/>
+          <p:cNvPr id="300" name="Google Shape;300;p24"/>
           <p:cNvSpPr txBox="1"/>
           <p:nvPr>
             <p:ph type="title"/>
@@ -8371,7 +9284,7 @@
       </p:sp>
       <p:sp>
         <p:nvSpPr>
-          <p:cNvPr id="280" name="Google Shape;280;p24"/>
+          <p:cNvPr id="301" name="Google Shape;301;p24"/>
           <p:cNvSpPr txBox="1"/>
           <p:nvPr>
             <p:ph idx="12" type="sldNum"/>
@@ -8411,7 +9324,7 @@
       </p:sp>
       <p:pic>
         <p:nvPicPr>
-          <p:cNvPr id="281" name="Google Shape;281;p24"/>
+          <p:cNvPr id="302" name="Google Shape;302;p24"/>
           <p:cNvPicPr preferRelativeResize="0"/>
           <p:nvPr/>
         </p:nvPicPr>
@@ -8425,8 +9338,8 @@
         </p:blipFill>
         <p:spPr>
           <a:xfrm>
-            <a:off x="4175125" y="899400"/>
-            <a:ext cx="4168901" cy="3820975"/>
+            <a:off x="888212" y="1914675"/>
+            <a:ext cx="7062775" cy="2198175"/>
           </a:xfrm>
           <a:prstGeom prst="rect">
             <a:avLst/>
@@ -8445,7 +9358,59 @@
       </p:pic>
       <p:sp>
         <p:nvSpPr>
-          <p:cNvPr id="282" name="Google Shape;282;p24"/>
+          <p:cNvPr id="303" name="Google Shape;303;p24"/>
+          <p:cNvSpPr txBox="1"/>
+          <p:nvPr/>
+        </p:nvSpPr>
+        <p:spPr>
+          <a:xfrm>
+            <a:off x="1750400" y="4214750"/>
+            <a:ext cx="5439600" cy="369300"/>
+          </a:xfrm>
+          <a:prstGeom prst="rect">
+            <a:avLst/>
+          </a:prstGeom>
+          <a:noFill/>
+          <a:ln>
+            <a:noFill/>
+          </a:ln>
+        </p:spPr>
+        <p:txBody>
+          <a:bodyPr anchorCtr="0" anchor="t" bIns="91425" lIns="91425" spcFirstLastPara="1" rIns="91425" wrap="square" tIns="91425">
+            <a:spAutoFit/>
+          </a:bodyPr>
+          <a:lstStyle/>
+          <a:p>
+            <a:pPr indent="0" lvl="0" marL="0" rtl="0" algn="ctr">
+              <a:spcBef>
+                <a:spcPts val="0"/>
+              </a:spcBef>
+              <a:spcAft>
+                <a:spcPts val="0"/>
+              </a:spcAft>
+              <a:buNone/>
+            </a:pPr>
+            <a:r>
+              <a:rPr lang="en" sz="1200">
+                <a:latin typeface="Trebuchet MS"/>
+                <a:ea typeface="Trebuchet MS"/>
+                <a:cs typeface="Trebuchet MS"/>
+                <a:sym typeface="Trebuchet MS"/>
+              </a:rPr>
+              <a:t>Number of balloons and bombs are parameterized using generate blocks</a:t>
+            </a:r>
+            <a:endParaRPr sz="1200">
+              <a:latin typeface="Trebuchet MS"/>
+              <a:ea typeface="Trebuchet MS"/>
+              <a:cs typeface="Trebuchet MS"/>
+              <a:sym typeface="Trebuchet MS"/>
+            </a:endParaRPr>
+          </a:p>
+        </p:txBody>
+      </p:sp>
+      <p:sp>
+        <p:nvSpPr>
+          <p:cNvPr id="304" name="Google Shape;304;p24"/>
           <p:cNvSpPr txBox="1"/>
           <p:nvPr>
             <p:ph idx="1" type="body"/>
@@ -8491,38 +9456,6 @@
                 <a:sym typeface="Trebuchet MS"/>
               </a:rPr>
               <a:t>Generate blocks to make the design scalable</a:t>
-            </a:r>
-            <a:endParaRPr sz="1600">
-              <a:solidFill>
-                <a:schemeClr val="dk1"/>
-              </a:solidFill>
-              <a:latin typeface="Trebuchet MS"/>
-              <a:ea typeface="Trebuchet MS"/>
-              <a:cs typeface="Trebuchet MS"/>
-              <a:sym typeface="Trebuchet MS"/>
-            </a:endParaRPr>
-          </a:p>
-          <a:p>
-            <a:pPr indent="0" lvl="0" marL="457200" rtl="0" algn="l">
-              <a:spcBef>
-                <a:spcPts val="1200"/>
-              </a:spcBef>
-              <a:spcAft>
-                <a:spcPts val="1200"/>
-              </a:spcAft>
-              <a:buNone/>
-            </a:pPr>
-            <a:r>
-              <a:rPr lang="en" sz="1600">
-                <a:solidFill>
-                  <a:schemeClr val="dk1"/>
-                </a:solidFill>
-                <a:latin typeface="Trebuchet MS"/>
-                <a:ea typeface="Trebuchet MS"/>
-                <a:cs typeface="Trebuchet MS"/>
-                <a:sym typeface="Trebuchet MS"/>
-              </a:rPr>
-              <a:t>Enabling multiple bullets on the screen at the same time in a scalable manner</a:t>
             </a:r>
             <a:endParaRPr sz="1600">
               <a:solidFill>
@@ -8549,7 +9482,7 @@
   <p:cSld>
     <p:spTree>
       <p:nvGrpSpPr>
-        <p:cNvPr id="286" name="Shape 286"/>
+        <p:cNvPr id="308" name="Shape 308"/>
         <p:cNvGrpSpPr/>
         <p:nvPr/>
       </p:nvGrpSpPr>
@@ -8563,7 +9496,7 @@
       </p:grpSpPr>
       <p:sp>
         <p:nvSpPr>
-          <p:cNvPr id="287" name="Google Shape;287;p25"/>
+          <p:cNvPr id="309" name="Google Shape;309;p25"/>
           <p:cNvSpPr txBox="1"/>
           <p:nvPr>
             <p:ph type="title"/>
@@ -8600,7 +9533,7 @@
                 <a:cs typeface="Trebuchet MS"/>
                 <a:sym typeface="Trebuchet MS"/>
               </a:rPr>
-              <a:t>Successes</a:t>
+              <a:t>Verilog Example</a:t>
             </a:r>
             <a:endParaRPr sz="2400">
               <a:latin typeface="Trebuchet MS"/>
@@ -8613,7 +9546,7 @@
       </p:sp>
       <p:sp>
         <p:nvSpPr>
-          <p:cNvPr id="288" name="Google Shape;288;p25"/>
+          <p:cNvPr id="310" name="Google Shape;310;p25"/>
           <p:cNvSpPr txBox="1"/>
           <p:nvPr>
             <p:ph idx="12" type="sldNum"/>
@@ -8651,9 +9584,95 @@
           </a:p>
         </p:txBody>
       </p:sp>
-      <p:sp>
-        <p:nvSpPr>
-          <p:cNvPr id="289" name="Google Shape;289;p25"/>
+      <p:pic>
+        <p:nvPicPr>
+          <p:cNvPr id="311" name="Google Shape;311;p25"/>
+          <p:cNvPicPr preferRelativeResize="0"/>
+          <p:nvPr/>
+        </p:nvPicPr>
+        <p:blipFill>
+          <a:blip r:embed="rId3">
+            <a:alphaModFix/>
+          </a:blip>
+          <a:stretch>
+            <a:fillRect/>
+          </a:stretch>
+        </p:blipFill>
+        <p:spPr>
+          <a:xfrm>
+            <a:off x="888212" y="1914675"/>
+            <a:ext cx="7062775" cy="2198175"/>
+          </a:xfrm>
+          <a:prstGeom prst="rect">
+            <a:avLst/>
+          </a:prstGeom>
+          <a:noFill/>
+          <a:ln cap="flat" cmpd="sng" w="9525">
+            <a:solidFill>
+              <a:schemeClr val="dk2"/>
+            </a:solidFill>
+            <a:prstDash val="solid"/>
+            <a:round/>
+            <a:headEnd len="sm" w="sm" type="none"/>
+            <a:tailEnd len="sm" w="sm" type="none"/>
+          </a:ln>
+        </p:spPr>
+      </p:pic>
+      <p:sp>
+        <p:nvSpPr>
+          <p:cNvPr id="312" name="Google Shape;312;p25"/>
+          <p:cNvSpPr txBox="1"/>
+          <p:nvPr/>
+        </p:nvSpPr>
+        <p:spPr>
+          <a:xfrm>
+            <a:off x="1750400" y="4214750"/>
+            <a:ext cx="5439600" cy="369300"/>
+          </a:xfrm>
+          <a:prstGeom prst="rect">
+            <a:avLst/>
+          </a:prstGeom>
+          <a:noFill/>
+          <a:ln>
+            <a:noFill/>
+          </a:ln>
+        </p:spPr>
+        <p:txBody>
+          <a:bodyPr anchorCtr="0" anchor="t" bIns="91425" lIns="91425" spcFirstLastPara="1" rIns="91425" wrap="square" tIns="91425">
+            <a:spAutoFit/>
+          </a:bodyPr>
+          <a:lstStyle/>
+          <a:p>
+            <a:pPr indent="0" lvl="0" marL="0" rtl="0" algn="ctr">
+              <a:spcBef>
+                <a:spcPts val="0"/>
+              </a:spcBef>
+              <a:spcAft>
+                <a:spcPts val="0"/>
+              </a:spcAft>
+              <a:buNone/>
+            </a:pPr>
+            <a:r>
+              <a:rPr lang="en" sz="1200">
+                <a:latin typeface="Trebuchet MS"/>
+                <a:ea typeface="Trebuchet MS"/>
+                <a:cs typeface="Trebuchet MS"/>
+                <a:sym typeface="Trebuchet MS"/>
+              </a:rPr>
+              <a:t>Number of balloons and bombs are parameterized using generate blocks</a:t>
+            </a:r>
+            <a:endParaRPr sz="1200">
+              <a:latin typeface="Trebuchet MS"/>
+              <a:ea typeface="Trebuchet MS"/>
+              <a:cs typeface="Trebuchet MS"/>
+              <a:sym typeface="Trebuchet MS"/>
+            </a:endParaRPr>
+          </a:p>
+        </p:txBody>
+      </p:sp>
+      <p:sp>
+        <p:nvSpPr>
+          <p:cNvPr id="313" name="Google Shape;313;p25"/>
           <p:cNvSpPr txBox="1"/>
           <p:nvPr>
             <p:ph idx="1" type="body"/>
@@ -8662,7 +9681,7 @@
         <p:spPr>
           <a:xfrm>
             <a:off x="311700" y="1191050"/>
-            <a:ext cx="8323200" cy="3708000"/>
+            <a:ext cx="3863400" cy="2755200"/>
           </a:xfrm>
           <a:prstGeom prst="rect">
             <a:avLst/>
@@ -8670,7 +9689,7 @@
         </p:spPr>
         <p:txBody>
           <a:bodyPr anchorCtr="0" anchor="t" bIns="91425" lIns="91425" spcFirstLastPara="1" rIns="91425" wrap="square" tIns="91425">
-            <a:normAutofit lnSpcReduction="10000"/>
+            <a:normAutofit/>
           </a:bodyPr>
           <a:lstStyle/>
           <a:p>
@@ -8698,7 +9717,7 @@
                 <a:cs typeface="Trebuchet MS"/>
                 <a:sym typeface="Trebuchet MS"/>
               </a:rPr>
-              <a:t>Finished making the game on time</a:t>
+              <a:t>Generate blocks to make the design scalable</a:t>
             </a:r>
             <a:endParaRPr sz="1600">
               <a:solidFill>
@@ -8710,460 +9729,193 @@
               <a:sym typeface="Trebuchet MS"/>
             </a:endParaRPr>
           </a:p>
-          <a:p>
-            <a:pPr indent="-317500" lvl="1" marL="914400" rtl="0" algn="l">
-              <a:spcBef>
-                <a:spcPts val="0"/>
-              </a:spcBef>
-              <a:spcAft>
-                <a:spcPts val="0"/>
-              </a:spcAft>
-              <a:buClr>
-                <a:schemeClr val="dk1"/>
-              </a:buClr>
-              <a:buSzPts val="1400"/>
-              <a:buFont typeface="Trebuchet MS"/>
-              <a:buChar char="○"/>
-            </a:pPr>
-            <a:r>
-              <a:rPr lang="en">
-                <a:solidFill>
-                  <a:schemeClr val="dk1"/>
-                </a:solidFill>
-                <a:latin typeface="Trebuchet MS"/>
-                <a:ea typeface="Trebuchet MS"/>
-                <a:cs typeface="Trebuchet MS"/>
-                <a:sym typeface="Trebuchet MS"/>
-              </a:rPr>
-              <a:t>All the functionalities proposed in the project proposal are implemented correctly</a:t>
-            </a:r>
-            <a:endParaRPr sz="1600">
-              <a:solidFill>
-                <a:schemeClr val="dk1"/>
-              </a:solidFill>
-              <a:latin typeface="Trebuchet MS"/>
-              <a:ea typeface="Trebuchet MS"/>
-              <a:cs typeface="Trebuchet MS"/>
-              <a:sym typeface="Trebuchet MS"/>
-            </a:endParaRPr>
-          </a:p>
-          <a:p>
-            <a:pPr indent="-330200" lvl="0" marL="457200" rtl="0" algn="l">
-              <a:spcBef>
-                <a:spcPts val="0"/>
-              </a:spcBef>
-              <a:spcAft>
-                <a:spcPts val="0"/>
-              </a:spcAft>
-              <a:buClr>
-                <a:schemeClr val="dk1"/>
-              </a:buClr>
-              <a:buSzPts val="1600"/>
-              <a:buFont typeface="Trebuchet MS"/>
-              <a:buChar char="●"/>
-            </a:pPr>
-            <a:r>
-              <a:rPr lang="en" sz="1600">
-                <a:solidFill>
-                  <a:schemeClr val="dk1"/>
-                </a:solidFill>
-                <a:latin typeface="Trebuchet MS"/>
-                <a:ea typeface="Trebuchet MS"/>
-                <a:cs typeface="Trebuchet MS"/>
-                <a:sym typeface="Trebuchet MS"/>
-              </a:rPr>
-              <a:t>Successfully used the sprites</a:t>
-            </a:r>
-            <a:endParaRPr sz="1600">
-              <a:solidFill>
-                <a:schemeClr val="dk1"/>
-              </a:solidFill>
-              <a:latin typeface="Trebuchet MS"/>
-              <a:ea typeface="Trebuchet MS"/>
-              <a:cs typeface="Trebuchet MS"/>
-              <a:sym typeface="Trebuchet MS"/>
-            </a:endParaRPr>
-          </a:p>
-          <a:p>
-            <a:pPr indent="-317500" lvl="1" marL="914400" rtl="0" algn="l">
-              <a:spcBef>
-                <a:spcPts val="0"/>
-              </a:spcBef>
-              <a:spcAft>
-                <a:spcPts val="0"/>
-              </a:spcAft>
-              <a:buClr>
-                <a:schemeClr val="dk1"/>
-              </a:buClr>
-              <a:buSzPts val="1400"/>
-              <a:buFont typeface="Trebuchet MS"/>
-              <a:buChar char="○"/>
-            </a:pPr>
-            <a:r>
-              <a:rPr lang="en">
-                <a:solidFill>
-                  <a:schemeClr val="dk1"/>
-                </a:solidFill>
-                <a:latin typeface="Trebuchet MS"/>
-                <a:ea typeface="Trebuchet MS"/>
-                <a:cs typeface="Trebuchet MS"/>
-                <a:sym typeface="Trebuchet MS"/>
-              </a:rPr>
-              <a:t>Did not run out of memory (18% utilization)</a:t>
-            </a:r>
-            <a:endParaRPr>
-              <a:solidFill>
-                <a:schemeClr val="dk1"/>
-              </a:solidFill>
-              <a:latin typeface="Trebuchet MS"/>
-              <a:ea typeface="Trebuchet MS"/>
-              <a:cs typeface="Trebuchet MS"/>
-              <a:sym typeface="Trebuchet MS"/>
-            </a:endParaRPr>
-          </a:p>
-          <a:p>
-            <a:pPr indent="-317500" lvl="1" marL="914400" rtl="0" algn="l">
-              <a:spcBef>
-                <a:spcPts val="0"/>
-              </a:spcBef>
-              <a:spcAft>
-                <a:spcPts val="0"/>
-              </a:spcAft>
-              <a:buClr>
-                <a:schemeClr val="dk1"/>
-              </a:buClr>
-              <a:buSzPts val="1400"/>
-              <a:buFont typeface="Trebuchet MS"/>
-              <a:buChar char="○"/>
-            </a:pPr>
-            <a:r>
-              <a:rPr lang="en">
-                <a:solidFill>
-                  <a:schemeClr val="dk1"/>
-                </a:solidFill>
-                <a:latin typeface="Trebuchet MS"/>
-                <a:ea typeface="Trebuchet MS"/>
-                <a:cs typeface="Trebuchet MS"/>
-                <a:sym typeface="Trebuchet MS"/>
-              </a:rPr>
-              <a:t>Multiple use of low resolution sprites</a:t>
-            </a:r>
-            <a:endParaRPr>
-              <a:solidFill>
-                <a:schemeClr val="dk1"/>
-              </a:solidFill>
-              <a:latin typeface="Trebuchet MS"/>
-              <a:ea typeface="Trebuchet MS"/>
-              <a:cs typeface="Trebuchet MS"/>
-              <a:sym typeface="Trebuchet MS"/>
-            </a:endParaRPr>
-          </a:p>
-          <a:p>
-            <a:pPr indent="-330200" lvl="0" marL="457200" rtl="0" algn="l">
-              <a:spcBef>
-                <a:spcPts val="0"/>
-              </a:spcBef>
-              <a:spcAft>
-                <a:spcPts val="0"/>
-              </a:spcAft>
-              <a:buClr>
-                <a:schemeClr val="dk1"/>
-              </a:buClr>
-              <a:buSzPts val="1600"/>
-              <a:buFont typeface="Trebuchet MS"/>
-              <a:buChar char="●"/>
-            </a:pPr>
-            <a:r>
-              <a:rPr lang="en" sz="1600">
-                <a:solidFill>
-                  <a:schemeClr val="dk1"/>
-                </a:solidFill>
-                <a:latin typeface="Trebuchet MS"/>
-                <a:ea typeface="Trebuchet MS"/>
-                <a:cs typeface="Trebuchet MS"/>
-                <a:sym typeface="Trebuchet MS"/>
-              </a:rPr>
-              <a:t>Animation of character, bombs, and balloons</a:t>
-            </a:r>
-            <a:endParaRPr sz="1600">
-              <a:solidFill>
-                <a:schemeClr val="dk1"/>
-              </a:solidFill>
-              <a:latin typeface="Trebuchet MS"/>
-              <a:ea typeface="Trebuchet MS"/>
-              <a:cs typeface="Trebuchet MS"/>
-              <a:sym typeface="Trebuchet MS"/>
-            </a:endParaRPr>
-          </a:p>
-          <a:p>
-            <a:pPr indent="-330200" lvl="0" marL="457200" rtl="0" algn="l">
-              <a:spcBef>
-                <a:spcPts val="0"/>
-              </a:spcBef>
-              <a:spcAft>
-                <a:spcPts val="0"/>
-              </a:spcAft>
-              <a:buClr>
-                <a:schemeClr val="dk1"/>
-              </a:buClr>
-              <a:buSzPts val="1600"/>
-              <a:buFont typeface="Trebuchet MS"/>
-              <a:buChar char="●"/>
-            </a:pPr>
-            <a:r>
-              <a:rPr lang="en" sz="1600">
-                <a:solidFill>
-                  <a:schemeClr val="dk1"/>
-                </a:solidFill>
-                <a:latin typeface="Trebuchet MS"/>
-                <a:ea typeface="Trebuchet MS"/>
-                <a:cs typeface="Trebuchet MS"/>
-                <a:sym typeface="Trebuchet MS"/>
-              </a:rPr>
-              <a:t>Balloon popping animation</a:t>
-            </a:r>
-            <a:endParaRPr sz="1600">
-              <a:solidFill>
-                <a:schemeClr val="dk1"/>
-              </a:solidFill>
-              <a:latin typeface="Trebuchet MS"/>
-              <a:ea typeface="Trebuchet MS"/>
-              <a:cs typeface="Trebuchet MS"/>
-              <a:sym typeface="Trebuchet MS"/>
-            </a:endParaRPr>
-          </a:p>
-          <a:p>
-            <a:pPr indent="-317500" lvl="1" marL="914400" rtl="0" algn="l">
-              <a:spcBef>
-                <a:spcPts val="0"/>
-              </a:spcBef>
-              <a:spcAft>
-                <a:spcPts val="0"/>
-              </a:spcAft>
-              <a:buClr>
-                <a:schemeClr val="dk1"/>
-              </a:buClr>
-              <a:buSzPts val="1400"/>
-              <a:buFont typeface="Trebuchet MS"/>
-              <a:buChar char="○"/>
-            </a:pPr>
-            <a:r>
-              <a:rPr lang="en">
-                <a:solidFill>
-                  <a:schemeClr val="dk1"/>
-                </a:solidFill>
-                <a:latin typeface="Trebuchet MS"/>
-                <a:ea typeface="Trebuchet MS"/>
-                <a:cs typeface="Trebuchet MS"/>
-                <a:sym typeface="Trebuchet MS"/>
-              </a:rPr>
-              <a:t>We worked till 1 AM in the lab!</a:t>
-            </a:r>
-            <a:endParaRPr>
-              <a:solidFill>
-                <a:schemeClr val="dk1"/>
-              </a:solidFill>
-              <a:latin typeface="Trebuchet MS"/>
-              <a:ea typeface="Trebuchet MS"/>
-              <a:cs typeface="Trebuchet MS"/>
-              <a:sym typeface="Trebuchet MS"/>
-            </a:endParaRPr>
-          </a:p>
-          <a:p>
-            <a:pPr indent="-330200" lvl="0" marL="457200" rtl="0" algn="l">
-              <a:spcBef>
-                <a:spcPts val="0"/>
-              </a:spcBef>
-              <a:spcAft>
-                <a:spcPts val="0"/>
-              </a:spcAft>
-              <a:buClr>
-                <a:schemeClr val="dk1"/>
-              </a:buClr>
-              <a:buSzPts val="1600"/>
-              <a:buFont typeface="Trebuchet MS"/>
-              <a:buChar char="●"/>
-            </a:pPr>
-            <a:r>
-              <a:rPr lang="en" sz="1600">
-                <a:solidFill>
-                  <a:schemeClr val="dk1"/>
-                </a:solidFill>
-                <a:latin typeface="Trebuchet MS"/>
-                <a:ea typeface="Trebuchet MS"/>
-                <a:cs typeface="Trebuchet MS"/>
-                <a:sym typeface="Trebuchet MS"/>
-              </a:rPr>
-              <a:t>Crazy bomb physics successfully implemented</a:t>
-            </a:r>
-            <a:endParaRPr sz="1600">
-              <a:solidFill>
-                <a:schemeClr val="dk1"/>
-              </a:solidFill>
-              <a:latin typeface="Trebuchet MS"/>
-              <a:ea typeface="Trebuchet MS"/>
-              <a:cs typeface="Trebuchet MS"/>
-              <a:sym typeface="Trebuchet MS"/>
-            </a:endParaRPr>
-          </a:p>
-          <a:p>
-            <a:pPr indent="-330200" lvl="0" marL="457200" rtl="0" algn="l">
-              <a:spcBef>
-                <a:spcPts val="0"/>
-              </a:spcBef>
-              <a:spcAft>
-                <a:spcPts val="0"/>
-              </a:spcAft>
-              <a:buClr>
-                <a:schemeClr val="dk1"/>
-              </a:buClr>
-              <a:buSzPts val="1600"/>
-              <a:buFont typeface="Trebuchet MS"/>
-              <a:buChar char="●"/>
-            </a:pPr>
-            <a:r>
-              <a:rPr lang="en" sz="1600">
-                <a:solidFill>
-                  <a:schemeClr val="dk1"/>
-                </a:solidFill>
-                <a:latin typeface="Trebuchet MS"/>
-                <a:ea typeface="Trebuchet MS"/>
-                <a:cs typeface="Trebuchet MS"/>
-                <a:sym typeface="Trebuchet MS"/>
-              </a:rPr>
-              <a:t>Hiding the non-transparent background of the sprites</a:t>
-            </a:r>
-            <a:endParaRPr>
-              <a:solidFill>
-                <a:schemeClr val="dk1"/>
-              </a:solidFill>
-              <a:latin typeface="Trebuchet MS"/>
-              <a:ea typeface="Trebuchet MS"/>
-              <a:cs typeface="Trebuchet MS"/>
-              <a:sym typeface="Trebuchet MS"/>
-            </a:endParaRPr>
-          </a:p>
-          <a:p>
-            <a:pPr indent="-330200" lvl="1" marL="914400" rtl="0" algn="l">
-              <a:spcBef>
-                <a:spcPts val="0"/>
-              </a:spcBef>
-              <a:spcAft>
-                <a:spcPts val="0"/>
-              </a:spcAft>
-              <a:buClr>
-                <a:schemeClr val="dk1"/>
-              </a:buClr>
-              <a:buSzPts val="1600"/>
-              <a:buFont typeface="Trebuchet MS"/>
-              <a:buChar char="○"/>
-            </a:pPr>
-            <a:r>
-              <a:rPr lang="en">
-                <a:solidFill>
-                  <a:schemeClr val="dk1"/>
-                </a:solidFill>
-                <a:latin typeface="Trebuchet MS"/>
-                <a:ea typeface="Trebuchet MS"/>
-                <a:cs typeface="Trebuchet MS"/>
-                <a:sym typeface="Trebuchet MS"/>
-              </a:rPr>
-              <a:t>Everything with black background or in rectangular shape</a:t>
-            </a:r>
-            <a:endParaRPr>
-              <a:solidFill>
-                <a:schemeClr val="dk1"/>
-              </a:solidFill>
-              <a:latin typeface="Trebuchet MS"/>
-              <a:ea typeface="Trebuchet MS"/>
-              <a:cs typeface="Trebuchet MS"/>
-              <a:sym typeface="Trebuchet MS"/>
-            </a:endParaRPr>
-          </a:p>
-          <a:p>
-            <a:pPr indent="-330200" lvl="1" marL="914400" rtl="0" algn="l">
-              <a:spcBef>
-                <a:spcPts val="0"/>
-              </a:spcBef>
-              <a:spcAft>
-                <a:spcPts val="0"/>
-              </a:spcAft>
-              <a:buClr>
-                <a:schemeClr val="dk1"/>
-              </a:buClr>
-              <a:buSzPts val="1600"/>
-              <a:buFont typeface="Trebuchet MS"/>
-              <a:buChar char="○"/>
-            </a:pPr>
-            <a:r>
-              <a:rPr lang="en">
-                <a:solidFill>
-                  <a:schemeClr val="dk1"/>
-                </a:solidFill>
-                <a:latin typeface="Trebuchet MS"/>
-                <a:ea typeface="Trebuchet MS"/>
-                <a:cs typeface="Trebuchet MS"/>
-                <a:sym typeface="Trebuchet MS"/>
-              </a:rPr>
-              <a:t>Bombs and balloons barely collide due to their physics</a:t>
-            </a:r>
-            <a:br>
-              <a:rPr lang="en" sz="1600">
-                <a:solidFill>
-                  <a:schemeClr val="dk1"/>
-                </a:solidFill>
-                <a:latin typeface="Trebuchet MS"/>
-                <a:ea typeface="Trebuchet MS"/>
-                <a:cs typeface="Trebuchet MS"/>
-                <a:sym typeface="Trebuchet MS"/>
-              </a:rPr>
-            </a:br>
-            <a:endParaRPr sz="1600">
-              <a:solidFill>
-                <a:schemeClr val="dk1"/>
-              </a:solidFill>
-              <a:latin typeface="Trebuchet MS"/>
-              <a:ea typeface="Trebuchet MS"/>
-              <a:cs typeface="Trebuchet MS"/>
-              <a:sym typeface="Trebuchet MS"/>
-            </a:endParaRPr>
-          </a:p>
-          <a:p>
-            <a:pPr indent="-330200" lvl="0" marL="457200" rtl="0" algn="l">
-              <a:spcBef>
-                <a:spcPts val="0"/>
-              </a:spcBef>
-              <a:spcAft>
-                <a:spcPts val="0"/>
-              </a:spcAft>
-              <a:buClr>
-                <a:schemeClr val="dk1"/>
-              </a:buClr>
-              <a:buSzPts val="1600"/>
-              <a:buFont typeface="Trebuchet MS"/>
-              <a:buChar char="●"/>
-            </a:pPr>
-            <a:r>
-              <a:rPr lang="en" sz="1600">
-                <a:solidFill>
-                  <a:schemeClr val="dk1"/>
-                </a:solidFill>
-                <a:latin typeface="Trebuchet MS"/>
-                <a:ea typeface="Trebuchet MS"/>
-                <a:cs typeface="Trebuchet MS"/>
-                <a:sym typeface="Trebuchet MS"/>
-              </a:rPr>
-              <a:t>Farhan finally found a title for the game!</a:t>
-            </a:r>
-            <a:endParaRPr sz="1600">
-              <a:solidFill>
-                <a:schemeClr val="dk1"/>
-              </a:solidFill>
-              <a:latin typeface="Trebuchet MS"/>
-              <a:ea typeface="Trebuchet MS"/>
-              <a:cs typeface="Trebuchet MS"/>
-              <a:sym typeface="Trebuchet MS"/>
-            </a:endParaRPr>
+        </p:txBody>
+      </p:sp>
+      <p:sp>
+        <p:nvSpPr>
+          <p:cNvPr id="314" name="Google Shape;314;p25"/>
+          <p:cNvSpPr/>
+          <p:nvPr/>
+        </p:nvSpPr>
+        <p:spPr>
+          <a:xfrm>
+            <a:off x="912225" y="2053350"/>
+            <a:ext cx="548700" cy="127800"/>
+          </a:xfrm>
+          <a:prstGeom prst="rect">
+            <a:avLst/>
+          </a:prstGeom>
+          <a:noFill/>
+          <a:ln cap="flat" cmpd="sng" w="19050">
+            <a:solidFill>
+              <a:schemeClr val="accent4"/>
+            </a:solidFill>
+            <a:prstDash val="solid"/>
+            <a:round/>
+            <a:headEnd len="sm" w="sm" type="none"/>
+            <a:tailEnd len="sm" w="sm" type="none"/>
+          </a:ln>
+        </p:spPr>
+        <p:txBody>
+          <a:bodyPr anchorCtr="0" anchor="ctr" bIns="91425" lIns="91425" spcFirstLastPara="1" rIns="91425" wrap="square" tIns="91425">
+            <a:noAutofit/>
+          </a:bodyPr>
+          <a:lstStyle/>
+          <a:p>
+            <a:pPr indent="0" lvl="0" marL="0" rtl="0" algn="l">
+              <a:spcBef>
+                <a:spcPts val="0"/>
+              </a:spcBef>
+              <a:spcAft>
+                <a:spcPts val="0"/>
+              </a:spcAft>
+              <a:buNone/>
+            </a:pPr>
+            <a:r>
+              <a:t/>
+            </a:r>
+            <a:endParaRPr/>
+          </a:p>
+        </p:txBody>
+      </p:sp>
+      <p:sp>
+        <p:nvSpPr>
+          <p:cNvPr id="315" name="Google Shape;315;p25"/>
+          <p:cNvSpPr/>
+          <p:nvPr/>
+        </p:nvSpPr>
+        <p:spPr>
+          <a:xfrm>
+            <a:off x="912225" y="2878975"/>
+            <a:ext cx="649800" cy="127800"/>
+          </a:xfrm>
+          <a:prstGeom prst="rect">
+            <a:avLst/>
+          </a:prstGeom>
+          <a:noFill/>
+          <a:ln cap="flat" cmpd="sng" w="19050">
+            <a:solidFill>
+              <a:schemeClr val="accent4"/>
+            </a:solidFill>
+            <a:prstDash val="solid"/>
+            <a:round/>
+            <a:headEnd len="sm" w="sm" type="none"/>
+            <a:tailEnd len="sm" w="sm" type="none"/>
+          </a:ln>
+        </p:spPr>
+        <p:txBody>
+          <a:bodyPr anchorCtr="0" anchor="ctr" bIns="91425" lIns="91425" spcFirstLastPara="1" rIns="91425" wrap="square" tIns="91425">
+            <a:noAutofit/>
+          </a:bodyPr>
+          <a:lstStyle/>
+          <a:p>
+            <a:pPr indent="0" lvl="0" marL="0" rtl="0" algn="l">
+              <a:spcBef>
+                <a:spcPts val="0"/>
+              </a:spcBef>
+              <a:spcAft>
+                <a:spcPts val="0"/>
+              </a:spcAft>
+              <a:buNone/>
+            </a:pPr>
+            <a:r>
+              <a:t/>
+            </a:r>
+            <a:endParaRPr/>
+          </a:p>
+        </p:txBody>
+      </p:sp>
+      <p:sp>
+        <p:nvSpPr>
+          <p:cNvPr id="316" name="Google Shape;316;p25"/>
+          <p:cNvSpPr/>
+          <p:nvPr/>
+        </p:nvSpPr>
+        <p:spPr>
+          <a:xfrm>
+            <a:off x="912225" y="3272550"/>
+            <a:ext cx="548700" cy="127800"/>
+          </a:xfrm>
+          <a:prstGeom prst="rect">
+            <a:avLst/>
+          </a:prstGeom>
+          <a:noFill/>
+          <a:ln cap="flat" cmpd="sng" w="19050">
+            <a:solidFill>
+              <a:schemeClr val="accent4"/>
+            </a:solidFill>
+            <a:prstDash val="solid"/>
+            <a:round/>
+            <a:headEnd len="sm" w="sm" type="none"/>
+            <a:tailEnd len="sm" w="sm" type="none"/>
+          </a:ln>
+        </p:spPr>
+        <p:txBody>
+          <a:bodyPr anchorCtr="0" anchor="ctr" bIns="91425" lIns="91425" spcFirstLastPara="1" rIns="91425" wrap="square" tIns="91425">
+            <a:noAutofit/>
+          </a:bodyPr>
+          <a:lstStyle/>
+          <a:p>
+            <a:pPr indent="0" lvl="0" marL="0" rtl="0" algn="l">
+              <a:spcBef>
+                <a:spcPts val="0"/>
+              </a:spcBef>
+              <a:spcAft>
+                <a:spcPts val="0"/>
+              </a:spcAft>
+              <a:buNone/>
+            </a:pPr>
+            <a:r>
+              <a:t/>
+            </a:r>
+            <a:endParaRPr/>
+          </a:p>
+        </p:txBody>
+      </p:sp>
+      <p:sp>
+        <p:nvSpPr>
+          <p:cNvPr id="317" name="Google Shape;317;p25"/>
+          <p:cNvSpPr/>
+          <p:nvPr/>
+        </p:nvSpPr>
+        <p:spPr>
+          <a:xfrm>
+            <a:off x="912225" y="3945775"/>
+            <a:ext cx="649800" cy="127800"/>
+          </a:xfrm>
+          <a:prstGeom prst="rect">
+            <a:avLst/>
+          </a:prstGeom>
+          <a:noFill/>
+          <a:ln cap="flat" cmpd="sng" w="19050">
+            <a:solidFill>
+              <a:schemeClr val="accent4"/>
+            </a:solidFill>
+            <a:prstDash val="solid"/>
+            <a:round/>
+            <a:headEnd len="sm" w="sm" type="none"/>
+            <a:tailEnd len="sm" w="sm" type="none"/>
+          </a:ln>
+        </p:spPr>
+        <p:txBody>
+          <a:bodyPr anchorCtr="0" anchor="ctr" bIns="91425" lIns="91425" spcFirstLastPara="1" rIns="91425" wrap="square" tIns="91425">
+            <a:noAutofit/>
+          </a:bodyPr>
+          <a:lstStyle/>
+          <a:p>
+            <a:pPr indent="0" lvl="0" marL="0" rtl="0" algn="l">
+              <a:spcBef>
+                <a:spcPts val="0"/>
+              </a:spcBef>
+              <a:spcAft>
+                <a:spcPts val="0"/>
+              </a:spcAft>
+              <a:buNone/>
+            </a:pPr>
+            <a:r>
+              <a:t/>
+            </a:r>
+            <a:endParaRPr/>
           </a:p>
         </p:txBody>
       </p:sp>
@@ -9180,7 +9932,7 @@
   <p:cSld>
     <p:spTree>
       <p:nvGrpSpPr>
-        <p:cNvPr id="293" name="Shape 293"/>
+        <p:cNvPr id="321" name="Shape 321"/>
         <p:cNvGrpSpPr/>
         <p:nvPr/>
       </p:nvGrpSpPr>
@@ -9194,7 +9946,7 @@
       </p:grpSpPr>
       <p:sp>
         <p:nvSpPr>
-          <p:cNvPr id="294" name="Google Shape;294;p26"/>
+          <p:cNvPr id="322" name="Google Shape;322;p26"/>
           <p:cNvSpPr txBox="1"/>
           <p:nvPr>
             <p:ph type="title"/>
@@ -9231,7 +9983,7 @@
                 <a:cs typeface="Trebuchet MS"/>
                 <a:sym typeface="Trebuchet MS"/>
               </a:rPr>
-              <a:t>Failures &amp; Design Tradeoffs</a:t>
+              <a:t>Verilog Example</a:t>
             </a:r>
             <a:endParaRPr sz="2400">
               <a:latin typeface="Trebuchet MS"/>
@@ -9244,7 +9996,7 @@
       </p:sp>
       <p:sp>
         <p:nvSpPr>
-          <p:cNvPr id="295" name="Google Shape;295;p26"/>
+          <p:cNvPr id="323" name="Google Shape;323;p26"/>
           <p:cNvSpPr txBox="1"/>
           <p:nvPr>
             <p:ph idx="12" type="sldNum"/>
@@ -9282,9 +10034,95 @@
           </a:p>
         </p:txBody>
       </p:sp>
-      <p:sp>
-        <p:nvSpPr>
-          <p:cNvPr id="296" name="Google Shape;296;p26"/>
+      <p:pic>
+        <p:nvPicPr>
+          <p:cNvPr id="324" name="Google Shape;324;p26"/>
+          <p:cNvPicPr preferRelativeResize="0"/>
+          <p:nvPr/>
+        </p:nvPicPr>
+        <p:blipFill>
+          <a:blip r:embed="rId3">
+            <a:alphaModFix/>
+          </a:blip>
+          <a:stretch>
+            <a:fillRect/>
+          </a:stretch>
+        </p:blipFill>
+        <p:spPr>
+          <a:xfrm>
+            <a:off x="888212" y="1914675"/>
+            <a:ext cx="7062775" cy="2198175"/>
+          </a:xfrm>
+          <a:prstGeom prst="rect">
+            <a:avLst/>
+          </a:prstGeom>
+          <a:noFill/>
+          <a:ln cap="flat" cmpd="sng" w="9525">
+            <a:solidFill>
+              <a:schemeClr val="dk2"/>
+            </a:solidFill>
+            <a:prstDash val="solid"/>
+            <a:round/>
+            <a:headEnd len="sm" w="sm" type="none"/>
+            <a:tailEnd len="sm" w="sm" type="none"/>
+          </a:ln>
+        </p:spPr>
+      </p:pic>
+      <p:sp>
+        <p:nvSpPr>
+          <p:cNvPr id="325" name="Google Shape;325;p26"/>
+          <p:cNvSpPr txBox="1"/>
+          <p:nvPr/>
+        </p:nvSpPr>
+        <p:spPr>
+          <a:xfrm>
+            <a:off x="1750400" y="4214750"/>
+            <a:ext cx="5439600" cy="369300"/>
+          </a:xfrm>
+          <a:prstGeom prst="rect">
+            <a:avLst/>
+          </a:prstGeom>
+          <a:noFill/>
+          <a:ln>
+            <a:noFill/>
+          </a:ln>
+        </p:spPr>
+        <p:txBody>
+          <a:bodyPr anchorCtr="0" anchor="t" bIns="91425" lIns="91425" spcFirstLastPara="1" rIns="91425" wrap="square" tIns="91425">
+            <a:spAutoFit/>
+          </a:bodyPr>
+          <a:lstStyle/>
+          <a:p>
+            <a:pPr indent="0" lvl="0" marL="0" rtl="0" algn="ctr">
+              <a:spcBef>
+                <a:spcPts val="0"/>
+              </a:spcBef>
+              <a:spcAft>
+                <a:spcPts val="0"/>
+              </a:spcAft>
+              <a:buNone/>
+            </a:pPr>
+            <a:r>
+              <a:rPr lang="en" sz="1200">
+                <a:latin typeface="Trebuchet MS"/>
+                <a:ea typeface="Trebuchet MS"/>
+                <a:cs typeface="Trebuchet MS"/>
+                <a:sym typeface="Trebuchet MS"/>
+              </a:rPr>
+              <a:t>Number of balloons and bombs are parameterized using generate blocks</a:t>
+            </a:r>
+            <a:endParaRPr sz="1200">
+              <a:latin typeface="Trebuchet MS"/>
+              <a:ea typeface="Trebuchet MS"/>
+              <a:cs typeface="Trebuchet MS"/>
+              <a:sym typeface="Trebuchet MS"/>
+            </a:endParaRPr>
+          </a:p>
+        </p:txBody>
+      </p:sp>
+      <p:sp>
+        <p:nvSpPr>
+          <p:cNvPr id="326" name="Google Shape;326;p26"/>
           <p:cNvSpPr txBox="1"/>
           <p:nvPr>
             <p:ph idx="1" type="body"/>
@@ -9293,7 +10131,7 @@
         <p:spPr>
           <a:xfrm>
             <a:off x="311700" y="1191050"/>
-            <a:ext cx="8160900" cy="3374700"/>
+            <a:ext cx="3863400" cy="2755200"/>
           </a:xfrm>
           <a:prstGeom prst="rect">
             <a:avLst/>
@@ -9329,7 +10167,7 @@
                 <a:cs typeface="Trebuchet MS"/>
                 <a:sym typeface="Trebuchet MS"/>
               </a:rPr>
-              <a:t>Could not add music (We are very sorry)</a:t>
+              <a:t>Generate blocks to make the design scalable</a:t>
             </a:r>
             <a:endParaRPr sz="1600">
               <a:solidFill>
@@ -9341,389 +10179,60 @@
               <a:sym typeface="Trebuchet MS"/>
             </a:endParaRPr>
           </a:p>
-          <a:p>
-            <a:pPr indent="-317500" lvl="1" marL="914400" rtl="0" algn="l">
-              <a:spcBef>
-                <a:spcPts val="0"/>
-              </a:spcBef>
-              <a:spcAft>
-                <a:spcPts val="0"/>
-              </a:spcAft>
-              <a:buClr>
-                <a:schemeClr val="dk1"/>
-              </a:buClr>
-              <a:buSzPts val="1400"/>
-              <a:buFont typeface="Trebuchet MS"/>
-              <a:buChar char="○"/>
-            </a:pPr>
-            <a:r>
-              <a:rPr lang="en">
-                <a:solidFill>
-                  <a:schemeClr val="dk1"/>
-                </a:solidFill>
-                <a:latin typeface="Trebuchet MS"/>
-                <a:ea typeface="Trebuchet MS"/>
-                <a:cs typeface="Trebuchet MS"/>
-                <a:sym typeface="Trebuchet MS"/>
-              </a:rPr>
-              <a:t>Needed a speaker or converter, ran out of time</a:t>
-            </a:r>
-            <a:endParaRPr>
-              <a:solidFill>
-                <a:schemeClr val="dk1"/>
-              </a:solidFill>
-              <a:latin typeface="Trebuchet MS"/>
-              <a:ea typeface="Trebuchet MS"/>
-              <a:cs typeface="Trebuchet MS"/>
-              <a:sym typeface="Trebuchet MS"/>
-            </a:endParaRPr>
-          </a:p>
-          <a:p>
-            <a:pPr indent="-317500" lvl="1" marL="914400" rtl="0" algn="l">
-              <a:spcBef>
-                <a:spcPts val="0"/>
-              </a:spcBef>
-              <a:spcAft>
-                <a:spcPts val="0"/>
-              </a:spcAft>
-              <a:buClr>
-                <a:schemeClr val="dk1"/>
-              </a:buClr>
-              <a:buSzPts val="1400"/>
-              <a:buFont typeface="Trebuchet MS"/>
-              <a:buChar char="○"/>
-            </a:pPr>
-            <a:r>
-              <a:rPr lang="en">
-                <a:solidFill>
-                  <a:schemeClr val="dk1"/>
-                </a:solidFill>
-                <a:latin typeface="Trebuchet MS"/>
-                <a:ea typeface="Trebuchet MS"/>
-                <a:cs typeface="Trebuchet MS"/>
-                <a:sym typeface="Trebuchet MS"/>
-              </a:rPr>
-              <a:t>Focused more on visual improvement</a:t>
-            </a:r>
-            <a:endParaRPr>
-              <a:solidFill>
-                <a:schemeClr val="dk1"/>
-              </a:solidFill>
-              <a:latin typeface="Trebuchet MS"/>
-              <a:ea typeface="Trebuchet MS"/>
-              <a:cs typeface="Trebuchet MS"/>
-              <a:sym typeface="Trebuchet MS"/>
-            </a:endParaRPr>
-          </a:p>
-          <a:p>
-            <a:pPr indent="-330200" lvl="0" marL="457200" rtl="0" algn="l">
-              <a:spcBef>
-                <a:spcPts val="0"/>
-              </a:spcBef>
-              <a:spcAft>
-                <a:spcPts val="0"/>
-              </a:spcAft>
-              <a:buClr>
-                <a:schemeClr val="dk1"/>
-              </a:buClr>
-              <a:buSzPts val="1600"/>
-              <a:buFont typeface="Trebuchet MS"/>
-              <a:buChar char="●"/>
-            </a:pPr>
-            <a:r>
-              <a:rPr lang="en" sz="1600">
-                <a:solidFill>
-                  <a:schemeClr val="dk1"/>
-                </a:solidFill>
-                <a:latin typeface="Trebuchet MS"/>
-                <a:ea typeface="Trebuchet MS"/>
-                <a:cs typeface="Trebuchet MS"/>
-                <a:sym typeface="Trebuchet MS"/>
-              </a:rPr>
-              <a:t>Little glitches in the sprites at a certain part of the monitor</a:t>
-            </a:r>
-            <a:endParaRPr sz="1600">
-              <a:solidFill>
-                <a:schemeClr val="dk1"/>
-              </a:solidFill>
-              <a:latin typeface="Trebuchet MS"/>
-              <a:ea typeface="Trebuchet MS"/>
-              <a:cs typeface="Trebuchet MS"/>
-              <a:sym typeface="Trebuchet MS"/>
-            </a:endParaRPr>
-          </a:p>
-          <a:p>
-            <a:pPr indent="-317500" lvl="1" marL="914400" rtl="0" algn="l">
-              <a:spcBef>
-                <a:spcPts val="0"/>
-              </a:spcBef>
-              <a:spcAft>
-                <a:spcPts val="0"/>
-              </a:spcAft>
-              <a:buClr>
-                <a:schemeClr val="dk1"/>
-              </a:buClr>
-              <a:buSzPts val="1400"/>
-              <a:buFont typeface="Trebuchet MS"/>
-              <a:buChar char="○"/>
-            </a:pPr>
-            <a:r>
-              <a:rPr lang="en">
-                <a:solidFill>
-                  <a:schemeClr val="dk1"/>
-                </a:solidFill>
-                <a:latin typeface="Trebuchet MS"/>
-                <a:ea typeface="Trebuchet MS"/>
-                <a:cs typeface="Trebuchet MS"/>
-                <a:sym typeface="Trebuchet MS"/>
-              </a:rPr>
-              <a:t>Solved some position-</a:t>
-            </a:r>
-            <a:r>
-              <a:rPr lang="en">
-                <a:solidFill>
-                  <a:schemeClr val="dk1"/>
-                </a:solidFill>
-                <a:latin typeface="Trebuchet MS"/>
-                <a:ea typeface="Trebuchet MS"/>
-                <a:cs typeface="Trebuchet MS"/>
-                <a:sym typeface="Trebuchet MS"/>
-              </a:rPr>
-              <a:t>independent</a:t>
-            </a:r>
-            <a:r>
-              <a:rPr lang="en">
-                <a:solidFill>
-                  <a:schemeClr val="dk1"/>
-                </a:solidFill>
-                <a:latin typeface="Trebuchet MS"/>
-                <a:ea typeface="Trebuchet MS"/>
-                <a:cs typeface="Trebuchet MS"/>
-                <a:sym typeface="Trebuchet MS"/>
-              </a:rPr>
-              <a:t> </a:t>
-            </a:r>
-            <a:r>
-              <a:rPr lang="en">
-                <a:solidFill>
-                  <a:schemeClr val="dk1"/>
-                </a:solidFill>
-                <a:latin typeface="Trebuchet MS"/>
-                <a:ea typeface="Trebuchet MS"/>
-                <a:cs typeface="Trebuchet MS"/>
-                <a:sym typeface="Trebuchet MS"/>
-              </a:rPr>
-              <a:t>glitching</a:t>
-            </a:r>
-            <a:r>
-              <a:rPr lang="en">
-                <a:solidFill>
-                  <a:schemeClr val="dk1"/>
-                </a:solidFill>
-                <a:latin typeface="Trebuchet MS"/>
-                <a:ea typeface="Trebuchet MS"/>
-                <a:cs typeface="Trebuchet MS"/>
-                <a:sym typeface="Trebuchet MS"/>
-              </a:rPr>
-              <a:t> problems by analyzing corner cases</a:t>
-            </a:r>
-            <a:endParaRPr>
-              <a:solidFill>
-                <a:schemeClr val="dk1"/>
-              </a:solidFill>
-              <a:latin typeface="Trebuchet MS"/>
-              <a:ea typeface="Trebuchet MS"/>
-              <a:cs typeface="Trebuchet MS"/>
-              <a:sym typeface="Trebuchet MS"/>
-            </a:endParaRPr>
-          </a:p>
-          <a:p>
-            <a:pPr indent="-317500" lvl="1" marL="914400" rtl="0" algn="l">
-              <a:spcBef>
-                <a:spcPts val="0"/>
-              </a:spcBef>
-              <a:spcAft>
-                <a:spcPts val="0"/>
-              </a:spcAft>
-              <a:buClr>
-                <a:schemeClr val="dk1"/>
-              </a:buClr>
-              <a:buSzPts val="1400"/>
-              <a:buFont typeface="Trebuchet MS"/>
-              <a:buChar char="○"/>
-            </a:pPr>
-            <a:r>
-              <a:rPr lang="en">
-                <a:solidFill>
-                  <a:schemeClr val="dk1"/>
-                </a:solidFill>
-                <a:latin typeface="Trebuchet MS"/>
-                <a:ea typeface="Trebuchet MS"/>
-                <a:cs typeface="Trebuchet MS"/>
-                <a:sym typeface="Trebuchet MS"/>
-              </a:rPr>
-              <a:t>Still some glitches at a certain position, could not figure out why</a:t>
-            </a:r>
-            <a:endParaRPr>
-              <a:solidFill>
-                <a:schemeClr val="dk1"/>
-              </a:solidFill>
-              <a:latin typeface="Trebuchet MS"/>
-              <a:ea typeface="Trebuchet MS"/>
-              <a:cs typeface="Trebuchet MS"/>
-              <a:sym typeface="Trebuchet MS"/>
-            </a:endParaRPr>
-          </a:p>
-          <a:p>
-            <a:pPr indent="-330200" lvl="0" marL="457200" rtl="0" algn="l">
-              <a:spcBef>
-                <a:spcPts val="0"/>
-              </a:spcBef>
-              <a:spcAft>
-                <a:spcPts val="0"/>
-              </a:spcAft>
-              <a:buClr>
-                <a:schemeClr val="dk1"/>
-              </a:buClr>
-              <a:buSzPts val="1600"/>
-              <a:buFont typeface="Trebuchet MS"/>
-              <a:buChar char="●"/>
-            </a:pPr>
-            <a:r>
-              <a:rPr lang="en" sz="1600">
-                <a:solidFill>
-                  <a:schemeClr val="dk1"/>
-                </a:solidFill>
-                <a:latin typeface="Trebuchet MS"/>
-                <a:ea typeface="Trebuchet MS"/>
-                <a:cs typeface="Trebuchet MS"/>
-                <a:sym typeface="Trebuchet MS"/>
-              </a:rPr>
-              <a:t>We wanted more images</a:t>
-            </a:r>
-            <a:endParaRPr sz="1600">
-              <a:solidFill>
-                <a:schemeClr val="dk1"/>
-              </a:solidFill>
-              <a:latin typeface="Trebuchet MS"/>
-              <a:ea typeface="Trebuchet MS"/>
-              <a:cs typeface="Trebuchet MS"/>
-              <a:sym typeface="Trebuchet MS"/>
-            </a:endParaRPr>
-          </a:p>
-          <a:p>
-            <a:pPr indent="-317500" lvl="1" marL="914400" rtl="0" algn="l">
-              <a:spcBef>
-                <a:spcPts val="0"/>
-              </a:spcBef>
-              <a:spcAft>
-                <a:spcPts val="0"/>
-              </a:spcAft>
-              <a:buClr>
-                <a:schemeClr val="dk1"/>
-              </a:buClr>
-              <a:buSzPts val="1400"/>
-              <a:buFont typeface="Trebuchet MS"/>
-              <a:buChar char="○"/>
-            </a:pPr>
-            <a:r>
-              <a:rPr lang="en">
-                <a:solidFill>
-                  <a:schemeClr val="dk1"/>
-                </a:solidFill>
-                <a:latin typeface="Trebuchet MS"/>
-                <a:ea typeface="Trebuchet MS"/>
-                <a:cs typeface="Trebuchet MS"/>
-                <a:sym typeface="Trebuchet MS"/>
-              </a:rPr>
-              <a:t>Very long synthesis time for more/larger images</a:t>
-            </a:r>
-            <a:endParaRPr>
-              <a:solidFill>
-                <a:schemeClr val="dk1"/>
-              </a:solidFill>
-              <a:latin typeface="Trebuchet MS"/>
-              <a:ea typeface="Trebuchet MS"/>
-              <a:cs typeface="Trebuchet MS"/>
-              <a:sym typeface="Trebuchet MS"/>
-            </a:endParaRPr>
-          </a:p>
-          <a:p>
-            <a:pPr indent="-317500" lvl="1" marL="914400" rtl="0" algn="l">
-              <a:spcBef>
-                <a:spcPts val="0"/>
-              </a:spcBef>
-              <a:spcAft>
-                <a:spcPts val="0"/>
-              </a:spcAft>
-              <a:buClr>
-                <a:schemeClr val="dk1"/>
-              </a:buClr>
-              <a:buSzPts val="1400"/>
-              <a:buFont typeface="Trebuchet MS"/>
-              <a:buChar char="○"/>
-            </a:pPr>
-            <a:r>
-              <a:rPr lang="en">
-                <a:solidFill>
-                  <a:schemeClr val="dk1"/>
-                </a:solidFill>
-                <a:latin typeface="Trebuchet MS"/>
-                <a:ea typeface="Trebuchet MS"/>
-                <a:cs typeface="Trebuchet MS"/>
-                <a:sym typeface="Trebuchet MS"/>
-              </a:rPr>
-              <a:t>Difficult to finish the project with a large BRAM</a:t>
-            </a:r>
-            <a:endParaRPr>
-              <a:solidFill>
-                <a:schemeClr val="dk1"/>
-              </a:solidFill>
-              <a:latin typeface="Trebuchet MS"/>
-              <a:ea typeface="Trebuchet MS"/>
-              <a:cs typeface="Trebuchet MS"/>
-              <a:sym typeface="Trebuchet MS"/>
-            </a:endParaRPr>
-          </a:p>
-          <a:p>
-            <a:pPr indent="-317500" lvl="1" marL="914400" rtl="0" algn="l">
-              <a:spcBef>
-                <a:spcPts val="0"/>
-              </a:spcBef>
-              <a:spcAft>
-                <a:spcPts val="0"/>
-              </a:spcAft>
-              <a:buClr>
-                <a:schemeClr val="dk1"/>
-              </a:buClr>
-              <a:buSzPts val="1400"/>
-              <a:buFont typeface="Trebuchet MS"/>
-              <a:buChar char="○"/>
-            </a:pPr>
-            <a:r>
-              <a:rPr lang="en">
-                <a:solidFill>
-                  <a:schemeClr val="dk1"/>
-                </a:solidFill>
-                <a:latin typeface="Trebuchet MS"/>
-                <a:ea typeface="Trebuchet MS"/>
-                <a:cs typeface="Trebuchet MS"/>
-                <a:sym typeface="Trebuchet MS"/>
-              </a:rPr>
-              <a:t>Added all the inactive sprites at the end</a:t>
-            </a:r>
-            <a:endParaRPr>
-              <a:solidFill>
-                <a:schemeClr val="dk1"/>
-              </a:solidFill>
-              <a:latin typeface="Trebuchet MS"/>
-              <a:ea typeface="Trebuchet MS"/>
-              <a:cs typeface="Trebuchet MS"/>
-              <a:sym typeface="Trebuchet MS"/>
-            </a:endParaRPr>
-          </a:p>
         </p:txBody>
       </p:sp>
+      <p:cxnSp>
+        <p:nvCxnSpPr>
+          <p:cNvPr id="327" name="Google Shape;327;p26"/>
+          <p:cNvCxnSpPr/>
+          <p:nvPr/>
+        </p:nvCxnSpPr>
+        <p:spPr>
+          <a:xfrm flipH="1" rot="10800000">
+            <a:off x="1133700" y="2291225"/>
+            <a:ext cx="2064600" cy="12000"/>
+          </a:xfrm>
+          <a:prstGeom prst="straightConnector1">
+            <a:avLst/>
+          </a:prstGeom>
+          <a:noFill/>
+          <a:ln cap="flat" cmpd="sng" w="19050">
+            <a:solidFill>
+              <a:schemeClr val="accent4"/>
+            </a:solidFill>
+            <a:prstDash val="solid"/>
+            <a:round/>
+            <a:headEnd len="med" w="med" type="none"/>
+            <a:tailEnd len="med" w="med" type="none"/>
+          </a:ln>
+        </p:spPr>
+      </p:cxnSp>
+      <p:cxnSp>
+        <p:nvCxnSpPr>
+          <p:cNvPr id="328" name="Google Shape;328;p26"/>
+          <p:cNvCxnSpPr/>
+          <p:nvPr/>
+        </p:nvCxnSpPr>
+        <p:spPr>
+          <a:xfrm flipH="1" rot="10800000">
+            <a:off x="1133700" y="3480600"/>
+            <a:ext cx="2064600" cy="12000"/>
+          </a:xfrm>
+          <a:prstGeom prst="straightConnector1">
+            <a:avLst/>
+          </a:prstGeom>
+          <a:noFill/>
+          <a:ln cap="flat" cmpd="sng" w="19050">
+            <a:solidFill>
+              <a:schemeClr val="accent4"/>
+            </a:solidFill>
+            <a:prstDash val="solid"/>
+            <a:round/>
+            <a:headEnd len="med" w="med" type="none"/>
+            <a:tailEnd len="med" w="med" type="none"/>
+          </a:ln>
+        </p:spPr>
+      </p:cxnSp>
     </p:spTree>
   </p:cSld>
   <p:clrMapOvr>
@@ -9737,7 +10246,7 @@
   <p:cSld>
     <p:spTree>
       <p:nvGrpSpPr>
-        <p:cNvPr id="300" name="Shape 300"/>
+        <p:cNvPr id="332" name="Shape 332"/>
         <p:cNvGrpSpPr/>
         <p:nvPr/>
       </p:nvGrpSpPr>
@@ -9751,7 +10260,57 @@
       </p:grpSpPr>
       <p:sp>
         <p:nvSpPr>
-          <p:cNvPr id="301" name="Google Shape;301;p27"/>
+          <p:cNvPr id="333" name="Google Shape;333;p27"/>
+          <p:cNvSpPr txBox="1"/>
+          <p:nvPr>
+            <p:ph type="title"/>
+          </p:nvPr>
+        </p:nvSpPr>
+        <p:spPr>
+          <a:xfrm>
+            <a:off x="311700" y="445025"/>
+            <a:ext cx="8520600" cy="572700"/>
+          </a:xfrm>
+          <a:prstGeom prst="rect">
+            <a:avLst/>
+          </a:prstGeom>
+        </p:spPr>
+        <p:txBody>
+          <a:bodyPr anchorCtr="0" anchor="t" bIns="91425" lIns="91425" spcFirstLastPara="1" rIns="91425" wrap="square" tIns="91425">
+            <a:normAutofit/>
+          </a:bodyPr>
+          <a:lstStyle/>
+          <a:p>
+            <a:pPr indent="0" lvl="0" marL="0" rtl="0" algn="l">
+              <a:spcBef>
+                <a:spcPts val="0"/>
+              </a:spcBef>
+              <a:spcAft>
+                <a:spcPts val="0"/>
+              </a:spcAft>
+              <a:buNone/>
+            </a:pPr>
+            <a:r>
+              <a:rPr lang="en" sz="2400">
+                <a:latin typeface="Trebuchet MS"/>
+                <a:ea typeface="Trebuchet MS"/>
+                <a:cs typeface="Trebuchet MS"/>
+                <a:sym typeface="Trebuchet MS"/>
+              </a:rPr>
+              <a:t>Verilog Example</a:t>
+            </a:r>
+            <a:endParaRPr sz="2400">
+              <a:latin typeface="Trebuchet MS"/>
+              <a:ea typeface="Trebuchet MS"/>
+              <a:cs typeface="Trebuchet MS"/>
+              <a:sym typeface="Trebuchet MS"/>
+            </a:endParaRPr>
+          </a:p>
+        </p:txBody>
+      </p:sp>
+      <p:sp>
+        <p:nvSpPr>
+          <p:cNvPr id="334" name="Google Shape;334;p27"/>
           <p:cNvSpPr txBox="1"/>
           <p:nvPr>
             <p:ph idx="12" type="sldNum"/>
@@ -9789,9 +10348,2625 @@
           </a:p>
         </p:txBody>
       </p:sp>
-      <p:sp>
-        <p:nvSpPr>
-          <p:cNvPr id="302" name="Google Shape;302;p27"/>
+      <p:pic>
+        <p:nvPicPr>
+          <p:cNvPr id="335" name="Google Shape;335;p27"/>
+          <p:cNvPicPr preferRelativeResize="0"/>
+          <p:nvPr/>
+        </p:nvPicPr>
+        <p:blipFill>
+          <a:blip r:embed="rId3">
+            <a:alphaModFix/>
+          </a:blip>
+          <a:stretch>
+            <a:fillRect/>
+          </a:stretch>
+        </p:blipFill>
+        <p:spPr>
+          <a:xfrm>
+            <a:off x="4175125" y="899400"/>
+            <a:ext cx="4168901" cy="3820975"/>
+          </a:xfrm>
+          <a:prstGeom prst="rect">
+            <a:avLst/>
+          </a:prstGeom>
+          <a:noFill/>
+          <a:ln cap="flat" cmpd="sng" w="9525">
+            <a:solidFill>
+              <a:schemeClr val="dk2"/>
+            </a:solidFill>
+            <a:prstDash val="solid"/>
+            <a:round/>
+            <a:headEnd len="sm" w="sm" type="none"/>
+            <a:tailEnd len="sm" w="sm" type="none"/>
+          </a:ln>
+        </p:spPr>
+      </p:pic>
+      <p:sp>
+        <p:nvSpPr>
+          <p:cNvPr id="336" name="Google Shape;336;p27"/>
+          <p:cNvSpPr txBox="1"/>
+          <p:nvPr>
+            <p:ph idx="1" type="body"/>
+          </p:nvPr>
+        </p:nvSpPr>
+        <p:spPr>
+          <a:xfrm>
+            <a:off x="311700" y="1191050"/>
+            <a:ext cx="3863400" cy="2755200"/>
+          </a:xfrm>
+          <a:prstGeom prst="rect">
+            <a:avLst/>
+          </a:prstGeom>
+        </p:spPr>
+        <p:txBody>
+          <a:bodyPr anchorCtr="0" anchor="t" bIns="91425" lIns="91425" spcFirstLastPara="1" rIns="91425" wrap="square" tIns="91425">
+            <a:normAutofit/>
+          </a:bodyPr>
+          <a:lstStyle/>
+          <a:p>
+            <a:pPr indent="-330200" lvl="0" marL="457200" rtl="0" algn="l">
+              <a:spcBef>
+                <a:spcPts val="0"/>
+              </a:spcBef>
+              <a:spcAft>
+                <a:spcPts val="0"/>
+              </a:spcAft>
+              <a:buClr>
+                <a:schemeClr val="dk1"/>
+              </a:buClr>
+              <a:buSzPts val="1600"/>
+              <a:buFont typeface="Trebuchet MS"/>
+              <a:buChar char="●"/>
+            </a:pPr>
+            <a:r>
+              <a:rPr lang="en" sz="1600">
+                <a:solidFill>
+                  <a:schemeClr val="dk1"/>
+                </a:solidFill>
+                <a:latin typeface="Trebuchet MS"/>
+                <a:ea typeface="Trebuchet MS"/>
+                <a:cs typeface="Trebuchet MS"/>
+                <a:sym typeface="Trebuchet MS"/>
+              </a:rPr>
+              <a:t>Generate blocks to make the design scalable</a:t>
+            </a:r>
+            <a:endParaRPr sz="1600">
+              <a:solidFill>
+                <a:schemeClr val="dk1"/>
+              </a:solidFill>
+              <a:latin typeface="Trebuchet MS"/>
+              <a:ea typeface="Trebuchet MS"/>
+              <a:cs typeface="Trebuchet MS"/>
+              <a:sym typeface="Trebuchet MS"/>
+            </a:endParaRPr>
+          </a:p>
+          <a:p>
+            <a:pPr indent="0" lvl="0" marL="457200" rtl="0" algn="l">
+              <a:spcBef>
+                <a:spcPts val="1200"/>
+              </a:spcBef>
+              <a:spcAft>
+                <a:spcPts val="1200"/>
+              </a:spcAft>
+              <a:buNone/>
+            </a:pPr>
+            <a:r>
+              <a:rPr lang="en" sz="1600">
+                <a:solidFill>
+                  <a:schemeClr val="dk1"/>
+                </a:solidFill>
+                <a:latin typeface="Trebuchet MS"/>
+                <a:ea typeface="Trebuchet MS"/>
+                <a:cs typeface="Trebuchet MS"/>
+                <a:sym typeface="Trebuchet MS"/>
+              </a:rPr>
+              <a:t>Enabling multiple bullets on the screen at the same time in a scalable manner</a:t>
+            </a:r>
+            <a:endParaRPr sz="1600">
+              <a:solidFill>
+                <a:schemeClr val="dk1"/>
+              </a:solidFill>
+              <a:latin typeface="Trebuchet MS"/>
+              <a:ea typeface="Trebuchet MS"/>
+              <a:cs typeface="Trebuchet MS"/>
+              <a:sym typeface="Trebuchet MS"/>
+            </a:endParaRPr>
+          </a:p>
+        </p:txBody>
+      </p:sp>
+    </p:spTree>
+  </p:cSld>
+  <p:clrMapOvr>
+    <a:masterClrMapping/>
+  </p:clrMapOvr>
+</p:sld>
+</file>
+
+<file path=ppt/slides/slide16.xml><?xml version="1.0" encoding="utf-8"?>
+<p:sld xmlns:a="http://schemas.openxmlformats.org/drawingml/2006/main" xmlns:r="http://schemas.openxmlformats.org/officeDocument/2006/relationships" xmlns:mc="http://schemas.openxmlformats.org/markup-compatibility/2006" xmlns:mv="urn:schemas-microsoft-com:mac:vml" xmlns:p="http://schemas.openxmlformats.org/presentationml/2006/main" xmlns:c="http://schemas.openxmlformats.org/drawingml/2006/chart" xmlns:dgm="http://schemas.openxmlformats.org/drawingml/2006/diagram" xmlns:o="urn:schemas-microsoft-com:office:office" xmlns:v="urn:schemas-microsoft-com:vml" xmlns:pvml="urn:schemas-microsoft-com:office:powerpoint" xmlns:com="http://schemas.openxmlformats.org/drawingml/2006/compatibility" xmlns:p14="http://schemas.microsoft.com/office/powerpoint/2010/main" xmlns:p15="http://schemas.microsoft.com/office/powerpoint/2012/main" xmlns:ahyp="http://schemas.microsoft.com/office/drawing/2018/hyperlinkcolor">
+  <p:cSld>
+    <p:spTree>
+      <p:nvGrpSpPr>
+        <p:cNvPr id="340" name="Shape 340"/>
+        <p:cNvGrpSpPr/>
+        <p:nvPr/>
+      </p:nvGrpSpPr>
+      <p:grpSpPr>
+        <a:xfrm>
+          <a:off x="0" y="0"/>
+          <a:ext cx="0" cy="0"/>
+          <a:chOff x="0" y="0"/>
+          <a:chExt cx="0" cy="0"/>
+        </a:xfrm>
+      </p:grpSpPr>
+      <p:pic>
+        <p:nvPicPr>
+          <p:cNvPr id="341" name="Google Shape;341;p28"/>
+          <p:cNvPicPr preferRelativeResize="0"/>
+          <p:nvPr/>
+        </p:nvPicPr>
+        <p:blipFill>
+          <a:blip r:embed="rId3">
+            <a:alphaModFix/>
+          </a:blip>
+          <a:stretch>
+            <a:fillRect/>
+          </a:stretch>
+        </p:blipFill>
+        <p:spPr>
+          <a:xfrm>
+            <a:off x="311700" y="1093925"/>
+            <a:ext cx="5087675" cy="3316150"/>
+          </a:xfrm>
+          <a:prstGeom prst="rect">
+            <a:avLst/>
+          </a:prstGeom>
+          <a:noFill/>
+          <a:ln cap="flat" cmpd="sng" w="9525">
+            <a:solidFill>
+              <a:srgbClr val="595959"/>
+            </a:solidFill>
+            <a:prstDash val="solid"/>
+            <a:round/>
+            <a:headEnd len="sm" w="sm" type="none"/>
+            <a:tailEnd len="sm" w="sm" type="none"/>
+          </a:ln>
+        </p:spPr>
+      </p:pic>
+      <p:sp>
+        <p:nvSpPr>
+          <p:cNvPr id="342" name="Google Shape;342;p28"/>
+          <p:cNvSpPr txBox="1"/>
+          <p:nvPr/>
+        </p:nvSpPr>
+        <p:spPr>
+          <a:xfrm>
+            <a:off x="6355025" y="1782275"/>
+            <a:ext cx="2418600" cy="1693200"/>
+          </a:xfrm>
+          <a:prstGeom prst="rect">
+            <a:avLst/>
+          </a:prstGeom>
+          <a:solidFill>
+            <a:schemeClr val="dk1"/>
+          </a:solidFill>
+          <a:ln cap="flat" cmpd="sng" w="9525">
+            <a:solidFill>
+              <a:srgbClr val="000000"/>
+            </a:solidFill>
+            <a:prstDash val="solid"/>
+            <a:round/>
+            <a:headEnd len="sm" w="sm" type="none"/>
+            <a:tailEnd len="sm" w="sm" type="none"/>
+          </a:ln>
+        </p:spPr>
+        <p:txBody>
+          <a:bodyPr anchorCtr="0" anchor="t" bIns="91425" lIns="91425" spcFirstLastPara="1" rIns="91425" wrap="square" tIns="91425">
+            <a:spAutoFit/>
+          </a:bodyPr>
+          <a:lstStyle/>
+          <a:p>
+            <a:pPr indent="0" lvl="0" marL="0" rtl="0" algn="l">
+              <a:spcBef>
+                <a:spcPts val="0"/>
+              </a:spcBef>
+              <a:spcAft>
+                <a:spcPts val="0"/>
+              </a:spcAft>
+              <a:buNone/>
+            </a:pPr>
+            <a:r>
+              <a:t/>
+            </a:r>
+            <a:endParaRPr/>
+          </a:p>
+          <a:p>
+            <a:pPr indent="0" lvl="0" marL="0" rtl="0" algn="l">
+              <a:spcBef>
+                <a:spcPts val="0"/>
+              </a:spcBef>
+              <a:spcAft>
+                <a:spcPts val="0"/>
+              </a:spcAft>
+              <a:buNone/>
+            </a:pPr>
+            <a:r>
+              <a:t/>
+            </a:r>
+            <a:endParaRPr/>
+          </a:p>
+          <a:p>
+            <a:pPr indent="0" lvl="0" marL="0" rtl="0" algn="l">
+              <a:spcBef>
+                <a:spcPts val="0"/>
+              </a:spcBef>
+              <a:spcAft>
+                <a:spcPts val="0"/>
+              </a:spcAft>
+              <a:buNone/>
+            </a:pPr>
+            <a:r>
+              <a:t/>
+            </a:r>
+            <a:endParaRPr/>
+          </a:p>
+          <a:p>
+            <a:pPr indent="0" lvl="0" marL="0" rtl="0" algn="l">
+              <a:spcBef>
+                <a:spcPts val="0"/>
+              </a:spcBef>
+              <a:spcAft>
+                <a:spcPts val="0"/>
+              </a:spcAft>
+              <a:buNone/>
+            </a:pPr>
+            <a:r>
+              <a:t/>
+            </a:r>
+            <a:endParaRPr/>
+          </a:p>
+          <a:p>
+            <a:pPr indent="0" lvl="0" marL="0" rtl="0" algn="l">
+              <a:spcBef>
+                <a:spcPts val="0"/>
+              </a:spcBef>
+              <a:spcAft>
+                <a:spcPts val="0"/>
+              </a:spcAft>
+              <a:buNone/>
+            </a:pPr>
+            <a:r>
+              <a:t/>
+            </a:r>
+            <a:endParaRPr/>
+          </a:p>
+          <a:p>
+            <a:pPr indent="0" lvl="0" marL="0" rtl="0" algn="l">
+              <a:spcBef>
+                <a:spcPts val="0"/>
+              </a:spcBef>
+              <a:spcAft>
+                <a:spcPts val="0"/>
+              </a:spcAft>
+              <a:buNone/>
+            </a:pPr>
+            <a:r>
+              <a:t/>
+            </a:r>
+            <a:endParaRPr/>
+          </a:p>
+          <a:p>
+            <a:pPr indent="0" lvl="0" marL="0" rtl="0" algn="l">
+              <a:spcBef>
+                <a:spcPts val="0"/>
+              </a:spcBef>
+              <a:spcAft>
+                <a:spcPts val="0"/>
+              </a:spcAft>
+              <a:buNone/>
+            </a:pPr>
+            <a:r>
+              <a:t/>
+            </a:r>
+            <a:endParaRPr/>
+          </a:p>
+        </p:txBody>
+      </p:sp>
+      <p:sp>
+        <p:nvSpPr>
+          <p:cNvPr id="343" name="Google Shape;343;p28"/>
+          <p:cNvSpPr txBox="1"/>
+          <p:nvPr>
+            <p:ph type="title"/>
+          </p:nvPr>
+        </p:nvSpPr>
+        <p:spPr>
+          <a:xfrm>
+            <a:off x="311700" y="445025"/>
+            <a:ext cx="8520600" cy="572700"/>
+          </a:xfrm>
+          <a:prstGeom prst="rect">
+            <a:avLst/>
+          </a:prstGeom>
+        </p:spPr>
+        <p:txBody>
+          <a:bodyPr anchorCtr="0" anchor="t" bIns="91425" lIns="91425" spcFirstLastPara="1" rIns="91425" wrap="square" tIns="91425">
+            <a:normAutofit fontScale="90000"/>
+          </a:bodyPr>
+          <a:lstStyle/>
+          <a:p>
+            <a:pPr indent="0" lvl="0" marL="0" rtl="0" algn="l">
+              <a:spcBef>
+                <a:spcPts val="0"/>
+              </a:spcBef>
+              <a:spcAft>
+                <a:spcPts val="0"/>
+              </a:spcAft>
+              <a:buNone/>
+            </a:pPr>
+            <a:r>
+              <a:rPr lang="en">
+                <a:latin typeface="Trebuchet MS"/>
+                <a:ea typeface="Trebuchet MS"/>
+                <a:cs typeface="Trebuchet MS"/>
+                <a:sym typeface="Trebuchet MS"/>
+              </a:rPr>
+              <a:t>Collision Detection Implementation </a:t>
+            </a:r>
+            <a:endParaRPr>
+              <a:latin typeface="Trebuchet MS"/>
+              <a:ea typeface="Trebuchet MS"/>
+              <a:cs typeface="Trebuchet MS"/>
+              <a:sym typeface="Trebuchet MS"/>
+            </a:endParaRPr>
+          </a:p>
+        </p:txBody>
+      </p:sp>
+      <p:sp>
+        <p:nvSpPr>
+          <p:cNvPr id="344" name="Google Shape;344;p28"/>
+          <p:cNvSpPr txBox="1"/>
+          <p:nvPr>
+            <p:ph idx="12" type="sldNum"/>
+          </p:nvPr>
+        </p:nvSpPr>
+        <p:spPr>
+          <a:xfrm>
+            <a:off x="8472458" y="4663217"/>
+            <a:ext cx="548700" cy="393600"/>
+          </a:xfrm>
+          <a:prstGeom prst="rect">
+            <a:avLst/>
+          </a:prstGeom>
+        </p:spPr>
+        <p:txBody>
+          <a:bodyPr anchorCtr="0" anchor="ctr" bIns="91425" lIns="91425" spcFirstLastPara="1" rIns="91425" wrap="square" tIns="91425">
+            <a:normAutofit/>
+          </a:bodyPr>
+          <a:lstStyle/>
+          <a:p>
+            <a:pPr indent="0" lvl="0" marL="0" rtl="0" algn="r">
+              <a:spcBef>
+                <a:spcPts val="0"/>
+              </a:spcBef>
+              <a:spcAft>
+                <a:spcPts val="0"/>
+              </a:spcAft>
+              <a:buNone/>
+            </a:pPr>
+            <a:fld id="{00000000-1234-1234-1234-123412341234}" type="slidenum">
+              <a:rPr lang="en"/>
+              <a:t>‹#›</a:t>
+            </a:fld>
+            <a:endParaRPr/>
+          </a:p>
+        </p:txBody>
+      </p:sp>
+      <p:cxnSp>
+        <p:nvCxnSpPr>
+          <p:cNvPr id="345" name="Google Shape;345;p28"/>
+          <p:cNvCxnSpPr/>
+          <p:nvPr/>
+        </p:nvCxnSpPr>
+        <p:spPr>
+          <a:xfrm>
+            <a:off x="6271350" y="1722150"/>
+            <a:ext cx="0" cy="1011900"/>
+          </a:xfrm>
+          <a:prstGeom prst="straightConnector1">
+            <a:avLst/>
+          </a:prstGeom>
+          <a:noFill/>
+          <a:ln cap="flat" cmpd="sng" w="9525">
+            <a:solidFill>
+              <a:schemeClr val="dk2"/>
+            </a:solidFill>
+            <a:prstDash val="solid"/>
+            <a:round/>
+            <a:headEnd len="med" w="med" type="none"/>
+            <a:tailEnd len="med" w="med" type="stealth"/>
+          </a:ln>
+        </p:spPr>
+      </p:cxnSp>
+      <p:cxnSp>
+        <p:nvCxnSpPr>
+          <p:cNvPr id="346" name="Google Shape;346;p28"/>
+          <p:cNvCxnSpPr/>
+          <p:nvPr/>
+        </p:nvCxnSpPr>
+        <p:spPr>
+          <a:xfrm>
+            <a:off x="6271350" y="1722150"/>
+            <a:ext cx="948600" cy="0"/>
+          </a:xfrm>
+          <a:prstGeom prst="straightConnector1">
+            <a:avLst/>
+          </a:prstGeom>
+          <a:noFill/>
+          <a:ln cap="flat" cmpd="sng" w="9525">
+            <a:solidFill>
+              <a:schemeClr val="dk2"/>
+            </a:solidFill>
+            <a:prstDash val="solid"/>
+            <a:round/>
+            <a:headEnd len="med" w="med" type="none"/>
+            <a:tailEnd len="med" w="med" type="stealth"/>
+          </a:ln>
+        </p:spPr>
+      </p:cxnSp>
+      <p:sp>
+        <p:nvSpPr>
+          <p:cNvPr id="347" name="Google Shape;347;p28"/>
+          <p:cNvSpPr txBox="1"/>
+          <p:nvPr/>
+        </p:nvSpPr>
+        <p:spPr>
+          <a:xfrm>
+            <a:off x="5955125" y="1412975"/>
+            <a:ext cx="1011900" cy="369300"/>
+          </a:xfrm>
+          <a:prstGeom prst="rect">
+            <a:avLst/>
+          </a:prstGeom>
+          <a:noFill/>
+          <a:ln>
+            <a:noFill/>
+          </a:ln>
+        </p:spPr>
+        <p:txBody>
+          <a:bodyPr anchorCtr="0" anchor="t" bIns="91425" lIns="91425" spcFirstLastPara="1" rIns="91425" wrap="square" tIns="91425">
+            <a:spAutoFit/>
+          </a:bodyPr>
+          <a:lstStyle/>
+          <a:p>
+            <a:pPr indent="0" lvl="0" marL="0" rtl="0" algn="l">
+              <a:spcBef>
+                <a:spcPts val="0"/>
+              </a:spcBef>
+              <a:spcAft>
+                <a:spcPts val="0"/>
+              </a:spcAft>
+              <a:buNone/>
+            </a:pPr>
+            <a:r>
+              <a:rPr lang="en" sz="1200">
+                <a:latin typeface="Trebuchet MS"/>
+                <a:ea typeface="Trebuchet MS"/>
+                <a:cs typeface="Trebuchet MS"/>
+                <a:sym typeface="Trebuchet MS"/>
+              </a:rPr>
+              <a:t>(0,0)</a:t>
+            </a:r>
+            <a:endParaRPr sz="1200">
+              <a:latin typeface="Trebuchet MS"/>
+              <a:ea typeface="Trebuchet MS"/>
+              <a:cs typeface="Trebuchet MS"/>
+              <a:sym typeface="Trebuchet MS"/>
+            </a:endParaRPr>
+          </a:p>
+        </p:txBody>
+      </p:sp>
+      <p:sp>
+        <p:nvSpPr>
+          <p:cNvPr id="348" name="Google Shape;348;p28"/>
+          <p:cNvSpPr/>
+          <p:nvPr/>
+        </p:nvSpPr>
+        <p:spPr>
+          <a:xfrm>
+            <a:off x="6260825" y="1711600"/>
+            <a:ext cx="26400" cy="26400"/>
+          </a:xfrm>
+          <a:prstGeom prst="ellipse">
+            <a:avLst/>
+          </a:prstGeom>
+          <a:solidFill>
+            <a:schemeClr val="dk1"/>
+          </a:solidFill>
+          <a:ln cap="flat" cmpd="sng" w="9525">
+            <a:solidFill>
+              <a:schemeClr val="dk2"/>
+            </a:solidFill>
+            <a:prstDash val="solid"/>
+            <a:round/>
+            <a:headEnd len="sm" w="sm" type="none"/>
+            <a:tailEnd len="sm" w="sm" type="none"/>
+          </a:ln>
+        </p:spPr>
+        <p:txBody>
+          <a:bodyPr anchorCtr="0" anchor="ctr" bIns="91425" lIns="91425" spcFirstLastPara="1" rIns="91425" wrap="square" tIns="91425">
+            <a:noAutofit/>
+          </a:bodyPr>
+          <a:lstStyle/>
+          <a:p>
+            <a:pPr indent="0" lvl="0" marL="0" rtl="0" algn="l">
+              <a:spcBef>
+                <a:spcPts val="0"/>
+              </a:spcBef>
+              <a:spcAft>
+                <a:spcPts val="0"/>
+              </a:spcAft>
+              <a:buNone/>
+            </a:pPr>
+            <a:r>
+              <a:t/>
+            </a:r>
+            <a:endParaRPr/>
+          </a:p>
+        </p:txBody>
+      </p:sp>
+      <p:sp>
+        <p:nvSpPr>
+          <p:cNvPr id="349" name="Google Shape;349;p28"/>
+          <p:cNvSpPr txBox="1"/>
+          <p:nvPr/>
+        </p:nvSpPr>
+        <p:spPr>
+          <a:xfrm>
+            <a:off x="7049400" y="1368700"/>
+            <a:ext cx="399900" cy="369300"/>
+          </a:xfrm>
+          <a:prstGeom prst="rect">
+            <a:avLst/>
+          </a:prstGeom>
+          <a:noFill/>
+          <a:ln>
+            <a:noFill/>
+          </a:ln>
+        </p:spPr>
+        <p:txBody>
+          <a:bodyPr anchorCtr="0" anchor="t" bIns="91425" lIns="91425" spcFirstLastPara="1" rIns="91425" wrap="square" tIns="91425">
+            <a:spAutoFit/>
+          </a:bodyPr>
+          <a:lstStyle/>
+          <a:p>
+            <a:pPr indent="0" lvl="0" marL="0" rtl="0" algn="l">
+              <a:spcBef>
+                <a:spcPts val="0"/>
+              </a:spcBef>
+              <a:spcAft>
+                <a:spcPts val="0"/>
+              </a:spcAft>
+              <a:buNone/>
+            </a:pPr>
+            <a:r>
+              <a:rPr lang="en" sz="1200">
+                <a:latin typeface="Trebuchet MS"/>
+                <a:ea typeface="Trebuchet MS"/>
+                <a:cs typeface="Trebuchet MS"/>
+                <a:sym typeface="Trebuchet MS"/>
+              </a:rPr>
+              <a:t>X</a:t>
+            </a:r>
+            <a:endParaRPr sz="1200">
+              <a:latin typeface="Trebuchet MS"/>
+              <a:ea typeface="Trebuchet MS"/>
+              <a:cs typeface="Trebuchet MS"/>
+              <a:sym typeface="Trebuchet MS"/>
+            </a:endParaRPr>
+          </a:p>
+        </p:txBody>
+      </p:sp>
+      <p:sp>
+        <p:nvSpPr>
+          <p:cNvPr id="350" name="Google Shape;350;p28"/>
+          <p:cNvSpPr txBox="1"/>
+          <p:nvPr/>
+        </p:nvSpPr>
+        <p:spPr>
+          <a:xfrm>
+            <a:off x="5955125" y="2425975"/>
+            <a:ext cx="399900" cy="369300"/>
+          </a:xfrm>
+          <a:prstGeom prst="rect">
+            <a:avLst/>
+          </a:prstGeom>
+          <a:noFill/>
+          <a:ln>
+            <a:noFill/>
+          </a:ln>
+        </p:spPr>
+        <p:txBody>
+          <a:bodyPr anchorCtr="0" anchor="t" bIns="91425" lIns="91425" spcFirstLastPara="1" rIns="91425" wrap="square" tIns="91425">
+            <a:spAutoFit/>
+          </a:bodyPr>
+          <a:lstStyle/>
+          <a:p>
+            <a:pPr indent="0" lvl="0" marL="0" rtl="0" algn="l">
+              <a:spcBef>
+                <a:spcPts val="0"/>
+              </a:spcBef>
+              <a:spcAft>
+                <a:spcPts val="0"/>
+              </a:spcAft>
+              <a:buNone/>
+            </a:pPr>
+            <a:r>
+              <a:rPr lang="en" sz="1200">
+                <a:latin typeface="Trebuchet MS"/>
+                <a:ea typeface="Trebuchet MS"/>
+                <a:cs typeface="Trebuchet MS"/>
+                <a:sym typeface="Trebuchet MS"/>
+              </a:rPr>
+              <a:t>Y</a:t>
+            </a:r>
+            <a:endParaRPr sz="1200">
+              <a:latin typeface="Trebuchet MS"/>
+              <a:ea typeface="Trebuchet MS"/>
+              <a:cs typeface="Trebuchet MS"/>
+              <a:sym typeface="Trebuchet MS"/>
+            </a:endParaRPr>
+          </a:p>
+        </p:txBody>
+      </p:sp>
+      <p:pic>
+        <p:nvPicPr>
+          <p:cNvPr id="351" name="Google Shape;351;p28"/>
+          <p:cNvPicPr preferRelativeResize="0"/>
+          <p:nvPr/>
+        </p:nvPicPr>
+        <p:blipFill>
+          <a:blip r:embed="rId4">
+            <a:alphaModFix/>
+          </a:blip>
+          <a:stretch>
+            <a:fillRect/>
+          </a:stretch>
+        </p:blipFill>
+        <p:spPr>
+          <a:xfrm>
+            <a:off x="6900600" y="2182325"/>
+            <a:ext cx="548700" cy="731600"/>
+          </a:xfrm>
+          <a:prstGeom prst="rect">
+            <a:avLst/>
+          </a:prstGeom>
+          <a:noFill/>
+          <a:ln>
+            <a:noFill/>
+          </a:ln>
+        </p:spPr>
+      </p:pic>
+      <p:pic>
+        <p:nvPicPr>
+          <p:cNvPr id="352" name="Google Shape;352;p28"/>
+          <p:cNvPicPr preferRelativeResize="0"/>
+          <p:nvPr/>
+        </p:nvPicPr>
+        <p:blipFill>
+          <a:blip r:embed="rId5">
+            <a:alphaModFix/>
+          </a:blip>
+          <a:stretch>
+            <a:fillRect/>
+          </a:stretch>
+        </p:blipFill>
+        <p:spPr>
+          <a:xfrm>
+            <a:off x="7825075" y="2319025"/>
+            <a:ext cx="470725" cy="176525"/>
+          </a:xfrm>
+          <a:prstGeom prst="rect">
+            <a:avLst/>
+          </a:prstGeom>
+          <a:noFill/>
+          <a:ln>
+            <a:noFill/>
+          </a:ln>
+        </p:spPr>
+      </p:pic>
+      <p:sp>
+        <p:nvSpPr>
+          <p:cNvPr id="353" name="Google Shape;353;p28"/>
+          <p:cNvSpPr txBox="1"/>
+          <p:nvPr/>
+        </p:nvSpPr>
+        <p:spPr>
+          <a:xfrm>
+            <a:off x="6355025" y="3635675"/>
+            <a:ext cx="2418600" cy="400200"/>
+          </a:xfrm>
+          <a:prstGeom prst="rect">
+            <a:avLst/>
+          </a:prstGeom>
+          <a:noFill/>
+          <a:ln>
+            <a:noFill/>
+          </a:ln>
+        </p:spPr>
+        <p:txBody>
+          <a:bodyPr anchorCtr="0" anchor="t" bIns="91425" lIns="91425" spcFirstLastPara="1" rIns="91425" wrap="square" tIns="91425">
+            <a:spAutoFit/>
+          </a:bodyPr>
+          <a:lstStyle/>
+          <a:p>
+            <a:pPr indent="0" lvl="0" marL="0" rtl="0" algn="ctr">
+              <a:spcBef>
+                <a:spcPts val="0"/>
+              </a:spcBef>
+              <a:spcAft>
+                <a:spcPts val="0"/>
+              </a:spcAft>
+              <a:buNone/>
+            </a:pPr>
+            <a:r>
+              <a:rPr lang="en">
+                <a:latin typeface="Trebuchet MS"/>
+                <a:ea typeface="Trebuchet MS"/>
+                <a:cs typeface="Trebuchet MS"/>
+                <a:sym typeface="Trebuchet MS"/>
+              </a:rPr>
+              <a:t>480x640 resolution screen</a:t>
+            </a:r>
+            <a:endParaRPr>
+              <a:latin typeface="Trebuchet MS"/>
+              <a:ea typeface="Trebuchet MS"/>
+              <a:cs typeface="Trebuchet MS"/>
+              <a:sym typeface="Trebuchet MS"/>
+            </a:endParaRPr>
+          </a:p>
+        </p:txBody>
+      </p:sp>
+      <p:sp>
+        <p:nvSpPr>
+          <p:cNvPr id="354" name="Google Shape;354;p28"/>
+          <p:cNvSpPr txBox="1"/>
+          <p:nvPr/>
+        </p:nvSpPr>
+        <p:spPr>
+          <a:xfrm>
+            <a:off x="6619975" y="1890150"/>
+            <a:ext cx="726900" cy="338700"/>
+          </a:xfrm>
+          <a:prstGeom prst="rect">
+            <a:avLst/>
+          </a:prstGeom>
+          <a:noFill/>
+          <a:ln>
+            <a:noFill/>
+          </a:ln>
+        </p:spPr>
+        <p:txBody>
+          <a:bodyPr anchorCtr="0" anchor="t" bIns="91425" lIns="91425" spcFirstLastPara="1" rIns="91425" wrap="square" tIns="91425">
+            <a:spAutoFit/>
+          </a:bodyPr>
+          <a:lstStyle/>
+          <a:p>
+            <a:pPr indent="0" lvl="0" marL="0" rtl="0" algn="l">
+              <a:spcBef>
+                <a:spcPts val="0"/>
+              </a:spcBef>
+              <a:spcAft>
+                <a:spcPts val="0"/>
+              </a:spcAft>
+              <a:buNone/>
+            </a:pPr>
+            <a:r>
+              <a:rPr lang="en" sz="1000">
+                <a:solidFill>
+                  <a:schemeClr val="lt1"/>
+                </a:solidFill>
+                <a:latin typeface="Trebuchet MS"/>
+                <a:ea typeface="Trebuchet MS"/>
+                <a:cs typeface="Trebuchet MS"/>
+                <a:sym typeface="Trebuchet MS"/>
+              </a:rPr>
+              <a:t>(x,y)</a:t>
+            </a:r>
+            <a:endParaRPr sz="1000">
+              <a:solidFill>
+                <a:schemeClr val="lt1"/>
+              </a:solidFill>
+              <a:latin typeface="Trebuchet MS"/>
+              <a:ea typeface="Trebuchet MS"/>
+              <a:cs typeface="Trebuchet MS"/>
+              <a:sym typeface="Trebuchet MS"/>
+            </a:endParaRPr>
+          </a:p>
+        </p:txBody>
+      </p:sp>
+      <p:sp>
+        <p:nvSpPr>
+          <p:cNvPr id="355" name="Google Shape;355;p28"/>
+          <p:cNvSpPr txBox="1"/>
+          <p:nvPr/>
+        </p:nvSpPr>
+        <p:spPr>
+          <a:xfrm>
+            <a:off x="7555000" y="2058750"/>
+            <a:ext cx="1361700" cy="338700"/>
+          </a:xfrm>
+          <a:prstGeom prst="rect">
+            <a:avLst/>
+          </a:prstGeom>
+          <a:noFill/>
+          <a:ln>
+            <a:noFill/>
+          </a:ln>
+        </p:spPr>
+        <p:txBody>
+          <a:bodyPr anchorCtr="0" anchor="t" bIns="91425" lIns="91425" spcFirstLastPara="1" rIns="91425" wrap="square" tIns="91425">
+            <a:spAutoFit/>
+          </a:bodyPr>
+          <a:lstStyle/>
+          <a:p>
+            <a:pPr indent="0" lvl="0" marL="0" rtl="0" algn="l">
+              <a:spcBef>
+                <a:spcPts val="0"/>
+              </a:spcBef>
+              <a:spcAft>
+                <a:spcPts val="0"/>
+              </a:spcAft>
+              <a:buNone/>
+            </a:pPr>
+            <a:r>
+              <a:rPr lang="en" sz="1000">
+                <a:solidFill>
+                  <a:schemeClr val="lt1"/>
+                </a:solidFill>
+                <a:latin typeface="Trebuchet MS"/>
+                <a:ea typeface="Trebuchet MS"/>
+                <a:cs typeface="Trebuchet MS"/>
+                <a:sym typeface="Trebuchet MS"/>
+              </a:rPr>
+              <a:t>(bullet_x, bullet_y)</a:t>
+            </a:r>
+            <a:endParaRPr sz="1000">
+              <a:solidFill>
+                <a:schemeClr val="lt1"/>
+              </a:solidFill>
+              <a:latin typeface="Trebuchet MS"/>
+              <a:ea typeface="Trebuchet MS"/>
+              <a:cs typeface="Trebuchet MS"/>
+              <a:sym typeface="Trebuchet MS"/>
+            </a:endParaRPr>
+          </a:p>
+        </p:txBody>
+      </p:sp>
+      <p:sp>
+        <p:nvSpPr>
+          <p:cNvPr id="356" name="Google Shape;356;p28"/>
+          <p:cNvSpPr/>
+          <p:nvPr/>
+        </p:nvSpPr>
+        <p:spPr>
+          <a:xfrm>
+            <a:off x="6915150" y="2181225"/>
+            <a:ext cx="26400" cy="42600"/>
+          </a:xfrm>
+          <a:prstGeom prst="ellipse">
+            <a:avLst/>
+          </a:prstGeom>
+          <a:solidFill>
+            <a:srgbClr val="FF0000"/>
+          </a:solidFill>
+          <a:ln cap="flat" cmpd="sng" w="9525">
+            <a:solidFill>
+              <a:schemeClr val="dk2"/>
+            </a:solidFill>
+            <a:prstDash val="solid"/>
+            <a:round/>
+            <a:headEnd len="sm" w="sm" type="none"/>
+            <a:tailEnd len="sm" w="sm" type="none"/>
+          </a:ln>
+        </p:spPr>
+        <p:txBody>
+          <a:bodyPr anchorCtr="0" anchor="ctr" bIns="91425" lIns="91425" spcFirstLastPara="1" rIns="91425" wrap="square" tIns="91425">
+            <a:noAutofit/>
+          </a:bodyPr>
+          <a:lstStyle/>
+          <a:p>
+            <a:pPr indent="0" lvl="0" marL="0" rtl="0" algn="l">
+              <a:spcBef>
+                <a:spcPts val="0"/>
+              </a:spcBef>
+              <a:spcAft>
+                <a:spcPts val="0"/>
+              </a:spcAft>
+              <a:buNone/>
+            </a:pPr>
+            <a:r>
+              <a:t/>
+            </a:r>
+            <a:endParaRPr/>
+          </a:p>
+        </p:txBody>
+      </p:sp>
+      <p:sp>
+        <p:nvSpPr>
+          <p:cNvPr id="357" name="Google Shape;357;p28"/>
+          <p:cNvSpPr txBox="1"/>
+          <p:nvPr/>
+        </p:nvSpPr>
+        <p:spPr>
+          <a:xfrm>
+            <a:off x="1666875" y="2181225"/>
+            <a:ext cx="3571800" cy="615600"/>
+          </a:xfrm>
+          <a:prstGeom prst="rect">
+            <a:avLst/>
+          </a:prstGeom>
+          <a:noFill/>
+          <a:ln cap="flat" cmpd="sng" w="19050">
+            <a:solidFill>
+              <a:srgbClr val="FF0000"/>
+            </a:solidFill>
+            <a:prstDash val="dash"/>
+            <a:round/>
+            <a:headEnd len="sm" w="sm" type="none"/>
+            <a:tailEnd len="sm" w="sm" type="none"/>
+          </a:ln>
+        </p:spPr>
+        <p:txBody>
+          <a:bodyPr anchorCtr="0" anchor="t" bIns="91425" lIns="91425" spcFirstLastPara="1" rIns="91425" wrap="square" tIns="91425">
+            <a:spAutoFit/>
+          </a:bodyPr>
+          <a:lstStyle/>
+          <a:p>
+            <a:pPr indent="0" lvl="0" marL="0" rtl="0" algn="l">
+              <a:spcBef>
+                <a:spcPts val="0"/>
+              </a:spcBef>
+              <a:spcAft>
+                <a:spcPts val="0"/>
+              </a:spcAft>
+              <a:buNone/>
+            </a:pPr>
+            <a:r>
+              <a:t/>
+            </a:r>
+            <a:endParaRPr/>
+          </a:p>
+          <a:p>
+            <a:pPr indent="0" lvl="0" marL="0" rtl="0" algn="l">
+              <a:spcBef>
+                <a:spcPts val="0"/>
+              </a:spcBef>
+              <a:spcAft>
+                <a:spcPts val="0"/>
+              </a:spcAft>
+              <a:buNone/>
+            </a:pPr>
+            <a:r>
+              <a:t/>
+            </a:r>
+            <a:endParaRPr/>
+          </a:p>
+        </p:txBody>
+      </p:sp>
+      <p:cxnSp>
+        <p:nvCxnSpPr>
+          <p:cNvPr id="358" name="Google Shape;358;p28"/>
+          <p:cNvCxnSpPr>
+            <a:stCxn id="357" idx="3"/>
+          </p:cNvCxnSpPr>
+          <p:nvPr/>
+        </p:nvCxnSpPr>
+        <p:spPr>
+          <a:xfrm>
+            <a:off x="5238675" y="2489025"/>
+            <a:ext cx="514500" cy="0"/>
+          </a:xfrm>
+          <a:prstGeom prst="straightConnector1">
+            <a:avLst/>
+          </a:prstGeom>
+          <a:noFill/>
+          <a:ln cap="flat" cmpd="sng" w="38100">
+            <a:solidFill>
+              <a:schemeClr val="dk2"/>
+            </a:solidFill>
+            <a:prstDash val="solid"/>
+            <a:round/>
+            <a:headEnd len="med" w="med" type="none"/>
+            <a:tailEnd len="med" w="med" type="triangle"/>
+          </a:ln>
+        </p:spPr>
+      </p:cxnSp>
+      <p:sp>
+        <p:nvSpPr>
+          <p:cNvPr id="359" name="Google Shape;359;p28"/>
+          <p:cNvSpPr txBox="1"/>
+          <p:nvPr/>
+        </p:nvSpPr>
+        <p:spPr>
+          <a:xfrm>
+            <a:off x="845688" y="4486275"/>
+            <a:ext cx="4019700" cy="554100"/>
+          </a:xfrm>
+          <a:prstGeom prst="rect">
+            <a:avLst/>
+          </a:prstGeom>
+          <a:noFill/>
+          <a:ln>
+            <a:noFill/>
+          </a:ln>
+        </p:spPr>
+        <p:txBody>
+          <a:bodyPr anchorCtr="0" anchor="t" bIns="91425" lIns="91425" spcFirstLastPara="1" rIns="91425" wrap="square" tIns="91425">
+            <a:spAutoFit/>
+          </a:bodyPr>
+          <a:lstStyle/>
+          <a:p>
+            <a:pPr indent="0" lvl="0" marL="0" rtl="0" algn="ctr">
+              <a:spcBef>
+                <a:spcPts val="0"/>
+              </a:spcBef>
+              <a:spcAft>
+                <a:spcPts val="0"/>
+              </a:spcAft>
+              <a:buNone/>
+            </a:pPr>
+            <a:r>
+              <a:rPr lang="en" sz="1200">
+                <a:latin typeface="Trebuchet MS"/>
+                <a:ea typeface="Trebuchet MS"/>
+                <a:cs typeface="Trebuchet MS"/>
+                <a:sym typeface="Trebuchet MS"/>
+              </a:rPr>
+              <a:t>Collision detection of a balloon with a bullet. </a:t>
+            </a:r>
+            <a:endParaRPr sz="1200">
+              <a:latin typeface="Trebuchet MS"/>
+              <a:ea typeface="Trebuchet MS"/>
+              <a:cs typeface="Trebuchet MS"/>
+              <a:sym typeface="Trebuchet MS"/>
+            </a:endParaRPr>
+          </a:p>
+          <a:p>
+            <a:pPr indent="0" lvl="0" marL="0" rtl="0" algn="ctr">
+              <a:spcBef>
+                <a:spcPts val="0"/>
+              </a:spcBef>
+              <a:spcAft>
+                <a:spcPts val="0"/>
+              </a:spcAft>
+              <a:buNone/>
+            </a:pPr>
+            <a:r>
+              <a:rPr lang="en" sz="1200">
+                <a:latin typeface="Trebuchet MS"/>
+                <a:ea typeface="Trebuchet MS"/>
+                <a:cs typeface="Trebuchet MS"/>
+                <a:sym typeface="Trebuchet MS"/>
+              </a:rPr>
+              <a:t>Defined in balloon module in balloon.v file.</a:t>
+            </a:r>
+            <a:endParaRPr sz="1200">
+              <a:latin typeface="Trebuchet MS"/>
+              <a:ea typeface="Trebuchet MS"/>
+              <a:cs typeface="Trebuchet MS"/>
+              <a:sym typeface="Trebuchet MS"/>
+            </a:endParaRPr>
+          </a:p>
+        </p:txBody>
+      </p:sp>
+      <p:sp>
+        <p:nvSpPr>
+          <p:cNvPr id="360" name="Google Shape;360;p28"/>
+          <p:cNvSpPr/>
+          <p:nvPr/>
+        </p:nvSpPr>
+        <p:spPr>
+          <a:xfrm>
+            <a:off x="6870275" y="2159625"/>
+            <a:ext cx="85800" cy="85800"/>
+          </a:xfrm>
+          <a:prstGeom prst="ellipse">
+            <a:avLst/>
+          </a:prstGeom>
+          <a:solidFill>
+            <a:srgbClr val="FF0000"/>
+          </a:solidFill>
+          <a:ln cap="flat" cmpd="sng" w="9525">
+            <a:solidFill>
+              <a:schemeClr val="dk2"/>
+            </a:solidFill>
+            <a:prstDash val="solid"/>
+            <a:round/>
+            <a:headEnd len="sm" w="sm" type="none"/>
+            <a:tailEnd len="sm" w="sm" type="none"/>
+          </a:ln>
+        </p:spPr>
+        <p:txBody>
+          <a:bodyPr anchorCtr="0" anchor="ctr" bIns="91425" lIns="91425" spcFirstLastPara="1" rIns="91425" wrap="square" tIns="91425">
+            <a:noAutofit/>
+          </a:bodyPr>
+          <a:lstStyle/>
+          <a:p>
+            <a:pPr indent="0" lvl="0" marL="0" rtl="0" algn="l">
+              <a:spcBef>
+                <a:spcPts val="0"/>
+              </a:spcBef>
+              <a:spcAft>
+                <a:spcPts val="0"/>
+              </a:spcAft>
+              <a:buNone/>
+            </a:pPr>
+            <a:r>
+              <a:t/>
+            </a:r>
+            <a:endParaRPr/>
+          </a:p>
+        </p:txBody>
+      </p:sp>
+      <p:sp>
+        <p:nvSpPr>
+          <p:cNvPr id="361" name="Google Shape;361;p28"/>
+          <p:cNvSpPr/>
+          <p:nvPr/>
+        </p:nvSpPr>
+        <p:spPr>
+          <a:xfrm>
+            <a:off x="7786675" y="2281225"/>
+            <a:ext cx="85800" cy="85800"/>
+          </a:xfrm>
+          <a:prstGeom prst="ellipse">
+            <a:avLst/>
+          </a:prstGeom>
+          <a:solidFill>
+            <a:srgbClr val="FF0000"/>
+          </a:solidFill>
+          <a:ln cap="flat" cmpd="sng" w="9525">
+            <a:solidFill>
+              <a:schemeClr val="dk2"/>
+            </a:solidFill>
+            <a:prstDash val="solid"/>
+            <a:round/>
+            <a:headEnd len="sm" w="sm" type="none"/>
+            <a:tailEnd len="sm" w="sm" type="none"/>
+          </a:ln>
+        </p:spPr>
+        <p:txBody>
+          <a:bodyPr anchorCtr="0" anchor="ctr" bIns="91425" lIns="91425" spcFirstLastPara="1" rIns="91425" wrap="square" tIns="91425">
+            <a:noAutofit/>
+          </a:bodyPr>
+          <a:lstStyle/>
+          <a:p>
+            <a:pPr indent="0" lvl="0" marL="0" rtl="0" algn="l">
+              <a:spcBef>
+                <a:spcPts val="0"/>
+              </a:spcBef>
+              <a:spcAft>
+                <a:spcPts val="0"/>
+              </a:spcAft>
+              <a:buNone/>
+            </a:pPr>
+            <a:r>
+              <a:t/>
+            </a:r>
+            <a:endParaRPr/>
+          </a:p>
+        </p:txBody>
+      </p:sp>
+      <p:cxnSp>
+        <p:nvCxnSpPr>
+          <p:cNvPr id="362" name="Google Shape;362;p28"/>
+          <p:cNvCxnSpPr/>
+          <p:nvPr/>
+        </p:nvCxnSpPr>
+        <p:spPr>
+          <a:xfrm>
+            <a:off x="6783613" y="2228850"/>
+            <a:ext cx="0" cy="685800"/>
+          </a:xfrm>
+          <a:prstGeom prst="straightConnector1">
+            <a:avLst/>
+          </a:prstGeom>
+          <a:noFill/>
+          <a:ln cap="flat" cmpd="sng" w="9525">
+            <a:solidFill>
+              <a:schemeClr val="lt1"/>
+            </a:solidFill>
+            <a:prstDash val="dash"/>
+            <a:round/>
+            <a:headEnd len="med" w="med" type="triangle"/>
+            <a:tailEnd len="med" w="med" type="triangle"/>
+          </a:ln>
+        </p:spPr>
+      </p:cxnSp>
+      <p:sp>
+        <p:nvSpPr>
+          <p:cNvPr id="363" name="Google Shape;363;p28"/>
+          <p:cNvSpPr txBox="1"/>
+          <p:nvPr/>
+        </p:nvSpPr>
+        <p:spPr>
+          <a:xfrm rot="-5400000">
+            <a:off x="6164025" y="2387075"/>
+            <a:ext cx="726900" cy="307800"/>
+          </a:xfrm>
+          <a:prstGeom prst="rect">
+            <a:avLst/>
+          </a:prstGeom>
+          <a:noFill/>
+          <a:ln>
+            <a:noFill/>
+          </a:ln>
+        </p:spPr>
+        <p:txBody>
+          <a:bodyPr anchorCtr="0" anchor="t" bIns="91425" lIns="91425" spcFirstLastPara="1" rIns="91425" wrap="square" tIns="91425">
+            <a:spAutoFit/>
+          </a:bodyPr>
+          <a:lstStyle/>
+          <a:p>
+            <a:pPr indent="0" lvl="0" marL="0" rtl="0" algn="l">
+              <a:spcBef>
+                <a:spcPts val="0"/>
+              </a:spcBef>
+              <a:spcAft>
+                <a:spcPts val="0"/>
+              </a:spcAft>
+              <a:buNone/>
+            </a:pPr>
+            <a:r>
+              <a:rPr lang="en" sz="800">
+                <a:solidFill>
+                  <a:schemeClr val="lt1"/>
+                </a:solidFill>
+              </a:rPr>
+              <a:t>BHEIGHT</a:t>
+            </a:r>
+            <a:endParaRPr sz="800">
+              <a:solidFill>
+                <a:schemeClr val="lt1"/>
+              </a:solidFill>
+            </a:endParaRPr>
+          </a:p>
+        </p:txBody>
+      </p:sp>
+      <p:cxnSp>
+        <p:nvCxnSpPr>
+          <p:cNvPr id="364" name="Google Shape;364;p28"/>
+          <p:cNvCxnSpPr/>
+          <p:nvPr/>
+        </p:nvCxnSpPr>
+        <p:spPr>
+          <a:xfrm>
+            <a:off x="6929450" y="3008325"/>
+            <a:ext cx="495300" cy="0"/>
+          </a:xfrm>
+          <a:prstGeom prst="straightConnector1">
+            <a:avLst/>
+          </a:prstGeom>
+          <a:noFill/>
+          <a:ln cap="flat" cmpd="sng" w="9525">
+            <a:solidFill>
+              <a:schemeClr val="lt1"/>
+            </a:solidFill>
+            <a:prstDash val="dash"/>
+            <a:round/>
+            <a:headEnd len="med" w="med" type="triangle"/>
+            <a:tailEnd len="med" w="med" type="triangle"/>
+          </a:ln>
+        </p:spPr>
+      </p:cxnSp>
+      <p:sp>
+        <p:nvSpPr>
+          <p:cNvPr id="365" name="Google Shape;365;p28"/>
+          <p:cNvSpPr txBox="1"/>
+          <p:nvPr/>
+        </p:nvSpPr>
+        <p:spPr>
+          <a:xfrm>
+            <a:off x="6861800" y="3101275"/>
+            <a:ext cx="630600" cy="307800"/>
+          </a:xfrm>
+          <a:prstGeom prst="rect">
+            <a:avLst/>
+          </a:prstGeom>
+          <a:noFill/>
+          <a:ln>
+            <a:noFill/>
+          </a:ln>
+        </p:spPr>
+        <p:txBody>
+          <a:bodyPr anchorCtr="0" anchor="t" bIns="91425" lIns="91425" spcFirstLastPara="1" rIns="91425" wrap="square" tIns="91425">
+            <a:spAutoFit/>
+          </a:bodyPr>
+          <a:lstStyle/>
+          <a:p>
+            <a:pPr indent="0" lvl="0" marL="0" rtl="0" algn="ctr">
+              <a:spcBef>
+                <a:spcPts val="0"/>
+              </a:spcBef>
+              <a:spcAft>
+                <a:spcPts val="0"/>
+              </a:spcAft>
+              <a:buNone/>
+            </a:pPr>
+            <a:r>
+              <a:rPr lang="en" sz="800">
+                <a:solidFill>
+                  <a:schemeClr val="lt1"/>
+                </a:solidFill>
+              </a:rPr>
+              <a:t>BWIDTH</a:t>
+            </a:r>
+            <a:endParaRPr sz="800">
+              <a:solidFill>
+                <a:schemeClr val="lt1"/>
+              </a:solidFill>
+            </a:endParaRPr>
+          </a:p>
+        </p:txBody>
+      </p:sp>
+    </p:spTree>
+  </p:cSld>
+  <p:clrMapOvr>
+    <a:masterClrMapping/>
+  </p:clrMapOvr>
+</p:sld>
+</file>
+
+<file path=ppt/slides/slide17.xml><?xml version="1.0" encoding="utf-8"?>
+<p:sld xmlns:a="http://schemas.openxmlformats.org/drawingml/2006/main" xmlns:r="http://schemas.openxmlformats.org/officeDocument/2006/relationships" xmlns:mc="http://schemas.openxmlformats.org/markup-compatibility/2006" xmlns:mv="urn:schemas-microsoft-com:mac:vml" xmlns:p="http://schemas.openxmlformats.org/presentationml/2006/main" xmlns:c="http://schemas.openxmlformats.org/drawingml/2006/chart" xmlns:dgm="http://schemas.openxmlformats.org/drawingml/2006/diagram" xmlns:o="urn:schemas-microsoft-com:office:office" xmlns:v="urn:schemas-microsoft-com:vml" xmlns:pvml="urn:schemas-microsoft-com:office:powerpoint" xmlns:com="http://schemas.openxmlformats.org/drawingml/2006/compatibility" xmlns:p14="http://schemas.microsoft.com/office/powerpoint/2010/main" xmlns:p15="http://schemas.microsoft.com/office/powerpoint/2012/main" xmlns:ahyp="http://schemas.microsoft.com/office/drawing/2018/hyperlinkcolor">
+  <p:cSld>
+    <p:spTree>
+      <p:nvGrpSpPr>
+        <p:cNvPr id="369" name="Shape 369"/>
+        <p:cNvGrpSpPr/>
+        <p:nvPr/>
+      </p:nvGrpSpPr>
+      <p:grpSpPr>
+        <a:xfrm>
+          <a:off x="0" y="0"/>
+          <a:ext cx="0" cy="0"/>
+          <a:chOff x="0" y="0"/>
+          <a:chExt cx="0" cy="0"/>
+        </a:xfrm>
+      </p:grpSpPr>
+      <p:sp>
+        <p:nvSpPr>
+          <p:cNvPr id="370" name="Google Shape;370;p29"/>
+          <p:cNvSpPr txBox="1"/>
+          <p:nvPr>
+            <p:ph type="title"/>
+          </p:nvPr>
+        </p:nvSpPr>
+        <p:spPr>
+          <a:xfrm>
+            <a:off x="311700" y="445025"/>
+            <a:ext cx="8520600" cy="572700"/>
+          </a:xfrm>
+          <a:prstGeom prst="rect">
+            <a:avLst/>
+          </a:prstGeom>
+        </p:spPr>
+        <p:txBody>
+          <a:bodyPr anchorCtr="0" anchor="t" bIns="91425" lIns="91425" spcFirstLastPara="1" rIns="91425" wrap="square" tIns="91425">
+            <a:normAutofit/>
+          </a:bodyPr>
+          <a:lstStyle/>
+          <a:p>
+            <a:pPr indent="0" lvl="0" marL="0" rtl="0" algn="l">
+              <a:spcBef>
+                <a:spcPts val="0"/>
+              </a:spcBef>
+              <a:spcAft>
+                <a:spcPts val="0"/>
+              </a:spcAft>
+              <a:buNone/>
+            </a:pPr>
+            <a:r>
+              <a:rPr lang="en" sz="2400">
+                <a:latin typeface="Trebuchet MS"/>
+                <a:ea typeface="Trebuchet MS"/>
+                <a:cs typeface="Trebuchet MS"/>
+                <a:sym typeface="Trebuchet MS"/>
+              </a:rPr>
+              <a:t>Successes</a:t>
+            </a:r>
+            <a:endParaRPr sz="2400">
+              <a:latin typeface="Trebuchet MS"/>
+              <a:ea typeface="Trebuchet MS"/>
+              <a:cs typeface="Trebuchet MS"/>
+              <a:sym typeface="Trebuchet MS"/>
+            </a:endParaRPr>
+          </a:p>
+        </p:txBody>
+      </p:sp>
+      <p:sp>
+        <p:nvSpPr>
+          <p:cNvPr id="371" name="Google Shape;371;p29"/>
+          <p:cNvSpPr txBox="1"/>
+          <p:nvPr>
+            <p:ph idx="12" type="sldNum"/>
+          </p:nvPr>
+        </p:nvSpPr>
+        <p:spPr>
+          <a:xfrm>
+            <a:off x="8472458" y="4663217"/>
+            <a:ext cx="548700" cy="393600"/>
+          </a:xfrm>
+          <a:prstGeom prst="rect">
+            <a:avLst/>
+          </a:prstGeom>
+        </p:spPr>
+        <p:txBody>
+          <a:bodyPr anchorCtr="0" anchor="ctr" bIns="91425" lIns="91425" spcFirstLastPara="1" rIns="91425" wrap="square" tIns="91425">
+            <a:normAutofit/>
+          </a:bodyPr>
+          <a:lstStyle/>
+          <a:p>
+            <a:pPr indent="0" lvl="0" marL="0" rtl="0" algn="r">
+              <a:spcBef>
+                <a:spcPts val="0"/>
+              </a:spcBef>
+              <a:spcAft>
+                <a:spcPts val="0"/>
+              </a:spcAft>
+              <a:buNone/>
+            </a:pPr>
+            <a:fld id="{00000000-1234-1234-1234-123412341234}" type="slidenum">
+              <a:rPr lang="en"/>
+              <a:t>‹#›</a:t>
+            </a:fld>
+            <a:endParaRPr/>
+          </a:p>
+        </p:txBody>
+      </p:sp>
+      <p:sp>
+        <p:nvSpPr>
+          <p:cNvPr id="372" name="Google Shape;372;p29"/>
+          <p:cNvSpPr txBox="1"/>
+          <p:nvPr>
+            <p:ph idx="1" type="body"/>
+          </p:nvPr>
+        </p:nvSpPr>
+        <p:spPr>
+          <a:xfrm>
+            <a:off x="311700" y="1191050"/>
+            <a:ext cx="8323200" cy="3708000"/>
+          </a:xfrm>
+          <a:prstGeom prst="rect">
+            <a:avLst/>
+          </a:prstGeom>
+        </p:spPr>
+        <p:txBody>
+          <a:bodyPr anchorCtr="0" anchor="t" bIns="91425" lIns="91425" spcFirstLastPara="1" rIns="91425" wrap="square" tIns="91425">
+            <a:normAutofit lnSpcReduction="10000"/>
+          </a:bodyPr>
+          <a:lstStyle/>
+          <a:p>
+            <a:pPr indent="-330200" lvl="0" marL="457200" rtl="0" algn="l">
+              <a:spcBef>
+                <a:spcPts val="0"/>
+              </a:spcBef>
+              <a:spcAft>
+                <a:spcPts val="0"/>
+              </a:spcAft>
+              <a:buClr>
+                <a:schemeClr val="dk1"/>
+              </a:buClr>
+              <a:buSzPts val="1600"/>
+              <a:buFont typeface="Trebuchet MS"/>
+              <a:buChar char="●"/>
+            </a:pPr>
+            <a:r>
+              <a:rPr lang="en" sz="1600">
+                <a:solidFill>
+                  <a:schemeClr val="dk1"/>
+                </a:solidFill>
+                <a:latin typeface="Trebuchet MS"/>
+                <a:ea typeface="Trebuchet MS"/>
+                <a:cs typeface="Trebuchet MS"/>
+                <a:sym typeface="Trebuchet MS"/>
+              </a:rPr>
+              <a:t>Finished making the game on time</a:t>
+            </a:r>
+            <a:endParaRPr sz="1600">
+              <a:solidFill>
+                <a:schemeClr val="dk1"/>
+              </a:solidFill>
+              <a:latin typeface="Trebuchet MS"/>
+              <a:ea typeface="Trebuchet MS"/>
+              <a:cs typeface="Trebuchet MS"/>
+              <a:sym typeface="Trebuchet MS"/>
+            </a:endParaRPr>
+          </a:p>
+          <a:p>
+            <a:pPr indent="-317500" lvl="1" marL="914400" rtl="0" algn="l">
+              <a:spcBef>
+                <a:spcPts val="0"/>
+              </a:spcBef>
+              <a:spcAft>
+                <a:spcPts val="0"/>
+              </a:spcAft>
+              <a:buClr>
+                <a:schemeClr val="dk1"/>
+              </a:buClr>
+              <a:buSzPts val="1400"/>
+              <a:buFont typeface="Trebuchet MS"/>
+              <a:buChar char="○"/>
+            </a:pPr>
+            <a:r>
+              <a:rPr lang="en">
+                <a:solidFill>
+                  <a:schemeClr val="dk1"/>
+                </a:solidFill>
+                <a:latin typeface="Trebuchet MS"/>
+                <a:ea typeface="Trebuchet MS"/>
+                <a:cs typeface="Trebuchet MS"/>
+                <a:sym typeface="Trebuchet MS"/>
+              </a:rPr>
+              <a:t>All the functionalities proposed in the project proposal are implemented correctly</a:t>
+            </a:r>
+            <a:endParaRPr sz="1600">
+              <a:solidFill>
+                <a:schemeClr val="dk1"/>
+              </a:solidFill>
+              <a:latin typeface="Trebuchet MS"/>
+              <a:ea typeface="Trebuchet MS"/>
+              <a:cs typeface="Trebuchet MS"/>
+              <a:sym typeface="Trebuchet MS"/>
+            </a:endParaRPr>
+          </a:p>
+          <a:p>
+            <a:pPr indent="-330200" lvl="0" marL="457200" rtl="0" algn="l">
+              <a:spcBef>
+                <a:spcPts val="0"/>
+              </a:spcBef>
+              <a:spcAft>
+                <a:spcPts val="0"/>
+              </a:spcAft>
+              <a:buClr>
+                <a:schemeClr val="dk1"/>
+              </a:buClr>
+              <a:buSzPts val="1600"/>
+              <a:buFont typeface="Trebuchet MS"/>
+              <a:buChar char="●"/>
+            </a:pPr>
+            <a:r>
+              <a:rPr lang="en" sz="1600">
+                <a:solidFill>
+                  <a:schemeClr val="dk1"/>
+                </a:solidFill>
+                <a:latin typeface="Trebuchet MS"/>
+                <a:ea typeface="Trebuchet MS"/>
+                <a:cs typeface="Trebuchet MS"/>
+                <a:sym typeface="Trebuchet MS"/>
+              </a:rPr>
+              <a:t>Successfully used the sprites</a:t>
+            </a:r>
+            <a:endParaRPr sz="1600">
+              <a:solidFill>
+                <a:schemeClr val="dk1"/>
+              </a:solidFill>
+              <a:latin typeface="Trebuchet MS"/>
+              <a:ea typeface="Trebuchet MS"/>
+              <a:cs typeface="Trebuchet MS"/>
+              <a:sym typeface="Trebuchet MS"/>
+            </a:endParaRPr>
+          </a:p>
+          <a:p>
+            <a:pPr indent="-317500" lvl="1" marL="914400" rtl="0" algn="l">
+              <a:spcBef>
+                <a:spcPts val="0"/>
+              </a:spcBef>
+              <a:spcAft>
+                <a:spcPts val="0"/>
+              </a:spcAft>
+              <a:buClr>
+                <a:schemeClr val="dk1"/>
+              </a:buClr>
+              <a:buSzPts val="1400"/>
+              <a:buFont typeface="Trebuchet MS"/>
+              <a:buChar char="○"/>
+            </a:pPr>
+            <a:r>
+              <a:rPr lang="en">
+                <a:solidFill>
+                  <a:schemeClr val="dk1"/>
+                </a:solidFill>
+                <a:latin typeface="Trebuchet MS"/>
+                <a:ea typeface="Trebuchet MS"/>
+                <a:cs typeface="Trebuchet MS"/>
+                <a:sym typeface="Trebuchet MS"/>
+              </a:rPr>
+              <a:t>Did not run out of memory (18% utilization)</a:t>
+            </a:r>
+            <a:endParaRPr>
+              <a:solidFill>
+                <a:schemeClr val="dk1"/>
+              </a:solidFill>
+              <a:latin typeface="Trebuchet MS"/>
+              <a:ea typeface="Trebuchet MS"/>
+              <a:cs typeface="Trebuchet MS"/>
+              <a:sym typeface="Trebuchet MS"/>
+            </a:endParaRPr>
+          </a:p>
+          <a:p>
+            <a:pPr indent="-317500" lvl="1" marL="914400" rtl="0" algn="l">
+              <a:spcBef>
+                <a:spcPts val="0"/>
+              </a:spcBef>
+              <a:spcAft>
+                <a:spcPts val="0"/>
+              </a:spcAft>
+              <a:buClr>
+                <a:schemeClr val="dk1"/>
+              </a:buClr>
+              <a:buSzPts val="1400"/>
+              <a:buFont typeface="Trebuchet MS"/>
+              <a:buChar char="○"/>
+            </a:pPr>
+            <a:r>
+              <a:rPr lang="en">
+                <a:solidFill>
+                  <a:schemeClr val="dk1"/>
+                </a:solidFill>
+                <a:latin typeface="Trebuchet MS"/>
+                <a:ea typeface="Trebuchet MS"/>
+                <a:cs typeface="Trebuchet MS"/>
+                <a:sym typeface="Trebuchet MS"/>
+              </a:rPr>
+              <a:t>Multiple use of low resolution sprites</a:t>
+            </a:r>
+            <a:endParaRPr>
+              <a:solidFill>
+                <a:schemeClr val="dk1"/>
+              </a:solidFill>
+              <a:latin typeface="Trebuchet MS"/>
+              <a:ea typeface="Trebuchet MS"/>
+              <a:cs typeface="Trebuchet MS"/>
+              <a:sym typeface="Trebuchet MS"/>
+            </a:endParaRPr>
+          </a:p>
+          <a:p>
+            <a:pPr indent="-330200" lvl="0" marL="457200" rtl="0" algn="l">
+              <a:spcBef>
+                <a:spcPts val="0"/>
+              </a:spcBef>
+              <a:spcAft>
+                <a:spcPts val="0"/>
+              </a:spcAft>
+              <a:buClr>
+                <a:schemeClr val="dk1"/>
+              </a:buClr>
+              <a:buSzPts val="1600"/>
+              <a:buFont typeface="Trebuchet MS"/>
+              <a:buChar char="●"/>
+            </a:pPr>
+            <a:r>
+              <a:rPr lang="en" sz="1600">
+                <a:solidFill>
+                  <a:schemeClr val="dk1"/>
+                </a:solidFill>
+                <a:latin typeface="Trebuchet MS"/>
+                <a:ea typeface="Trebuchet MS"/>
+                <a:cs typeface="Trebuchet MS"/>
+                <a:sym typeface="Trebuchet MS"/>
+              </a:rPr>
+              <a:t>Animation of character, bombs, and balloons</a:t>
+            </a:r>
+            <a:endParaRPr sz="1600">
+              <a:solidFill>
+                <a:schemeClr val="dk1"/>
+              </a:solidFill>
+              <a:latin typeface="Trebuchet MS"/>
+              <a:ea typeface="Trebuchet MS"/>
+              <a:cs typeface="Trebuchet MS"/>
+              <a:sym typeface="Trebuchet MS"/>
+            </a:endParaRPr>
+          </a:p>
+          <a:p>
+            <a:pPr indent="-330200" lvl="0" marL="457200" rtl="0" algn="l">
+              <a:spcBef>
+                <a:spcPts val="0"/>
+              </a:spcBef>
+              <a:spcAft>
+                <a:spcPts val="0"/>
+              </a:spcAft>
+              <a:buClr>
+                <a:schemeClr val="dk1"/>
+              </a:buClr>
+              <a:buSzPts val="1600"/>
+              <a:buFont typeface="Trebuchet MS"/>
+              <a:buChar char="●"/>
+            </a:pPr>
+            <a:r>
+              <a:rPr lang="en" sz="1600">
+                <a:solidFill>
+                  <a:schemeClr val="dk1"/>
+                </a:solidFill>
+                <a:latin typeface="Trebuchet MS"/>
+                <a:ea typeface="Trebuchet MS"/>
+                <a:cs typeface="Trebuchet MS"/>
+                <a:sym typeface="Trebuchet MS"/>
+              </a:rPr>
+              <a:t>Balloon popping animation</a:t>
+            </a:r>
+            <a:endParaRPr sz="1600">
+              <a:solidFill>
+                <a:schemeClr val="dk1"/>
+              </a:solidFill>
+              <a:latin typeface="Trebuchet MS"/>
+              <a:ea typeface="Trebuchet MS"/>
+              <a:cs typeface="Trebuchet MS"/>
+              <a:sym typeface="Trebuchet MS"/>
+            </a:endParaRPr>
+          </a:p>
+          <a:p>
+            <a:pPr indent="-317500" lvl="1" marL="914400" rtl="0" algn="l">
+              <a:spcBef>
+                <a:spcPts val="0"/>
+              </a:spcBef>
+              <a:spcAft>
+                <a:spcPts val="0"/>
+              </a:spcAft>
+              <a:buClr>
+                <a:schemeClr val="dk1"/>
+              </a:buClr>
+              <a:buSzPts val="1400"/>
+              <a:buFont typeface="Trebuchet MS"/>
+              <a:buChar char="○"/>
+            </a:pPr>
+            <a:r>
+              <a:rPr lang="en">
+                <a:solidFill>
+                  <a:schemeClr val="dk1"/>
+                </a:solidFill>
+                <a:latin typeface="Trebuchet MS"/>
+                <a:ea typeface="Trebuchet MS"/>
+                <a:cs typeface="Trebuchet MS"/>
+                <a:sym typeface="Trebuchet MS"/>
+              </a:rPr>
+              <a:t>We worked till 1 AM in the lab!</a:t>
+            </a:r>
+            <a:endParaRPr>
+              <a:solidFill>
+                <a:schemeClr val="dk1"/>
+              </a:solidFill>
+              <a:latin typeface="Trebuchet MS"/>
+              <a:ea typeface="Trebuchet MS"/>
+              <a:cs typeface="Trebuchet MS"/>
+              <a:sym typeface="Trebuchet MS"/>
+            </a:endParaRPr>
+          </a:p>
+          <a:p>
+            <a:pPr indent="-330200" lvl="0" marL="457200" rtl="0" algn="l">
+              <a:spcBef>
+                <a:spcPts val="0"/>
+              </a:spcBef>
+              <a:spcAft>
+                <a:spcPts val="0"/>
+              </a:spcAft>
+              <a:buClr>
+                <a:schemeClr val="dk1"/>
+              </a:buClr>
+              <a:buSzPts val="1600"/>
+              <a:buFont typeface="Trebuchet MS"/>
+              <a:buChar char="●"/>
+            </a:pPr>
+            <a:r>
+              <a:rPr lang="en" sz="1600">
+                <a:solidFill>
+                  <a:schemeClr val="dk1"/>
+                </a:solidFill>
+                <a:latin typeface="Trebuchet MS"/>
+                <a:ea typeface="Trebuchet MS"/>
+                <a:cs typeface="Trebuchet MS"/>
+                <a:sym typeface="Trebuchet MS"/>
+              </a:rPr>
+              <a:t>Crazy bomb physics successfully implemented</a:t>
+            </a:r>
+            <a:endParaRPr sz="1600">
+              <a:solidFill>
+                <a:schemeClr val="dk1"/>
+              </a:solidFill>
+              <a:latin typeface="Trebuchet MS"/>
+              <a:ea typeface="Trebuchet MS"/>
+              <a:cs typeface="Trebuchet MS"/>
+              <a:sym typeface="Trebuchet MS"/>
+            </a:endParaRPr>
+          </a:p>
+          <a:p>
+            <a:pPr indent="-330200" lvl="0" marL="457200" rtl="0" algn="l">
+              <a:spcBef>
+                <a:spcPts val="0"/>
+              </a:spcBef>
+              <a:spcAft>
+                <a:spcPts val="0"/>
+              </a:spcAft>
+              <a:buClr>
+                <a:schemeClr val="dk1"/>
+              </a:buClr>
+              <a:buSzPts val="1600"/>
+              <a:buFont typeface="Trebuchet MS"/>
+              <a:buChar char="●"/>
+            </a:pPr>
+            <a:r>
+              <a:rPr lang="en" sz="1600">
+                <a:solidFill>
+                  <a:schemeClr val="dk1"/>
+                </a:solidFill>
+                <a:latin typeface="Trebuchet MS"/>
+                <a:ea typeface="Trebuchet MS"/>
+                <a:cs typeface="Trebuchet MS"/>
+                <a:sym typeface="Trebuchet MS"/>
+              </a:rPr>
+              <a:t>Hiding the non-transparent background of the sprites</a:t>
+            </a:r>
+            <a:endParaRPr>
+              <a:solidFill>
+                <a:schemeClr val="dk1"/>
+              </a:solidFill>
+              <a:latin typeface="Trebuchet MS"/>
+              <a:ea typeface="Trebuchet MS"/>
+              <a:cs typeface="Trebuchet MS"/>
+              <a:sym typeface="Trebuchet MS"/>
+            </a:endParaRPr>
+          </a:p>
+          <a:p>
+            <a:pPr indent="-330200" lvl="1" marL="914400" rtl="0" algn="l">
+              <a:spcBef>
+                <a:spcPts val="0"/>
+              </a:spcBef>
+              <a:spcAft>
+                <a:spcPts val="0"/>
+              </a:spcAft>
+              <a:buClr>
+                <a:schemeClr val="dk1"/>
+              </a:buClr>
+              <a:buSzPts val="1600"/>
+              <a:buFont typeface="Trebuchet MS"/>
+              <a:buChar char="○"/>
+            </a:pPr>
+            <a:r>
+              <a:rPr lang="en">
+                <a:solidFill>
+                  <a:schemeClr val="dk1"/>
+                </a:solidFill>
+                <a:latin typeface="Trebuchet MS"/>
+                <a:ea typeface="Trebuchet MS"/>
+                <a:cs typeface="Trebuchet MS"/>
+                <a:sym typeface="Trebuchet MS"/>
+              </a:rPr>
+              <a:t>Everything with black background or in rectangular shape</a:t>
+            </a:r>
+            <a:endParaRPr>
+              <a:solidFill>
+                <a:schemeClr val="dk1"/>
+              </a:solidFill>
+              <a:latin typeface="Trebuchet MS"/>
+              <a:ea typeface="Trebuchet MS"/>
+              <a:cs typeface="Trebuchet MS"/>
+              <a:sym typeface="Trebuchet MS"/>
+            </a:endParaRPr>
+          </a:p>
+          <a:p>
+            <a:pPr indent="-330200" lvl="1" marL="914400" rtl="0" algn="l">
+              <a:spcBef>
+                <a:spcPts val="0"/>
+              </a:spcBef>
+              <a:spcAft>
+                <a:spcPts val="0"/>
+              </a:spcAft>
+              <a:buClr>
+                <a:schemeClr val="dk1"/>
+              </a:buClr>
+              <a:buSzPts val="1600"/>
+              <a:buFont typeface="Trebuchet MS"/>
+              <a:buChar char="○"/>
+            </a:pPr>
+            <a:r>
+              <a:rPr lang="en">
+                <a:solidFill>
+                  <a:schemeClr val="dk1"/>
+                </a:solidFill>
+                <a:latin typeface="Trebuchet MS"/>
+                <a:ea typeface="Trebuchet MS"/>
+                <a:cs typeface="Trebuchet MS"/>
+                <a:sym typeface="Trebuchet MS"/>
+              </a:rPr>
+              <a:t>Bombs and balloons barely collide due to their physics</a:t>
+            </a:r>
+            <a:br>
+              <a:rPr lang="en" sz="1600">
+                <a:solidFill>
+                  <a:schemeClr val="dk1"/>
+                </a:solidFill>
+                <a:latin typeface="Trebuchet MS"/>
+                <a:ea typeface="Trebuchet MS"/>
+                <a:cs typeface="Trebuchet MS"/>
+                <a:sym typeface="Trebuchet MS"/>
+              </a:rPr>
+            </a:br>
+            <a:endParaRPr sz="1600">
+              <a:solidFill>
+                <a:schemeClr val="dk1"/>
+              </a:solidFill>
+              <a:latin typeface="Trebuchet MS"/>
+              <a:ea typeface="Trebuchet MS"/>
+              <a:cs typeface="Trebuchet MS"/>
+              <a:sym typeface="Trebuchet MS"/>
+            </a:endParaRPr>
+          </a:p>
+          <a:p>
+            <a:pPr indent="-330200" lvl="0" marL="457200" rtl="0" algn="l">
+              <a:spcBef>
+                <a:spcPts val="0"/>
+              </a:spcBef>
+              <a:spcAft>
+                <a:spcPts val="0"/>
+              </a:spcAft>
+              <a:buClr>
+                <a:schemeClr val="dk1"/>
+              </a:buClr>
+              <a:buSzPts val="1600"/>
+              <a:buFont typeface="Trebuchet MS"/>
+              <a:buChar char="●"/>
+            </a:pPr>
+            <a:r>
+              <a:rPr lang="en" sz="1600">
+                <a:solidFill>
+                  <a:schemeClr val="dk1"/>
+                </a:solidFill>
+                <a:latin typeface="Trebuchet MS"/>
+                <a:ea typeface="Trebuchet MS"/>
+                <a:cs typeface="Trebuchet MS"/>
+                <a:sym typeface="Trebuchet MS"/>
+              </a:rPr>
+              <a:t>Farhan finally found a title for the game!</a:t>
+            </a:r>
+            <a:endParaRPr sz="1600">
+              <a:solidFill>
+                <a:schemeClr val="dk1"/>
+              </a:solidFill>
+              <a:latin typeface="Trebuchet MS"/>
+              <a:ea typeface="Trebuchet MS"/>
+              <a:cs typeface="Trebuchet MS"/>
+              <a:sym typeface="Trebuchet MS"/>
+            </a:endParaRPr>
+          </a:p>
+        </p:txBody>
+      </p:sp>
+    </p:spTree>
+  </p:cSld>
+  <p:clrMapOvr>
+    <a:masterClrMapping/>
+  </p:clrMapOvr>
+</p:sld>
+</file>
+
+<file path=ppt/slides/slide18.xml><?xml version="1.0" encoding="utf-8"?>
+<p:sld xmlns:a="http://schemas.openxmlformats.org/drawingml/2006/main" xmlns:r="http://schemas.openxmlformats.org/officeDocument/2006/relationships" xmlns:mc="http://schemas.openxmlformats.org/markup-compatibility/2006" xmlns:mv="urn:schemas-microsoft-com:mac:vml" xmlns:p="http://schemas.openxmlformats.org/presentationml/2006/main" xmlns:c="http://schemas.openxmlformats.org/drawingml/2006/chart" xmlns:dgm="http://schemas.openxmlformats.org/drawingml/2006/diagram" xmlns:o="urn:schemas-microsoft-com:office:office" xmlns:v="urn:schemas-microsoft-com:vml" xmlns:pvml="urn:schemas-microsoft-com:office:powerpoint" xmlns:com="http://schemas.openxmlformats.org/drawingml/2006/compatibility" xmlns:p14="http://schemas.microsoft.com/office/powerpoint/2010/main" xmlns:p15="http://schemas.microsoft.com/office/powerpoint/2012/main" xmlns:ahyp="http://schemas.microsoft.com/office/drawing/2018/hyperlinkcolor">
+  <p:cSld>
+    <p:spTree>
+      <p:nvGrpSpPr>
+        <p:cNvPr id="376" name="Shape 376"/>
+        <p:cNvGrpSpPr/>
+        <p:nvPr/>
+      </p:nvGrpSpPr>
+      <p:grpSpPr>
+        <a:xfrm>
+          <a:off x="0" y="0"/>
+          <a:ext cx="0" cy="0"/>
+          <a:chOff x="0" y="0"/>
+          <a:chExt cx="0" cy="0"/>
+        </a:xfrm>
+      </p:grpSpPr>
+      <p:sp>
+        <p:nvSpPr>
+          <p:cNvPr id="377" name="Google Shape;377;p30"/>
+          <p:cNvSpPr txBox="1"/>
+          <p:nvPr>
+            <p:ph type="title"/>
+          </p:nvPr>
+        </p:nvSpPr>
+        <p:spPr>
+          <a:xfrm>
+            <a:off x="311700" y="445025"/>
+            <a:ext cx="8520600" cy="572700"/>
+          </a:xfrm>
+          <a:prstGeom prst="rect">
+            <a:avLst/>
+          </a:prstGeom>
+        </p:spPr>
+        <p:txBody>
+          <a:bodyPr anchorCtr="0" anchor="t" bIns="91425" lIns="91425" spcFirstLastPara="1" rIns="91425" wrap="square" tIns="91425">
+            <a:normAutofit/>
+          </a:bodyPr>
+          <a:lstStyle/>
+          <a:p>
+            <a:pPr indent="0" lvl="0" marL="0" rtl="0" algn="l">
+              <a:spcBef>
+                <a:spcPts val="0"/>
+              </a:spcBef>
+              <a:spcAft>
+                <a:spcPts val="0"/>
+              </a:spcAft>
+              <a:buNone/>
+            </a:pPr>
+            <a:r>
+              <a:rPr lang="en" sz="2400">
+                <a:latin typeface="Trebuchet MS"/>
+                <a:ea typeface="Trebuchet MS"/>
+                <a:cs typeface="Trebuchet MS"/>
+                <a:sym typeface="Trebuchet MS"/>
+              </a:rPr>
+              <a:t>Failures &amp; Design Tradeoffs</a:t>
+            </a:r>
+            <a:endParaRPr sz="2400">
+              <a:latin typeface="Trebuchet MS"/>
+              <a:ea typeface="Trebuchet MS"/>
+              <a:cs typeface="Trebuchet MS"/>
+              <a:sym typeface="Trebuchet MS"/>
+            </a:endParaRPr>
+          </a:p>
+        </p:txBody>
+      </p:sp>
+      <p:sp>
+        <p:nvSpPr>
+          <p:cNvPr id="378" name="Google Shape;378;p30"/>
+          <p:cNvSpPr txBox="1"/>
+          <p:nvPr>
+            <p:ph idx="12" type="sldNum"/>
+          </p:nvPr>
+        </p:nvSpPr>
+        <p:spPr>
+          <a:xfrm>
+            <a:off x="8472458" y="4663217"/>
+            <a:ext cx="548700" cy="393600"/>
+          </a:xfrm>
+          <a:prstGeom prst="rect">
+            <a:avLst/>
+          </a:prstGeom>
+        </p:spPr>
+        <p:txBody>
+          <a:bodyPr anchorCtr="0" anchor="ctr" bIns="91425" lIns="91425" spcFirstLastPara="1" rIns="91425" wrap="square" tIns="91425">
+            <a:normAutofit/>
+          </a:bodyPr>
+          <a:lstStyle/>
+          <a:p>
+            <a:pPr indent="0" lvl="0" marL="0" rtl="0" algn="r">
+              <a:spcBef>
+                <a:spcPts val="0"/>
+              </a:spcBef>
+              <a:spcAft>
+                <a:spcPts val="0"/>
+              </a:spcAft>
+              <a:buNone/>
+            </a:pPr>
+            <a:fld id="{00000000-1234-1234-1234-123412341234}" type="slidenum">
+              <a:rPr lang="en"/>
+              <a:t>‹#›</a:t>
+            </a:fld>
+            <a:endParaRPr/>
+          </a:p>
+        </p:txBody>
+      </p:sp>
+      <p:sp>
+        <p:nvSpPr>
+          <p:cNvPr id="379" name="Google Shape;379;p30"/>
+          <p:cNvSpPr txBox="1"/>
+          <p:nvPr>
+            <p:ph idx="1" type="body"/>
+          </p:nvPr>
+        </p:nvSpPr>
+        <p:spPr>
+          <a:xfrm>
+            <a:off x="311700" y="1191050"/>
+            <a:ext cx="8160900" cy="3374700"/>
+          </a:xfrm>
+          <a:prstGeom prst="rect">
+            <a:avLst/>
+          </a:prstGeom>
+        </p:spPr>
+        <p:txBody>
+          <a:bodyPr anchorCtr="0" anchor="t" bIns="91425" lIns="91425" spcFirstLastPara="1" rIns="91425" wrap="square" tIns="91425">
+            <a:normAutofit/>
+          </a:bodyPr>
+          <a:lstStyle/>
+          <a:p>
+            <a:pPr indent="-330200" lvl="0" marL="457200" rtl="0" algn="l">
+              <a:spcBef>
+                <a:spcPts val="0"/>
+              </a:spcBef>
+              <a:spcAft>
+                <a:spcPts val="0"/>
+              </a:spcAft>
+              <a:buClr>
+                <a:schemeClr val="dk1"/>
+              </a:buClr>
+              <a:buSzPts val="1600"/>
+              <a:buFont typeface="Trebuchet MS"/>
+              <a:buChar char="●"/>
+            </a:pPr>
+            <a:r>
+              <a:rPr lang="en" sz="1600">
+                <a:solidFill>
+                  <a:schemeClr val="dk1"/>
+                </a:solidFill>
+                <a:latin typeface="Trebuchet MS"/>
+                <a:ea typeface="Trebuchet MS"/>
+                <a:cs typeface="Trebuchet MS"/>
+                <a:sym typeface="Trebuchet MS"/>
+              </a:rPr>
+              <a:t>Could not add music (We are very sorry)</a:t>
+            </a:r>
+            <a:endParaRPr sz="1600">
+              <a:solidFill>
+                <a:schemeClr val="dk1"/>
+              </a:solidFill>
+              <a:latin typeface="Trebuchet MS"/>
+              <a:ea typeface="Trebuchet MS"/>
+              <a:cs typeface="Trebuchet MS"/>
+              <a:sym typeface="Trebuchet MS"/>
+            </a:endParaRPr>
+          </a:p>
+          <a:p>
+            <a:pPr indent="-317500" lvl="1" marL="914400" rtl="0" algn="l">
+              <a:spcBef>
+                <a:spcPts val="0"/>
+              </a:spcBef>
+              <a:spcAft>
+                <a:spcPts val="0"/>
+              </a:spcAft>
+              <a:buClr>
+                <a:schemeClr val="dk1"/>
+              </a:buClr>
+              <a:buSzPts val="1400"/>
+              <a:buFont typeface="Trebuchet MS"/>
+              <a:buChar char="○"/>
+            </a:pPr>
+            <a:r>
+              <a:rPr lang="en">
+                <a:solidFill>
+                  <a:schemeClr val="dk1"/>
+                </a:solidFill>
+                <a:latin typeface="Trebuchet MS"/>
+                <a:ea typeface="Trebuchet MS"/>
+                <a:cs typeface="Trebuchet MS"/>
+                <a:sym typeface="Trebuchet MS"/>
+              </a:rPr>
+              <a:t>Needed a speaker or converter, ran out of time</a:t>
+            </a:r>
+            <a:endParaRPr>
+              <a:solidFill>
+                <a:schemeClr val="dk1"/>
+              </a:solidFill>
+              <a:latin typeface="Trebuchet MS"/>
+              <a:ea typeface="Trebuchet MS"/>
+              <a:cs typeface="Trebuchet MS"/>
+              <a:sym typeface="Trebuchet MS"/>
+            </a:endParaRPr>
+          </a:p>
+          <a:p>
+            <a:pPr indent="-317500" lvl="1" marL="914400" rtl="0" algn="l">
+              <a:spcBef>
+                <a:spcPts val="0"/>
+              </a:spcBef>
+              <a:spcAft>
+                <a:spcPts val="0"/>
+              </a:spcAft>
+              <a:buClr>
+                <a:schemeClr val="dk1"/>
+              </a:buClr>
+              <a:buSzPts val="1400"/>
+              <a:buFont typeface="Trebuchet MS"/>
+              <a:buChar char="○"/>
+            </a:pPr>
+            <a:r>
+              <a:rPr lang="en">
+                <a:solidFill>
+                  <a:schemeClr val="dk1"/>
+                </a:solidFill>
+                <a:latin typeface="Trebuchet MS"/>
+                <a:ea typeface="Trebuchet MS"/>
+                <a:cs typeface="Trebuchet MS"/>
+                <a:sym typeface="Trebuchet MS"/>
+              </a:rPr>
+              <a:t>Focused more on visual improvement</a:t>
+            </a:r>
+            <a:endParaRPr>
+              <a:solidFill>
+                <a:schemeClr val="dk1"/>
+              </a:solidFill>
+              <a:latin typeface="Trebuchet MS"/>
+              <a:ea typeface="Trebuchet MS"/>
+              <a:cs typeface="Trebuchet MS"/>
+              <a:sym typeface="Trebuchet MS"/>
+            </a:endParaRPr>
+          </a:p>
+          <a:p>
+            <a:pPr indent="-330200" lvl="0" marL="457200" rtl="0" algn="l">
+              <a:spcBef>
+                <a:spcPts val="0"/>
+              </a:spcBef>
+              <a:spcAft>
+                <a:spcPts val="0"/>
+              </a:spcAft>
+              <a:buClr>
+                <a:schemeClr val="dk1"/>
+              </a:buClr>
+              <a:buSzPts val="1600"/>
+              <a:buFont typeface="Trebuchet MS"/>
+              <a:buChar char="●"/>
+            </a:pPr>
+            <a:r>
+              <a:rPr lang="en" sz="1600">
+                <a:solidFill>
+                  <a:schemeClr val="dk1"/>
+                </a:solidFill>
+                <a:latin typeface="Trebuchet MS"/>
+                <a:ea typeface="Trebuchet MS"/>
+                <a:cs typeface="Trebuchet MS"/>
+                <a:sym typeface="Trebuchet MS"/>
+              </a:rPr>
+              <a:t>Little glitches in the sprites at a certain part of the monitor</a:t>
+            </a:r>
+            <a:endParaRPr sz="1600">
+              <a:solidFill>
+                <a:schemeClr val="dk1"/>
+              </a:solidFill>
+              <a:latin typeface="Trebuchet MS"/>
+              <a:ea typeface="Trebuchet MS"/>
+              <a:cs typeface="Trebuchet MS"/>
+              <a:sym typeface="Trebuchet MS"/>
+            </a:endParaRPr>
+          </a:p>
+          <a:p>
+            <a:pPr indent="-317500" lvl="1" marL="914400" rtl="0" algn="l">
+              <a:spcBef>
+                <a:spcPts val="0"/>
+              </a:spcBef>
+              <a:spcAft>
+                <a:spcPts val="0"/>
+              </a:spcAft>
+              <a:buClr>
+                <a:schemeClr val="dk1"/>
+              </a:buClr>
+              <a:buSzPts val="1400"/>
+              <a:buFont typeface="Trebuchet MS"/>
+              <a:buChar char="○"/>
+            </a:pPr>
+            <a:r>
+              <a:rPr lang="en">
+                <a:solidFill>
+                  <a:schemeClr val="dk1"/>
+                </a:solidFill>
+                <a:latin typeface="Trebuchet MS"/>
+                <a:ea typeface="Trebuchet MS"/>
+                <a:cs typeface="Trebuchet MS"/>
+                <a:sym typeface="Trebuchet MS"/>
+              </a:rPr>
+              <a:t>Solved some position-</a:t>
+            </a:r>
+            <a:r>
+              <a:rPr lang="en">
+                <a:solidFill>
+                  <a:schemeClr val="dk1"/>
+                </a:solidFill>
+                <a:latin typeface="Trebuchet MS"/>
+                <a:ea typeface="Trebuchet MS"/>
+                <a:cs typeface="Trebuchet MS"/>
+                <a:sym typeface="Trebuchet MS"/>
+              </a:rPr>
+              <a:t>independent</a:t>
+            </a:r>
+            <a:r>
+              <a:rPr lang="en">
+                <a:solidFill>
+                  <a:schemeClr val="dk1"/>
+                </a:solidFill>
+                <a:latin typeface="Trebuchet MS"/>
+                <a:ea typeface="Trebuchet MS"/>
+                <a:cs typeface="Trebuchet MS"/>
+                <a:sym typeface="Trebuchet MS"/>
+              </a:rPr>
+              <a:t> </a:t>
+            </a:r>
+            <a:r>
+              <a:rPr lang="en">
+                <a:solidFill>
+                  <a:schemeClr val="dk1"/>
+                </a:solidFill>
+                <a:latin typeface="Trebuchet MS"/>
+                <a:ea typeface="Trebuchet MS"/>
+                <a:cs typeface="Trebuchet MS"/>
+                <a:sym typeface="Trebuchet MS"/>
+              </a:rPr>
+              <a:t>glitching</a:t>
+            </a:r>
+            <a:r>
+              <a:rPr lang="en">
+                <a:solidFill>
+                  <a:schemeClr val="dk1"/>
+                </a:solidFill>
+                <a:latin typeface="Trebuchet MS"/>
+                <a:ea typeface="Trebuchet MS"/>
+                <a:cs typeface="Trebuchet MS"/>
+                <a:sym typeface="Trebuchet MS"/>
+              </a:rPr>
+              <a:t> problems by analyzing corner cases</a:t>
+            </a:r>
+            <a:endParaRPr>
+              <a:solidFill>
+                <a:schemeClr val="dk1"/>
+              </a:solidFill>
+              <a:latin typeface="Trebuchet MS"/>
+              <a:ea typeface="Trebuchet MS"/>
+              <a:cs typeface="Trebuchet MS"/>
+              <a:sym typeface="Trebuchet MS"/>
+            </a:endParaRPr>
+          </a:p>
+          <a:p>
+            <a:pPr indent="-317500" lvl="1" marL="914400" rtl="0" algn="l">
+              <a:spcBef>
+                <a:spcPts val="0"/>
+              </a:spcBef>
+              <a:spcAft>
+                <a:spcPts val="0"/>
+              </a:spcAft>
+              <a:buClr>
+                <a:schemeClr val="dk1"/>
+              </a:buClr>
+              <a:buSzPts val="1400"/>
+              <a:buFont typeface="Trebuchet MS"/>
+              <a:buChar char="○"/>
+            </a:pPr>
+            <a:r>
+              <a:rPr lang="en">
+                <a:solidFill>
+                  <a:schemeClr val="dk1"/>
+                </a:solidFill>
+                <a:latin typeface="Trebuchet MS"/>
+                <a:ea typeface="Trebuchet MS"/>
+                <a:cs typeface="Trebuchet MS"/>
+                <a:sym typeface="Trebuchet MS"/>
+              </a:rPr>
+              <a:t>Still some glitches at a certain position, could not figure out why</a:t>
+            </a:r>
+            <a:endParaRPr>
+              <a:solidFill>
+                <a:schemeClr val="dk1"/>
+              </a:solidFill>
+              <a:latin typeface="Trebuchet MS"/>
+              <a:ea typeface="Trebuchet MS"/>
+              <a:cs typeface="Trebuchet MS"/>
+              <a:sym typeface="Trebuchet MS"/>
+            </a:endParaRPr>
+          </a:p>
+          <a:p>
+            <a:pPr indent="-330200" lvl="0" marL="457200" rtl="0" algn="l">
+              <a:spcBef>
+                <a:spcPts val="0"/>
+              </a:spcBef>
+              <a:spcAft>
+                <a:spcPts val="0"/>
+              </a:spcAft>
+              <a:buClr>
+                <a:schemeClr val="dk1"/>
+              </a:buClr>
+              <a:buSzPts val="1600"/>
+              <a:buFont typeface="Trebuchet MS"/>
+              <a:buChar char="●"/>
+            </a:pPr>
+            <a:r>
+              <a:rPr lang="en" sz="1600">
+                <a:solidFill>
+                  <a:schemeClr val="dk1"/>
+                </a:solidFill>
+                <a:latin typeface="Trebuchet MS"/>
+                <a:ea typeface="Trebuchet MS"/>
+                <a:cs typeface="Trebuchet MS"/>
+                <a:sym typeface="Trebuchet MS"/>
+              </a:rPr>
+              <a:t>We wanted more images</a:t>
+            </a:r>
+            <a:endParaRPr sz="1600">
+              <a:solidFill>
+                <a:schemeClr val="dk1"/>
+              </a:solidFill>
+              <a:latin typeface="Trebuchet MS"/>
+              <a:ea typeface="Trebuchet MS"/>
+              <a:cs typeface="Trebuchet MS"/>
+              <a:sym typeface="Trebuchet MS"/>
+            </a:endParaRPr>
+          </a:p>
+          <a:p>
+            <a:pPr indent="-317500" lvl="1" marL="914400" rtl="0" algn="l">
+              <a:spcBef>
+                <a:spcPts val="0"/>
+              </a:spcBef>
+              <a:spcAft>
+                <a:spcPts val="0"/>
+              </a:spcAft>
+              <a:buClr>
+                <a:schemeClr val="dk1"/>
+              </a:buClr>
+              <a:buSzPts val="1400"/>
+              <a:buFont typeface="Trebuchet MS"/>
+              <a:buChar char="○"/>
+            </a:pPr>
+            <a:r>
+              <a:rPr lang="en">
+                <a:solidFill>
+                  <a:schemeClr val="dk1"/>
+                </a:solidFill>
+                <a:latin typeface="Trebuchet MS"/>
+                <a:ea typeface="Trebuchet MS"/>
+                <a:cs typeface="Trebuchet MS"/>
+                <a:sym typeface="Trebuchet MS"/>
+              </a:rPr>
+              <a:t>Very long synthesis time for more/larger images</a:t>
+            </a:r>
+            <a:endParaRPr>
+              <a:solidFill>
+                <a:schemeClr val="dk1"/>
+              </a:solidFill>
+              <a:latin typeface="Trebuchet MS"/>
+              <a:ea typeface="Trebuchet MS"/>
+              <a:cs typeface="Trebuchet MS"/>
+              <a:sym typeface="Trebuchet MS"/>
+            </a:endParaRPr>
+          </a:p>
+          <a:p>
+            <a:pPr indent="-317500" lvl="1" marL="914400" rtl="0" algn="l">
+              <a:spcBef>
+                <a:spcPts val="0"/>
+              </a:spcBef>
+              <a:spcAft>
+                <a:spcPts val="0"/>
+              </a:spcAft>
+              <a:buClr>
+                <a:schemeClr val="dk1"/>
+              </a:buClr>
+              <a:buSzPts val="1400"/>
+              <a:buFont typeface="Trebuchet MS"/>
+              <a:buChar char="○"/>
+            </a:pPr>
+            <a:r>
+              <a:rPr lang="en">
+                <a:solidFill>
+                  <a:schemeClr val="dk1"/>
+                </a:solidFill>
+                <a:latin typeface="Trebuchet MS"/>
+                <a:ea typeface="Trebuchet MS"/>
+                <a:cs typeface="Trebuchet MS"/>
+                <a:sym typeface="Trebuchet MS"/>
+              </a:rPr>
+              <a:t>Difficult to finish the project with a large BRAM</a:t>
+            </a:r>
+            <a:endParaRPr>
+              <a:solidFill>
+                <a:schemeClr val="dk1"/>
+              </a:solidFill>
+              <a:latin typeface="Trebuchet MS"/>
+              <a:ea typeface="Trebuchet MS"/>
+              <a:cs typeface="Trebuchet MS"/>
+              <a:sym typeface="Trebuchet MS"/>
+            </a:endParaRPr>
+          </a:p>
+          <a:p>
+            <a:pPr indent="-317500" lvl="1" marL="914400" rtl="0" algn="l">
+              <a:spcBef>
+                <a:spcPts val="0"/>
+              </a:spcBef>
+              <a:spcAft>
+                <a:spcPts val="0"/>
+              </a:spcAft>
+              <a:buClr>
+                <a:schemeClr val="dk1"/>
+              </a:buClr>
+              <a:buSzPts val="1400"/>
+              <a:buFont typeface="Trebuchet MS"/>
+              <a:buChar char="○"/>
+            </a:pPr>
+            <a:r>
+              <a:rPr lang="en">
+                <a:solidFill>
+                  <a:schemeClr val="dk1"/>
+                </a:solidFill>
+                <a:latin typeface="Trebuchet MS"/>
+                <a:ea typeface="Trebuchet MS"/>
+                <a:cs typeface="Trebuchet MS"/>
+                <a:sym typeface="Trebuchet MS"/>
+              </a:rPr>
+              <a:t>Added all the inactive sprites at the end</a:t>
+            </a:r>
+            <a:endParaRPr>
+              <a:solidFill>
+                <a:schemeClr val="dk1"/>
+              </a:solidFill>
+              <a:latin typeface="Trebuchet MS"/>
+              <a:ea typeface="Trebuchet MS"/>
+              <a:cs typeface="Trebuchet MS"/>
+              <a:sym typeface="Trebuchet MS"/>
+            </a:endParaRPr>
+          </a:p>
+        </p:txBody>
+      </p:sp>
+    </p:spTree>
+  </p:cSld>
+  <p:clrMapOvr>
+    <a:masterClrMapping/>
+  </p:clrMapOvr>
+</p:sld>
+</file>
+
+<file path=ppt/slides/slide19.xml><?xml version="1.0" encoding="utf-8"?>
+<p:sld xmlns:a="http://schemas.openxmlformats.org/drawingml/2006/main" xmlns:r="http://schemas.openxmlformats.org/officeDocument/2006/relationships" xmlns:mc="http://schemas.openxmlformats.org/markup-compatibility/2006" xmlns:mv="urn:schemas-microsoft-com:mac:vml" xmlns:p="http://schemas.openxmlformats.org/presentationml/2006/main" xmlns:c="http://schemas.openxmlformats.org/drawingml/2006/chart" xmlns:dgm="http://schemas.openxmlformats.org/drawingml/2006/diagram" xmlns:o="urn:schemas-microsoft-com:office:office" xmlns:v="urn:schemas-microsoft-com:vml" xmlns:pvml="urn:schemas-microsoft-com:office:powerpoint" xmlns:com="http://schemas.openxmlformats.org/drawingml/2006/compatibility" xmlns:p14="http://schemas.microsoft.com/office/powerpoint/2010/main" xmlns:p15="http://schemas.microsoft.com/office/powerpoint/2012/main" xmlns:ahyp="http://schemas.microsoft.com/office/drawing/2018/hyperlinkcolor">
+  <p:cSld>
+    <p:spTree>
+      <p:nvGrpSpPr>
+        <p:cNvPr id="383" name="Shape 383"/>
+        <p:cNvGrpSpPr/>
+        <p:nvPr/>
+      </p:nvGrpSpPr>
+      <p:grpSpPr>
+        <a:xfrm>
+          <a:off x="0" y="0"/>
+          <a:ext cx="0" cy="0"/>
+          <a:chOff x="0" y="0"/>
+          <a:chExt cx="0" cy="0"/>
+        </a:xfrm>
+      </p:grpSpPr>
+      <p:sp>
+        <p:nvSpPr>
+          <p:cNvPr id="384" name="Google Shape;384;p31"/>
+          <p:cNvSpPr txBox="1"/>
+          <p:nvPr>
+            <p:ph idx="12" type="sldNum"/>
+          </p:nvPr>
+        </p:nvSpPr>
+        <p:spPr>
+          <a:xfrm>
+            <a:off x="8472458" y="4663217"/>
+            <a:ext cx="548700" cy="393600"/>
+          </a:xfrm>
+          <a:prstGeom prst="rect">
+            <a:avLst/>
+          </a:prstGeom>
+        </p:spPr>
+        <p:txBody>
+          <a:bodyPr anchorCtr="0" anchor="ctr" bIns="91425" lIns="91425" spcFirstLastPara="1" rIns="91425" wrap="square" tIns="91425">
+            <a:normAutofit/>
+          </a:bodyPr>
+          <a:lstStyle/>
+          <a:p>
+            <a:pPr indent="0" lvl="0" marL="0" rtl="0" algn="r">
+              <a:spcBef>
+                <a:spcPts val="0"/>
+              </a:spcBef>
+              <a:spcAft>
+                <a:spcPts val="0"/>
+              </a:spcAft>
+              <a:buNone/>
+            </a:pPr>
+            <a:fld id="{00000000-1234-1234-1234-123412341234}" type="slidenum">
+              <a:rPr lang="en"/>
+              <a:t>‹#›</a:t>
+            </a:fld>
+            <a:endParaRPr/>
+          </a:p>
+        </p:txBody>
+      </p:sp>
+      <p:sp>
+        <p:nvSpPr>
+          <p:cNvPr id="385" name="Google Shape;385;p31"/>
           <p:cNvSpPr/>
           <p:nvPr/>
         </p:nvSpPr>
@@ -9840,7 +13015,7 @@
       </p:sp>
       <p:pic>
         <p:nvPicPr>
-          <p:cNvPr id="303" name="Google Shape;303;p27"/>
+          <p:cNvPr id="386" name="Google Shape;386;p31"/>
           <p:cNvPicPr preferRelativeResize="0"/>
           <p:nvPr/>
         </p:nvPicPr>
@@ -9868,7 +13043,7 @@
       </p:pic>
       <p:sp>
         <p:nvSpPr>
-          <p:cNvPr id="304" name="Google Shape;304;p27"/>
+          <p:cNvPr id="387" name="Google Shape;387;p31"/>
           <p:cNvSpPr txBox="1"/>
           <p:nvPr/>
         </p:nvSpPr>
@@ -19493,7 +22668,7 @@
         <p:spPr>
           <a:xfrm>
             <a:off x="311700" y="445025"/>
-            <a:ext cx="8520600" cy="572700"/>
+            <a:ext cx="3658500" cy="572700"/>
           </a:xfrm>
           <a:prstGeom prst="rect">
             <a:avLst/>
@@ -19521,7 +22696,7 @@
                 <a:cs typeface="Trebuchet MS"/>
                 <a:sym typeface="Trebuchet MS"/>
               </a:rPr>
-              <a:t>Verilog Example</a:t>
+              <a:t>BRAM Module</a:t>
             </a:r>
             <a:endParaRPr sz="2400">
               <a:latin typeface="Trebuchet MS"/>
@@ -19588,21 +22763,15 @@
         </p:blipFill>
         <p:spPr>
           <a:xfrm>
-            <a:off x="888212" y="1914675"/>
-            <a:ext cx="7062775" cy="2198175"/>
+            <a:off x="428250" y="1351200"/>
+            <a:ext cx="3657598" cy="3251964"/>
           </a:xfrm>
           <a:prstGeom prst="rect">
             <a:avLst/>
           </a:prstGeom>
           <a:noFill/>
-          <a:ln cap="flat" cmpd="sng" w="9525">
-            <a:solidFill>
-              <a:schemeClr val="dk2"/>
-            </a:solidFill>
-            <a:prstDash val="solid"/>
-            <a:round/>
-            <a:headEnd len="sm" w="sm" type="none"/>
-            <a:tailEnd len="sm" w="sm" type="none"/>
+          <a:ln>
+            <a:noFill/>
           </a:ln>
         </p:spPr>
       </p:pic>
@@ -19614,8 +22783,8 @@
         </p:nvSpPr>
         <p:spPr>
           <a:xfrm>
-            <a:off x="1750400" y="4214750"/>
-            <a:ext cx="5439600" cy="369300"/>
+            <a:off x="1430100" y="4603175"/>
+            <a:ext cx="1806300" cy="369300"/>
           </a:xfrm>
           <a:prstGeom prst="rect">
             <a:avLst/>
@@ -19631,7 +22800,7 @@
           </a:bodyPr>
           <a:lstStyle/>
           <a:p>
-            <a:pPr indent="0" lvl="0" marL="0" rtl="0" algn="ctr">
+            <a:pPr indent="0" lvl="0" marL="0" rtl="0" algn="l">
               <a:spcBef>
                 <a:spcPts val="0"/>
               </a:spcBef>
@@ -19647,7 +22816,7 @@
                 <a:cs typeface="Trebuchet MS"/>
                 <a:sym typeface="Trebuchet MS"/>
               </a:rPr>
-              <a:t>Number of balloons and bombs are parameterized using generate blocks</a:t>
+              <a:t>pixel_converter.py</a:t>
             </a:r>
             <a:endParaRPr sz="1200">
               <a:latin typeface="Trebuchet MS"/>
@@ -19662,41 +22831,112 @@
         <p:nvSpPr>
           <p:cNvPr id="250" name="Google Shape;250;p21"/>
           <p:cNvSpPr txBox="1"/>
-          <p:nvPr>
-            <p:ph idx="1" type="body"/>
-          </p:nvPr>
-        </p:nvSpPr>
-        <p:spPr>
-          <a:xfrm>
-            <a:off x="311700" y="1191050"/>
-            <a:ext cx="3863400" cy="2755200"/>
-          </a:xfrm>
-          <a:prstGeom prst="rect">
-            <a:avLst/>
-          </a:prstGeom>
+          <p:nvPr/>
+        </p:nvSpPr>
+        <p:spPr>
+          <a:xfrm>
+            <a:off x="612650" y="1017725"/>
+            <a:ext cx="3411300" cy="369300"/>
+          </a:xfrm>
+          <a:prstGeom prst="rect">
+            <a:avLst/>
+          </a:prstGeom>
+          <a:noFill/>
+          <a:ln>
+            <a:noFill/>
+          </a:ln>
         </p:spPr>
         <p:txBody>
           <a:bodyPr anchorCtr="0" anchor="t" bIns="91425" lIns="91425" spcFirstLastPara="1" rIns="91425" wrap="square" tIns="91425">
-            <a:normAutofit/>
+            <a:spAutoFit/>
           </a:bodyPr>
           <a:lstStyle/>
           <a:p>
-            <a:pPr indent="-330200" lvl="0" marL="457200" rtl="0" algn="l">
-              <a:spcBef>
-                <a:spcPts val="0"/>
-              </a:spcBef>
-              <a:spcAft>
-                <a:spcPts val="0"/>
-              </a:spcAft>
-              <a:buClr>
-                <a:schemeClr val="dk1"/>
-              </a:buClr>
-              <a:buSzPts val="1600"/>
-              <a:buFont typeface="Trebuchet MS"/>
-              <a:buChar char="●"/>
-            </a:pPr>
-            <a:r>
-              <a:rPr lang="en" sz="1600">
+            <a:pPr indent="0" lvl="0" marL="0" rtl="0" algn="l">
+              <a:spcBef>
+                <a:spcPts val="0"/>
+              </a:spcBef>
+              <a:spcAft>
+                <a:spcPts val="0"/>
+              </a:spcAft>
+              <a:buNone/>
+            </a:pPr>
+            <a:r>
+              <a:rPr lang="en" sz="1200">
+                <a:latin typeface="Trebuchet MS"/>
+                <a:ea typeface="Trebuchet MS"/>
+                <a:cs typeface="Trebuchet MS"/>
+                <a:sym typeface="Trebuchet MS"/>
+              </a:rPr>
+              <a:t>BRAM module generated with a python script</a:t>
+            </a:r>
+            <a:endParaRPr sz="1200">
+              <a:latin typeface="Trebuchet MS"/>
+              <a:ea typeface="Trebuchet MS"/>
+              <a:cs typeface="Trebuchet MS"/>
+              <a:sym typeface="Trebuchet MS"/>
+            </a:endParaRPr>
+          </a:p>
+        </p:txBody>
+      </p:sp>
+      <p:sp>
+        <p:nvSpPr>
+          <p:cNvPr id="251" name="Google Shape;251;p21"/>
+          <p:cNvSpPr txBox="1"/>
+          <p:nvPr/>
+        </p:nvSpPr>
+        <p:spPr>
+          <a:xfrm>
+            <a:off x="0" y="4888800"/>
+            <a:ext cx="4367700" cy="307800"/>
+          </a:xfrm>
+          <a:prstGeom prst="rect">
+            <a:avLst/>
+          </a:prstGeom>
+          <a:noFill/>
+          <a:ln>
+            <a:noFill/>
+          </a:ln>
+        </p:spPr>
+        <p:txBody>
+          <a:bodyPr anchorCtr="0" anchor="t" bIns="91425" lIns="91425" spcFirstLastPara="1" rIns="91425" wrap="square" tIns="91425">
+            <a:spAutoFit/>
+          </a:bodyPr>
+          <a:lstStyle/>
+          <a:p>
+            <a:pPr indent="0" lvl="0" marL="0" rtl="0" algn="l">
+              <a:spcBef>
+                <a:spcPts val="0"/>
+              </a:spcBef>
+              <a:spcAft>
+                <a:spcPts val="0"/>
+              </a:spcAft>
+              <a:buNone/>
+            </a:pPr>
+            <a:r>
+              <a:rPr lang="en" sz="800">
+                <a:solidFill>
+                  <a:schemeClr val="dk1"/>
+                </a:solidFill>
+                <a:uFill>
+                  <a:noFill/>
+                </a:uFill>
+                <a:latin typeface="Trebuchet MS"/>
+                <a:ea typeface="Trebuchet MS"/>
+                <a:cs typeface="Trebuchet MS"/>
+                <a:sym typeface="Trebuchet MS"/>
+                <a:hlinkClick r:id="rId4">
+                  <a:extLst>
+                    <a:ext uri="{A12FA001-AC4F-418D-AE19-62706E023703}">
+                      <ahyp:hlinkClr val="tx"/>
+                    </a:ext>
+                  </a:extLst>
+                </a:hlinkClick>
+              </a:rPr>
+              <a:t>bombs-n-balloons</a:t>
+            </a:r>
+            <a:r>
+              <a:rPr lang="en" sz="800">
                 <a:solidFill>
                   <a:schemeClr val="dk1"/>
                 </a:solidFill>
@@ -19705,9 +22945,9 @@
                 <a:cs typeface="Trebuchet MS"/>
                 <a:sym typeface="Trebuchet MS"/>
               </a:rPr>
-              <a:t>Generate blocks to make the design scalable</a:t>
-            </a:r>
-            <a:endParaRPr sz="1600">
+              <a:t>/sprites_bram_generator/pixel_converter.py</a:t>
+            </a:r>
+            <a:endParaRPr sz="800">
               <a:solidFill>
                 <a:schemeClr val="dk1"/>
               </a:solidFill>
@@ -19719,6 +22959,482 @@
           </a:p>
         </p:txBody>
       </p:sp>
+      <p:sp>
+        <p:nvSpPr>
+          <p:cNvPr id="252" name="Google Shape;252;p21"/>
+          <p:cNvSpPr txBox="1"/>
+          <p:nvPr/>
+        </p:nvSpPr>
+        <p:spPr>
+          <a:xfrm>
+            <a:off x="4572000" y="1612900"/>
+            <a:ext cx="4010400" cy="369300"/>
+          </a:xfrm>
+          <a:prstGeom prst="rect">
+            <a:avLst/>
+          </a:prstGeom>
+          <a:noFill/>
+          <a:ln>
+            <a:noFill/>
+          </a:ln>
+        </p:spPr>
+        <p:txBody>
+          <a:bodyPr anchorCtr="0" anchor="t" bIns="91425" lIns="91425" spcFirstLastPara="1" rIns="91425" wrap="square" tIns="91425">
+            <a:spAutoFit/>
+          </a:bodyPr>
+          <a:lstStyle/>
+          <a:p>
+            <a:pPr indent="0" lvl="0" marL="0" rtl="0" algn="l">
+              <a:spcBef>
+                <a:spcPts val="0"/>
+              </a:spcBef>
+              <a:spcAft>
+                <a:spcPts val="0"/>
+              </a:spcAft>
+              <a:buNone/>
+            </a:pPr>
+            <a:r>
+              <a:rPr lang="en" sz="1200">
+                <a:latin typeface="Trebuchet MS"/>
+                <a:ea typeface="Trebuchet MS"/>
+                <a:cs typeface="Trebuchet MS"/>
+                <a:sym typeface="Trebuchet MS"/>
+              </a:rPr>
+              <a:t>Specify the image locations, desired widths and heights</a:t>
+            </a:r>
+            <a:endParaRPr sz="1200">
+              <a:latin typeface="Trebuchet MS"/>
+              <a:ea typeface="Trebuchet MS"/>
+              <a:cs typeface="Trebuchet MS"/>
+              <a:sym typeface="Trebuchet MS"/>
+            </a:endParaRPr>
+          </a:p>
+        </p:txBody>
+      </p:sp>
+      <p:sp>
+        <p:nvSpPr>
+          <p:cNvPr id="253" name="Google Shape;253;p21"/>
+          <p:cNvSpPr txBox="1"/>
+          <p:nvPr/>
+        </p:nvSpPr>
+        <p:spPr>
+          <a:xfrm>
+            <a:off x="4572000" y="2335963"/>
+            <a:ext cx="4010400" cy="369300"/>
+          </a:xfrm>
+          <a:prstGeom prst="rect">
+            <a:avLst/>
+          </a:prstGeom>
+          <a:noFill/>
+          <a:ln>
+            <a:noFill/>
+          </a:ln>
+        </p:spPr>
+        <p:txBody>
+          <a:bodyPr anchorCtr="0" anchor="t" bIns="91425" lIns="91425" spcFirstLastPara="1" rIns="91425" wrap="square" tIns="91425">
+            <a:spAutoFit/>
+          </a:bodyPr>
+          <a:lstStyle/>
+          <a:p>
+            <a:pPr indent="0" lvl="0" marL="0" rtl="0" algn="l">
+              <a:spcBef>
+                <a:spcPts val="0"/>
+              </a:spcBef>
+              <a:spcAft>
+                <a:spcPts val="0"/>
+              </a:spcAft>
+              <a:buNone/>
+            </a:pPr>
+            <a:r>
+              <a:rPr lang="en" sz="1200">
+                <a:latin typeface="Trebuchet MS"/>
+                <a:ea typeface="Trebuchet MS"/>
+                <a:cs typeface="Trebuchet MS"/>
+                <a:sym typeface="Trebuchet MS"/>
+              </a:rPr>
+              <a:t>Print the initial codes in verilog module</a:t>
+            </a:r>
+            <a:endParaRPr sz="1200">
+              <a:latin typeface="Trebuchet MS"/>
+              <a:ea typeface="Trebuchet MS"/>
+              <a:cs typeface="Trebuchet MS"/>
+              <a:sym typeface="Trebuchet MS"/>
+            </a:endParaRPr>
+          </a:p>
+        </p:txBody>
+      </p:sp>
+      <p:sp>
+        <p:nvSpPr>
+          <p:cNvPr id="254" name="Google Shape;254;p21"/>
+          <p:cNvSpPr txBox="1"/>
+          <p:nvPr/>
+        </p:nvSpPr>
+        <p:spPr>
+          <a:xfrm>
+            <a:off x="4602150" y="3126550"/>
+            <a:ext cx="2124000" cy="369300"/>
+          </a:xfrm>
+          <a:prstGeom prst="rect">
+            <a:avLst/>
+          </a:prstGeom>
+          <a:noFill/>
+          <a:ln>
+            <a:noFill/>
+          </a:ln>
+        </p:spPr>
+        <p:txBody>
+          <a:bodyPr anchorCtr="0" anchor="t" bIns="91425" lIns="91425" spcFirstLastPara="1" rIns="91425" wrap="square" tIns="91425">
+            <a:spAutoFit/>
+          </a:bodyPr>
+          <a:lstStyle/>
+          <a:p>
+            <a:pPr indent="0" lvl="0" marL="0" rtl="0" algn="l">
+              <a:spcBef>
+                <a:spcPts val="0"/>
+              </a:spcBef>
+              <a:spcAft>
+                <a:spcPts val="0"/>
+              </a:spcAft>
+              <a:buNone/>
+            </a:pPr>
+            <a:r>
+              <a:rPr lang="en" sz="1200">
+                <a:latin typeface="Trebuchet MS"/>
+                <a:ea typeface="Trebuchet MS"/>
+                <a:cs typeface="Trebuchet MS"/>
+                <a:sym typeface="Trebuchet MS"/>
+              </a:rPr>
+              <a:t>Resize the image</a:t>
+            </a:r>
+            <a:endParaRPr sz="1200">
+              <a:latin typeface="Trebuchet MS"/>
+              <a:ea typeface="Trebuchet MS"/>
+              <a:cs typeface="Trebuchet MS"/>
+              <a:sym typeface="Trebuchet MS"/>
+            </a:endParaRPr>
+          </a:p>
+        </p:txBody>
+      </p:sp>
+      <p:sp>
+        <p:nvSpPr>
+          <p:cNvPr id="255" name="Google Shape;255;p21"/>
+          <p:cNvSpPr txBox="1"/>
+          <p:nvPr/>
+        </p:nvSpPr>
+        <p:spPr>
+          <a:xfrm>
+            <a:off x="4602150" y="3335950"/>
+            <a:ext cx="4102500" cy="554100"/>
+          </a:xfrm>
+          <a:prstGeom prst="rect">
+            <a:avLst/>
+          </a:prstGeom>
+          <a:noFill/>
+          <a:ln>
+            <a:noFill/>
+          </a:ln>
+        </p:spPr>
+        <p:txBody>
+          <a:bodyPr anchorCtr="0" anchor="t" bIns="91425" lIns="91425" spcFirstLastPara="1" rIns="91425" wrap="square" tIns="91425">
+            <a:spAutoFit/>
+          </a:bodyPr>
+          <a:lstStyle/>
+          <a:p>
+            <a:pPr indent="0" lvl="0" marL="0" rtl="0" algn="l">
+              <a:spcBef>
+                <a:spcPts val="0"/>
+              </a:spcBef>
+              <a:spcAft>
+                <a:spcPts val="0"/>
+              </a:spcAft>
+              <a:buNone/>
+            </a:pPr>
+            <a:r>
+              <a:rPr lang="en" sz="1200">
+                <a:latin typeface="Trebuchet MS"/>
+                <a:ea typeface="Trebuchet MS"/>
+                <a:cs typeface="Trebuchet MS"/>
+                <a:sym typeface="Trebuchet MS"/>
+              </a:rPr>
+              <a:t>Scale the RGB values to fit in 4 bits (Here, max pixel value = 256)</a:t>
+            </a:r>
+            <a:endParaRPr sz="1200">
+              <a:latin typeface="Trebuchet MS"/>
+              <a:ea typeface="Trebuchet MS"/>
+              <a:cs typeface="Trebuchet MS"/>
+              <a:sym typeface="Trebuchet MS"/>
+            </a:endParaRPr>
+          </a:p>
+        </p:txBody>
+      </p:sp>
+      <p:sp>
+        <p:nvSpPr>
+          <p:cNvPr id="256" name="Google Shape;256;p21"/>
+          <p:cNvSpPr txBox="1"/>
+          <p:nvPr/>
+        </p:nvSpPr>
+        <p:spPr>
+          <a:xfrm>
+            <a:off x="4572000" y="3840913"/>
+            <a:ext cx="4010400" cy="369300"/>
+          </a:xfrm>
+          <a:prstGeom prst="rect">
+            <a:avLst/>
+          </a:prstGeom>
+          <a:noFill/>
+          <a:ln>
+            <a:noFill/>
+          </a:ln>
+        </p:spPr>
+        <p:txBody>
+          <a:bodyPr anchorCtr="0" anchor="t" bIns="91425" lIns="91425" spcFirstLastPara="1" rIns="91425" wrap="square" tIns="91425">
+            <a:spAutoFit/>
+          </a:bodyPr>
+          <a:lstStyle/>
+          <a:p>
+            <a:pPr indent="0" lvl="0" marL="0" rtl="0" algn="l">
+              <a:spcBef>
+                <a:spcPts val="0"/>
+              </a:spcBef>
+              <a:spcAft>
+                <a:spcPts val="0"/>
+              </a:spcAft>
+              <a:buNone/>
+            </a:pPr>
+            <a:r>
+              <a:rPr lang="en" sz="1200">
+                <a:latin typeface="Trebuchet MS"/>
+                <a:ea typeface="Trebuchet MS"/>
+                <a:cs typeface="Trebuchet MS"/>
+                <a:sym typeface="Trebuchet MS"/>
+              </a:rPr>
+              <a:t>Print the pixel address and the RGB values in hex digits</a:t>
+            </a:r>
+            <a:endParaRPr sz="1200">
+              <a:latin typeface="Trebuchet MS"/>
+              <a:ea typeface="Trebuchet MS"/>
+              <a:cs typeface="Trebuchet MS"/>
+              <a:sym typeface="Trebuchet MS"/>
+            </a:endParaRPr>
+          </a:p>
+        </p:txBody>
+      </p:sp>
+      <p:sp>
+        <p:nvSpPr>
+          <p:cNvPr id="257" name="Google Shape;257;p21"/>
+          <p:cNvSpPr txBox="1"/>
+          <p:nvPr/>
+        </p:nvSpPr>
+        <p:spPr>
+          <a:xfrm>
+            <a:off x="4572000" y="4286413"/>
+            <a:ext cx="4010400" cy="369300"/>
+          </a:xfrm>
+          <a:prstGeom prst="rect">
+            <a:avLst/>
+          </a:prstGeom>
+          <a:noFill/>
+          <a:ln>
+            <a:noFill/>
+          </a:ln>
+        </p:spPr>
+        <p:txBody>
+          <a:bodyPr anchorCtr="0" anchor="t" bIns="91425" lIns="91425" spcFirstLastPara="1" rIns="91425" wrap="square" tIns="91425">
+            <a:spAutoFit/>
+          </a:bodyPr>
+          <a:lstStyle/>
+          <a:p>
+            <a:pPr indent="0" lvl="0" marL="0" rtl="0" algn="l">
+              <a:spcBef>
+                <a:spcPts val="0"/>
+              </a:spcBef>
+              <a:spcAft>
+                <a:spcPts val="0"/>
+              </a:spcAft>
+              <a:buNone/>
+            </a:pPr>
+            <a:r>
+              <a:rPr lang="en" sz="1200">
+                <a:latin typeface="Trebuchet MS"/>
+                <a:ea typeface="Trebuchet MS"/>
+                <a:cs typeface="Trebuchet MS"/>
+                <a:sym typeface="Trebuchet MS"/>
+              </a:rPr>
+              <a:t>Print the ending verilog codes</a:t>
+            </a:r>
+            <a:endParaRPr sz="1200">
+              <a:latin typeface="Trebuchet MS"/>
+              <a:ea typeface="Trebuchet MS"/>
+              <a:cs typeface="Trebuchet MS"/>
+              <a:sym typeface="Trebuchet MS"/>
+            </a:endParaRPr>
+          </a:p>
+        </p:txBody>
+      </p:sp>
+      <p:cxnSp>
+        <p:nvCxnSpPr>
+          <p:cNvPr id="258" name="Google Shape;258;p21"/>
+          <p:cNvCxnSpPr>
+            <a:endCxn id="252" idx="1"/>
+          </p:cNvCxnSpPr>
+          <p:nvPr/>
+        </p:nvCxnSpPr>
+        <p:spPr>
+          <a:xfrm flipH="1" rot="10800000">
+            <a:off x="3867900" y="1797550"/>
+            <a:ext cx="704100" cy="9300"/>
+          </a:xfrm>
+          <a:prstGeom prst="straightConnector1">
+            <a:avLst/>
+          </a:prstGeom>
+          <a:noFill/>
+          <a:ln cap="flat" cmpd="sng" w="19050">
+            <a:solidFill>
+              <a:schemeClr val="accent4"/>
+            </a:solidFill>
+            <a:prstDash val="solid"/>
+            <a:round/>
+            <a:headEnd len="med" w="med" type="stealth"/>
+            <a:tailEnd len="med" w="med" type="none"/>
+          </a:ln>
+        </p:spPr>
+      </p:cxnSp>
+      <p:cxnSp>
+        <p:nvCxnSpPr>
+          <p:cNvPr id="259" name="Google Shape;259;p21"/>
+          <p:cNvCxnSpPr/>
+          <p:nvPr/>
+        </p:nvCxnSpPr>
+        <p:spPr>
+          <a:xfrm flipH="1" rot="10800000">
+            <a:off x="3071925" y="2516050"/>
+            <a:ext cx="1500000" cy="5100"/>
+          </a:xfrm>
+          <a:prstGeom prst="straightConnector1">
+            <a:avLst/>
+          </a:prstGeom>
+          <a:noFill/>
+          <a:ln cap="flat" cmpd="sng" w="19050">
+            <a:solidFill>
+              <a:schemeClr val="accent4"/>
+            </a:solidFill>
+            <a:prstDash val="solid"/>
+            <a:round/>
+            <a:headEnd len="med" w="med" type="stealth"/>
+            <a:tailEnd len="med" w="med" type="none"/>
+          </a:ln>
+        </p:spPr>
+      </p:cxnSp>
+      <p:cxnSp>
+        <p:nvCxnSpPr>
+          <p:cNvPr id="260" name="Google Shape;260;p21"/>
+          <p:cNvCxnSpPr>
+            <a:endCxn id="254" idx="1"/>
+          </p:cNvCxnSpPr>
+          <p:nvPr/>
+        </p:nvCxnSpPr>
+        <p:spPr>
+          <a:xfrm>
+            <a:off x="3480150" y="3307000"/>
+            <a:ext cx="1122000" cy="4200"/>
+          </a:xfrm>
+          <a:prstGeom prst="straightConnector1">
+            <a:avLst/>
+          </a:prstGeom>
+          <a:noFill/>
+          <a:ln cap="flat" cmpd="sng" w="19050">
+            <a:solidFill>
+              <a:schemeClr val="accent4"/>
+            </a:solidFill>
+            <a:prstDash val="solid"/>
+            <a:round/>
+            <a:headEnd len="med" w="med" type="stealth"/>
+            <a:tailEnd len="med" w="med" type="none"/>
+          </a:ln>
+        </p:spPr>
+      </p:cxnSp>
+      <p:cxnSp>
+        <p:nvCxnSpPr>
+          <p:cNvPr id="261" name="Google Shape;261;p21"/>
+          <p:cNvCxnSpPr>
+            <a:endCxn id="255" idx="1"/>
+          </p:cNvCxnSpPr>
+          <p:nvPr/>
+        </p:nvCxnSpPr>
+        <p:spPr>
+          <a:xfrm>
+            <a:off x="1837050" y="3602800"/>
+            <a:ext cx="2765100" cy="10200"/>
+          </a:xfrm>
+          <a:prstGeom prst="straightConnector1">
+            <a:avLst/>
+          </a:prstGeom>
+          <a:noFill/>
+          <a:ln cap="flat" cmpd="sng" w="19050">
+            <a:solidFill>
+              <a:schemeClr val="accent4"/>
+            </a:solidFill>
+            <a:prstDash val="solid"/>
+            <a:round/>
+            <a:headEnd len="med" w="med" type="stealth"/>
+            <a:tailEnd len="med" w="med" type="none"/>
+          </a:ln>
+        </p:spPr>
+      </p:cxnSp>
+      <p:cxnSp>
+        <p:nvCxnSpPr>
+          <p:cNvPr id="262" name="Google Shape;262;p21"/>
+          <p:cNvCxnSpPr>
+            <a:endCxn id="256" idx="1"/>
+          </p:cNvCxnSpPr>
+          <p:nvPr/>
+        </p:nvCxnSpPr>
+        <p:spPr>
+          <a:xfrm flipH="1" rot="10800000">
+            <a:off x="3806700" y="4025563"/>
+            <a:ext cx="765300" cy="6000"/>
+          </a:xfrm>
+          <a:prstGeom prst="straightConnector1">
+            <a:avLst/>
+          </a:prstGeom>
+          <a:noFill/>
+          <a:ln cap="flat" cmpd="sng" w="19050">
+            <a:solidFill>
+              <a:schemeClr val="accent4"/>
+            </a:solidFill>
+            <a:prstDash val="solid"/>
+            <a:round/>
+            <a:headEnd len="med" w="med" type="stealth"/>
+            <a:tailEnd len="med" w="med" type="none"/>
+          </a:ln>
+        </p:spPr>
+      </p:cxnSp>
+      <p:cxnSp>
+        <p:nvCxnSpPr>
+          <p:cNvPr id="263" name="Google Shape;263;p21"/>
+          <p:cNvCxnSpPr/>
+          <p:nvPr/>
+        </p:nvCxnSpPr>
+        <p:spPr>
+          <a:xfrm flipH="1" rot="10800000">
+            <a:off x="1806450" y="4457175"/>
+            <a:ext cx="2765700" cy="3000"/>
+          </a:xfrm>
+          <a:prstGeom prst="straightConnector1">
+            <a:avLst/>
+          </a:prstGeom>
+          <a:noFill/>
+          <a:ln cap="flat" cmpd="sng" w="19050">
+            <a:solidFill>
+              <a:schemeClr val="accent4"/>
+            </a:solidFill>
+            <a:prstDash val="solid"/>
+            <a:round/>
+            <a:headEnd len="med" w="med" type="stealth"/>
+            <a:tailEnd len="med" w="med" type="none"/>
+          </a:ln>
+        </p:spPr>
+      </p:cxnSp>
     </p:spTree>
   </p:cSld>
   <p:clrMapOvr>
